--- a/BookChapterContent/Slides/Chap4.pptx
+++ b/BookChapterContent/Slides/Chap4.pptx
@@ -6,50 +6,68 @@
   </p:sldMasterIdLst>
   <p:sldIdLst>
     <p:sldId id="256" r:id="rId2"/>
-    <p:sldId id="257" r:id="rId3"/>
-    <p:sldId id="258" r:id="rId4"/>
-    <p:sldId id="259" r:id="rId5"/>
-    <p:sldId id="260" r:id="rId6"/>
-    <p:sldId id="261" r:id="rId7"/>
-    <p:sldId id="262" r:id="rId8"/>
-    <p:sldId id="263" r:id="rId9"/>
-    <p:sldId id="264" r:id="rId10"/>
-    <p:sldId id="265" r:id="rId11"/>
-    <p:sldId id="266" r:id="rId12"/>
-    <p:sldId id="267" r:id="rId13"/>
-    <p:sldId id="268" r:id="rId14"/>
-    <p:sldId id="269" r:id="rId15"/>
-    <p:sldId id="270" r:id="rId16"/>
-    <p:sldId id="271" r:id="rId17"/>
-    <p:sldId id="272" r:id="rId18"/>
-    <p:sldId id="273" r:id="rId19"/>
-    <p:sldId id="274" r:id="rId20"/>
-    <p:sldId id="275" r:id="rId21"/>
-    <p:sldId id="276" r:id="rId22"/>
-    <p:sldId id="277" r:id="rId23"/>
-    <p:sldId id="278" r:id="rId24"/>
-    <p:sldId id="280" r:id="rId25"/>
-    <p:sldId id="281" r:id="rId26"/>
-    <p:sldId id="279" r:id="rId27"/>
-    <p:sldId id="282" r:id="rId28"/>
-    <p:sldId id="283" r:id="rId29"/>
-    <p:sldId id="284" r:id="rId30"/>
-    <p:sldId id="285" r:id="rId31"/>
-    <p:sldId id="286" r:id="rId32"/>
-    <p:sldId id="287" r:id="rId33"/>
-    <p:sldId id="288" r:id="rId34"/>
-    <p:sldId id="290" r:id="rId35"/>
-    <p:sldId id="291" r:id="rId36"/>
-    <p:sldId id="289" r:id="rId37"/>
-    <p:sldId id="292" r:id="rId38"/>
-    <p:sldId id="293" r:id="rId39"/>
-    <p:sldId id="294" r:id="rId40"/>
-    <p:sldId id="295" r:id="rId41"/>
-    <p:sldId id="296" r:id="rId42"/>
-    <p:sldId id="297" r:id="rId43"/>
-    <p:sldId id="298" r:id="rId44"/>
-    <p:sldId id="299" r:id="rId45"/>
-    <p:sldId id="300" r:id="rId46"/>
+    <p:sldId id="301" r:id="rId3"/>
+    <p:sldId id="257" r:id="rId4"/>
+    <p:sldId id="258" r:id="rId5"/>
+    <p:sldId id="309" r:id="rId6"/>
+    <p:sldId id="311" r:id="rId7"/>
+    <p:sldId id="302" r:id="rId8"/>
+    <p:sldId id="259" r:id="rId9"/>
+    <p:sldId id="260" r:id="rId10"/>
+    <p:sldId id="308" r:id="rId11"/>
+    <p:sldId id="261" r:id="rId12"/>
+    <p:sldId id="262" r:id="rId13"/>
+    <p:sldId id="263" r:id="rId14"/>
+    <p:sldId id="264" r:id="rId15"/>
+    <p:sldId id="310" r:id="rId16"/>
+    <p:sldId id="312" r:id="rId17"/>
+    <p:sldId id="303" r:id="rId18"/>
+    <p:sldId id="265" r:id="rId19"/>
+    <p:sldId id="266" r:id="rId20"/>
+    <p:sldId id="267" r:id="rId21"/>
+    <p:sldId id="268" r:id="rId22"/>
+    <p:sldId id="269" r:id="rId23"/>
+    <p:sldId id="270" r:id="rId24"/>
+    <p:sldId id="271" r:id="rId25"/>
+    <p:sldId id="272" r:id="rId26"/>
+    <p:sldId id="273" r:id="rId27"/>
+    <p:sldId id="313" r:id="rId28"/>
+    <p:sldId id="274" r:id="rId29"/>
+    <p:sldId id="304" r:id="rId30"/>
+    <p:sldId id="275" r:id="rId31"/>
+    <p:sldId id="276" r:id="rId32"/>
+    <p:sldId id="277" r:id="rId33"/>
+    <p:sldId id="278" r:id="rId34"/>
+    <p:sldId id="280" r:id="rId35"/>
+    <p:sldId id="281" r:id="rId36"/>
+    <p:sldId id="279" r:id="rId37"/>
+    <p:sldId id="282" r:id="rId38"/>
+    <p:sldId id="283" r:id="rId39"/>
+    <p:sldId id="284" r:id="rId40"/>
+    <p:sldId id="314" r:id="rId41"/>
+    <p:sldId id="318" r:id="rId42"/>
+    <p:sldId id="319" r:id="rId43"/>
+    <p:sldId id="305" r:id="rId44"/>
+    <p:sldId id="285" r:id="rId45"/>
+    <p:sldId id="286" r:id="rId46"/>
+    <p:sldId id="287" r:id="rId47"/>
+    <p:sldId id="288" r:id="rId48"/>
+    <p:sldId id="290" r:id="rId49"/>
+    <p:sldId id="291" r:id="rId50"/>
+    <p:sldId id="306" r:id="rId51"/>
+    <p:sldId id="289" r:id="rId52"/>
+    <p:sldId id="292" r:id="rId53"/>
+    <p:sldId id="293" r:id="rId54"/>
+    <p:sldId id="294" r:id="rId55"/>
+    <p:sldId id="316" r:id="rId56"/>
+    <p:sldId id="317" r:id="rId57"/>
+    <p:sldId id="295" r:id="rId58"/>
+    <p:sldId id="296" r:id="rId59"/>
+    <p:sldId id="297" r:id="rId60"/>
+    <p:sldId id="298" r:id="rId61"/>
+    <p:sldId id="299" r:id="rId62"/>
+    <p:sldId id="300" r:id="rId63"/>
+    <p:sldId id="307" r:id="rId64"/>
   </p:sldIdLst>
   <p:sldSz cx="12192000" cy="6858000"/>
   <p:notesSz cx="6858000" cy="9144000"/>
@@ -148,6 +166,22 @@
       </a:defRPr>
     </a:lvl9pPr>
   </p:defaultTextStyle>
+  <p:extLst>
+    <p:ext uri="{EFAFB233-063F-42B5-8137-9DF3F51BA10A}">
+      <p15:sldGuideLst xmlns:p15="http://schemas.microsoft.com/office/powerpoint/2012/main">
+        <p15:guide id="1" orient="horz" pos="2160">
+          <p15:clr>
+            <a:srgbClr val="A4A3A4"/>
+          </p15:clr>
+        </p15:guide>
+        <p15:guide id="2" pos="3840">
+          <p15:clr>
+            <a:srgbClr val="A4A3A4"/>
+          </p15:clr>
+        </p15:guide>
+      </p15:sldGuideLst>
+    </p:ext>
+  </p:extLst>
 </p:presentation>
 </file>
 
@@ -540,7 +574,7 @@
           <a:p>
             <a:fld id="{0E6BA319-05E9-49EE-8F99-CA1240CA2757}" type="datetimeFigureOut">
               <a:rPr lang="en-US" smtClean="0"/>
-              <a:t>10/15/2015</a:t>
+              <a:t>1/18/2017</a:t>
             </a:fld>
             <a:endParaRPr lang="en-US"/>
           </a:p>
@@ -744,7 +778,7 @@
           <a:p>
             <a:fld id="{0E6BA319-05E9-49EE-8F99-CA1240CA2757}" type="datetimeFigureOut">
               <a:rPr lang="en-US" smtClean="0"/>
-              <a:t>10/15/2015</a:t>
+              <a:t>1/18/2017</a:t>
             </a:fld>
             <a:endParaRPr lang="en-US"/>
           </a:p>
@@ -1507,7 +1541,7 @@
           <a:p>
             <a:fld id="{0E6BA319-05E9-49EE-8F99-CA1240CA2757}" type="datetimeFigureOut">
               <a:rPr lang="en-US" smtClean="0"/>
-              <a:t>10/15/2015</a:t>
+              <a:t>1/18/2017</a:t>
             </a:fld>
             <a:endParaRPr lang="en-US"/>
           </a:p>
@@ -1763,7 +1797,7 @@
           <a:p>
             <a:fld id="{0E6BA319-05E9-49EE-8F99-CA1240CA2757}" type="datetimeFigureOut">
               <a:rPr lang="en-US" smtClean="0"/>
-              <a:t>10/15/2015</a:t>
+              <a:t>1/18/2017</a:t>
             </a:fld>
             <a:endParaRPr lang="en-US"/>
           </a:p>
@@ -2154,7 +2188,7 @@
           <a:p>
             <a:fld id="{0E6BA319-05E9-49EE-8F99-CA1240CA2757}" type="datetimeFigureOut">
               <a:rPr lang="en-US" smtClean="0"/>
-              <a:t>10/15/2015</a:t>
+              <a:t>1/18/2017</a:t>
             </a:fld>
             <a:endParaRPr lang="en-US"/>
           </a:p>
@@ -2296,7 +2330,7 @@
           <a:p>
             <a:fld id="{0E6BA319-05E9-49EE-8F99-CA1240CA2757}" type="datetimeFigureOut">
               <a:rPr lang="en-US" smtClean="0"/>
-              <a:t>10/15/2015</a:t>
+              <a:t>1/18/2017</a:t>
             </a:fld>
             <a:endParaRPr lang="en-US"/>
           </a:p>
@@ -2415,7 +2449,7 @@
           <a:p>
             <a:fld id="{0E6BA319-05E9-49EE-8F99-CA1240CA2757}" type="datetimeFigureOut">
               <a:rPr lang="en-US" smtClean="0"/>
-              <a:t>10/15/2015</a:t>
+              <a:t>1/18/2017</a:t>
             </a:fld>
             <a:endParaRPr lang="en-US"/>
           </a:p>
@@ -2716,7 +2750,7 @@
           <a:p>
             <a:fld id="{0E6BA319-05E9-49EE-8F99-CA1240CA2757}" type="datetimeFigureOut">
               <a:rPr lang="en-US" smtClean="0"/>
-              <a:t>10/15/2015</a:t>
+              <a:t>1/18/2017</a:t>
             </a:fld>
             <a:endParaRPr lang="en-US"/>
           </a:p>
@@ -2993,7 +3027,7 @@
           <a:p>
             <a:fld id="{0E6BA319-05E9-49EE-8F99-CA1240CA2757}" type="datetimeFigureOut">
               <a:rPr lang="en-US" smtClean="0"/>
-              <a:t>10/15/2015</a:t>
+              <a:t>1/18/2017</a:t>
             </a:fld>
             <a:endParaRPr lang="en-US"/>
           </a:p>
@@ -3591,6 +3625,60 @@
           <a:chExt cx="0" cy="0"/>
         </a:xfrm>
       </p:grpSpPr>
+      <p:pic>
+        <p:nvPicPr>
+          <p:cNvPr id="4" name="Picture 3"/>
+          <p:cNvPicPr>
+            <a:picLocks noChangeAspect="1"/>
+          </p:cNvPicPr>
+          <p:nvPr/>
+        </p:nvPicPr>
+        <p:blipFill>
+          <a:blip r:embed="rId2"/>
+          <a:stretch>
+            <a:fillRect/>
+          </a:stretch>
+        </p:blipFill>
+        <p:spPr>
+          <a:xfrm>
+            <a:off x="4882372" y="493713"/>
+            <a:ext cx="7747778" cy="5683250"/>
+          </a:xfrm>
+          <a:prstGeom prst="rect">
+            <a:avLst/>
+          </a:prstGeom>
+          <a:solidFill>
+            <a:srgbClr val="FFFFFF">
+              <a:shade val="85000"/>
+            </a:srgbClr>
+          </a:solidFill>
+          <a:ln w="88900" cap="sq">
+            <a:solidFill>
+              <a:srgbClr val="FFFFFF"/>
+            </a:solidFill>
+            <a:miter lim="800000"/>
+          </a:ln>
+          <a:effectLst>
+            <a:outerShdw blurRad="55000" dist="18000" dir="5400000" algn="tl" rotWithShape="0">
+              <a:srgbClr val="000000">
+                <a:alpha val="40000"/>
+              </a:srgbClr>
+            </a:outerShdw>
+          </a:effectLst>
+          <a:scene3d>
+            <a:camera prst="orthographicFront"/>
+            <a:lightRig rig="twoPt" dir="t">
+              <a:rot lat="0" lon="0" rev="7200000"/>
+            </a:lightRig>
+          </a:scene3d>
+          <a:sp3d>
+            <a:bevelT w="25400" h="19050"/>
+            <a:contourClr>
+              <a:srgbClr val="FFFFFF"/>
+            </a:contourClr>
+          </a:sp3d>
+        </p:spPr>
+      </p:pic>
       <p:sp>
         <p:nvSpPr>
           <p:cNvPr id="2" name="Title 1"/>
@@ -3608,7 +3696,15 @@
           <a:p>
             <a:r>
               <a:rPr lang="en-US" dirty="0" smtClean="0"/>
-              <a:t>4.2: Keyboard Input</a:t>
+              <a:t>4.1: _</a:t>
+            </a:r>
+            <a:r>
+              <a:rPr lang="en-US" dirty="0" err="1" smtClean="0"/>
+              <a:t>runLoop</a:t>
+            </a:r>
+            <a:r>
+              <a:rPr lang="en-US" dirty="0" smtClean="0"/>
+              <a:t>()</a:t>
             </a:r>
             <a:endParaRPr lang="en-US" dirty="0"/>
           </a:p>
@@ -3630,65 +3726,192 @@
           <a:lstStyle/>
           <a:p>
             <a:r>
-              <a:rPr lang="en-US" dirty="0" smtClean="0"/>
-              <a:t>Events and event handlers</a:t>
-            </a:r>
-          </a:p>
-          <a:p>
-            <a:r>
-              <a:rPr lang="en-US" dirty="0" smtClean="0"/>
-              <a:t>HTML5 Event registration and handlers</a:t>
+              <a:rPr lang="en-US" dirty="0" err="1" smtClean="0"/>
+              <a:t>requestAnimationFrame</a:t>
+            </a:r>
+            <a:r>
+              <a:rPr lang="en-US" dirty="0" smtClean="0"/>
+              <a:t>()</a:t>
             </a:r>
           </a:p>
           <a:p>
             <a:pPr lvl="1"/>
             <a:r>
+              <a:rPr lang="en-US" dirty="0" smtClean="0"/>
+              <a:t>.call(class) </a:t>
+            </a:r>
+            <a:r>
+              <a:rPr lang="en-US" dirty="0" smtClean="0">
+                <a:sym typeface="Wingdings" panose="05000000000000000000" pitchFamily="2" charset="2"/>
+              </a:rPr>
+              <a:t> syntax!</a:t>
+            </a:r>
+            <a:endParaRPr lang="en-US" dirty="0" smtClean="0"/>
+          </a:p>
+          <a:p>
+            <a:r>
               <a:rPr lang="en-US" dirty="0" err="1" smtClean="0"/>
-              <a:t>window.addEventListener</a:t>
-            </a:r>
-            <a:r>
-              <a:rPr lang="en-US" dirty="0" smtClean="0"/>
-              <a:t>(“Event”, handler)</a:t>
-            </a:r>
-          </a:p>
-          <a:p>
-            <a:r>
-              <a:rPr lang="en-US" dirty="0" err="1" smtClean="0"/>
-              <a:t>Keycodes</a:t>
-            </a:r>
-            <a:r>
-              <a:rPr lang="en-US" dirty="0" smtClean="0"/>
-              <a:t>:</a:t>
+              <a:t>mIsLoopRunning</a:t>
+            </a:r>
+            <a:r>
+              <a:rPr lang="en-US" dirty="0" smtClean="0"/>
+              <a:t> not checked</a:t>
             </a:r>
           </a:p>
           <a:p>
             <a:pPr lvl="1"/>
             <a:r>
               <a:rPr lang="en-US" dirty="0" smtClean="0"/>
-              <a:t>‘A’ = xx</a:t>
+              <a:t>Will do so later</a:t>
+            </a:r>
+          </a:p>
+          <a:p>
+            <a:r>
+              <a:rPr lang="en-US" dirty="0" smtClean="0"/>
+              <a:t>No input() checking yet</a:t>
+            </a:r>
+          </a:p>
+          <a:p>
+            <a:r>
+              <a:rPr lang="en-US" dirty="0" smtClean="0"/>
+              <a:t>update() and draw()</a:t>
             </a:r>
           </a:p>
           <a:p>
             <a:pPr lvl="1"/>
             <a:r>
               <a:rPr lang="en-US" dirty="0" smtClean="0"/>
-              <a:t>‘B’ = xx+1 </a:t>
+              <a:t>Separated!!</a:t>
             </a:r>
           </a:p>
           <a:p>
             <a:pPr lvl="1"/>
             <a:r>
               <a:rPr lang="en-US" dirty="0" smtClean="0"/>
-              <a:t>…</a:t>
+              <a:t>No update in draw</a:t>
+            </a:r>
+          </a:p>
+          <a:p>
+            <a:pPr lvl="1"/>
+            <a:r>
+              <a:rPr lang="en-US" dirty="0" smtClean="0"/>
+              <a:t>No draw in update!!</a:t>
             </a:r>
             <a:endParaRPr lang="en-US" dirty="0"/>
+          </a:p>
+        </p:txBody>
+      </p:sp>
+      <p:sp>
+        <p:nvSpPr>
+          <p:cNvPr id="5" name="Rounded Rectangle 4"/>
+          <p:cNvSpPr/>
+          <p:nvPr/>
+        </p:nvSpPr>
+        <p:spPr>
+          <a:xfrm>
+            <a:off x="5431849" y="4203290"/>
+            <a:ext cx="6130550" cy="285136"/>
+          </a:xfrm>
+          <a:prstGeom prst="roundRect">
+            <a:avLst/>
+          </a:prstGeom>
+          <a:noFill/>
+          <a:ln w="107950">
+            <a:solidFill>
+              <a:srgbClr val="FF0000"/>
+            </a:solidFill>
+            <a:prstDash val="sysDash"/>
+          </a:ln>
+        </p:spPr>
+        <p:style>
+          <a:lnRef idx="2">
+            <a:schemeClr val="accent1">
+              <a:shade val="50000"/>
+            </a:schemeClr>
+          </a:lnRef>
+          <a:fillRef idx="1">
+            <a:schemeClr val="accent1"/>
+          </a:fillRef>
+          <a:effectRef idx="0">
+            <a:schemeClr val="accent1"/>
+          </a:effectRef>
+          <a:fontRef idx="minor">
+            <a:schemeClr val="lt1"/>
+          </a:fontRef>
+        </p:style>
+        <p:txBody>
+          <a:bodyPr rtlCol="0" anchor="ctr"/>
+          <a:lstStyle/>
+          <a:p>
+            <a:pPr algn="ctr"/>
+            <a:endParaRPr lang="en-US"/>
+          </a:p>
+        </p:txBody>
+      </p:sp>
+      <p:sp>
+        <p:nvSpPr>
+          <p:cNvPr id="7" name="Round Diagonal Corner Rectangle 6"/>
+          <p:cNvSpPr/>
+          <p:nvPr/>
+        </p:nvSpPr>
+        <p:spPr>
+          <a:xfrm>
+            <a:off x="9659421" y="171194"/>
+            <a:ext cx="2645649" cy="723126"/>
+          </a:xfrm>
+          <a:prstGeom prst="round2DiagRect">
+            <a:avLst>
+              <a:gd name="adj1" fmla="val 50000"/>
+              <a:gd name="adj2" fmla="val 0"/>
+            </a:avLst>
+          </a:prstGeom>
+          <a:solidFill>
+            <a:schemeClr val="bg2">
+              <a:lumMod val="90000"/>
+            </a:schemeClr>
+          </a:solidFill>
+        </p:spPr>
+        <p:style>
+          <a:lnRef idx="2">
+            <a:schemeClr val="dk1">
+              <a:shade val="50000"/>
+            </a:schemeClr>
+          </a:lnRef>
+          <a:fillRef idx="1">
+            <a:schemeClr val="dk1"/>
+          </a:fillRef>
+          <a:effectRef idx="0">
+            <a:schemeClr val="dk1"/>
+          </a:effectRef>
+          <a:fontRef idx="minor">
+            <a:schemeClr val="lt1"/>
+          </a:fontRef>
+        </p:style>
+        <p:txBody>
+          <a:bodyPr rtlCol="0" anchor="ctr"/>
+          <a:lstStyle/>
+          <a:p>
+            <a:pPr algn="ctr"/>
+            <a:r>
+              <a:rPr lang="en-US" sz="2000" dirty="0" smtClean="0">
+                <a:solidFill>
+                  <a:schemeClr val="tx1"/>
+                </a:solidFill>
+              </a:rPr>
+              <a:t>Engine_GameLoop.js</a:t>
+            </a:r>
+            <a:endParaRPr lang="en-US" sz="2000" dirty="0">
+              <a:solidFill>
+                <a:schemeClr val="tx1"/>
+              </a:solidFill>
+            </a:endParaRPr>
           </a:p>
         </p:txBody>
       </p:sp>
     </p:spTree>
     <p:extLst>
       <p:ext uri="{BB962C8B-B14F-4D97-AF65-F5344CB8AC3E}">
-        <p14:creationId xmlns:p14="http://schemas.microsoft.com/office/powerpoint/2010/main" val="77695903"/>
+        <p14:creationId xmlns:p14="http://schemas.microsoft.com/office/powerpoint/2010/main" val="476540684"/>
       </p:ext>
     </p:extLst>
   </p:cSld>
@@ -3722,6 +3945,60 @@
           <a:chExt cx="0" cy="0"/>
         </a:xfrm>
       </p:grpSpPr>
+      <p:pic>
+        <p:nvPicPr>
+          <p:cNvPr id="4" name="Picture 3"/>
+          <p:cNvPicPr>
+            <a:picLocks noChangeAspect="1"/>
+          </p:cNvPicPr>
+          <p:nvPr/>
+        </p:nvPicPr>
+        <p:blipFill>
+          <a:blip r:embed="rId2"/>
+          <a:stretch>
+            <a:fillRect/>
+          </a:stretch>
+        </p:blipFill>
+        <p:spPr>
+          <a:xfrm>
+            <a:off x="1855837" y="2324101"/>
+            <a:ext cx="7716788" cy="3744912"/>
+          </a:xfrm>
+          <a:prstGeom prst="rect">
+            <a:avLst/>
+          </a:prstGeom>
+          <a:solidFill>
+            <a:srgbClr val="FFFFFF">
+              <a:shade val="85000"/>
+            </a:srgbClr>
+          </a:solidFill>
+          <a:ln w="88900" cap="sq">
+            <a:solidFill>
+              <a:srgbClr val="FFFFFF"/>
+            </a:solidFill>
+            <a:miter lim="800000"/>
+          </a:ln>
+          <a:effectLst>
+            <a:outerShdw blurRad="55000" dist="18000" dir="5400000" algn="tl" rotWithShape="0">
+              <a:srgbClr val="000000">
+                <a:alpha val="40000"/>
+              </a:srgbClr>
+            </a:outerShdw>
+          </a:effectLst>
+          <a:scene3d>
+            <a:camera prst="orthographicFront"/>
+            <a:lightRig rig="twoPt" dir="t">
+              <a:rot lat="0" lon="0" rev="7200000"/>
+            </a:lightRig>
+          </a:scene3d>
+          <a:sp3d>
+            <a:bevelT w="25400" h="19050"/>
+            <a:contourClr>
+              <a:srgbClr val="FFFFFF"/>
+            </a:contourClr>
+          </a:sp3d>
+        </p:spPr>
+      </p:pic>
       <p:sp>
         <p:nvSpPr>
           <p:cNvPr id="2" name="Title 1"/>
@@ -3739,7 +4016,1222 @@
           <a:p>
             <a:r>
               <a:rPr lang="en-US" dirty="0" smtClean="0"/>
-              <a:t>The </a:t>
+              <a:t>4.1: Trigger to start the loop</a:t>
+            </a:r>
+            <a:endParaRPr lang="en-US" dirty="0"/>
+          </a:p>
+        </p:txBody>
+      </p:sp>
+      <p:sp>
+        <p:nvSpPr>
+          <p:cNvPr id="3" name="Content Placeholder 2"/>
+          <p:cNvSpPr>
+            <a:spLocks noGrp="1"/>
+          </p:cNvSpPr>
+          <p:nvPr>
+            <p:ph idx="1"/>
+          </p:nvPr>
+        </p:nvSpPr>
+        <p:spPr/>
+        <p:txBody>
+          <a:bodyPr/>
+          <a:lstStyle/>
+          <a:p>
+            <a:r>
+              <a:rPr lang="en-US" dirty="0" smtClean="0"/>
+              <a:t>Note the initializations</a:t>
+            </a:r>
+            <a:endParaRPr lang="en-US" dirty="0"/>
+          </a:p>
+        </p:txBody>
+      </p:sp>
+    </p:spTree>
+    <p:extLst>
+      <p:ext uri="{BB962C8B-B14F-4D97-AF65-F5344CB8AC3E}">
+        <p14:creationId xmlns:p14="http://schemas.microsoft.com/office/powerpoint/2010/main" val="2428893318"/>
+      </p:ext>
+    </p:extLst>
+  </p:cSld>
+  <p:clrMapOvr>
+    <a:masterClrMapping/>
+  </p:clrMapOvr>
+  <p:timing>
+    <p:tnLst>
+      <p:par>
+        <p:cTn id="1" dur="indefinite" restart="never" nodeType="tmRoot"/>
+      </p:par>
+    </p:tnLst>
+  </p:timing>
+</p:sld>
+</file>
+
+<file path=ppt/slides/slide12.xml><?xml version="1.0" encoding="utf-8"?>
+<p:sld xmlns:a="http://schemas.openxmlformats.org/drawingml/2006/main" xmlns:r="http://schemas.openxmlformats.org/officeDocument/2006/relationships" xmlns:p="http://schemas.openxmlformats.org/presentationml/2006/main">
+  <p:cSld>
+    <p:spTree>
+      <p:nvGrpSpPr>
+        <p:cNvPr id="1" name=""/>
+        <p:cNvGrpSpPr/>
+        <p:nvPr/>
+      </p:nvGrpSpPr>
+      <p:grpSpPr>
+        <a:xfrm>
+          <a:off x="0" y="0"/>
+          <a:ext cx="0" cy="0"/>
+          <a:chOff x="0" y="0"/>
+          <a:chExt cx="0" cy="0"/>
+        </a:xfrm>
+      </p:grpSpPr>
+      <p:sp>
+        <p:nvSpPr>
+          <p:cNvPr id="2" name="Title 1"/>
+          <p:cNvSpPr>
+            <a:spLocks noGrp="1"/>
+          </p:cNvSpPr>
+          <p:nvPr>
+            <p:ph type="title"/>
+          </p:nvPr>
+        </p:nvSpPr>
+        <p:spPr/>
+        <p:txBody>
+          <a:bodyPr/>
+          <a:lstStyle/>
+          <a:p>
+            <a:r>
+              <a:rPr lang="en-US" dirty="0" smtClean="0"/>
+              <a:t>4.1: Starting the loop: </a:t>
+            </a:r>
+            <a:r>
+              <a:rPr lang="en-US" dirty="0" err="1" smtClean="0"/>
+              <a:t>MyGame.Initialize</a:t>
+            </a:r>
+            <a:r>
+              <a:rPr lang="en-US" dirty="0" smtClean="0"/>
+              <a:t>()</a:t>
+            </a:r>
+            <a:endParaRPr lang="en-US" dirty="0"/>
+          </a:p>
+        </p:txBody>
+      </p:sp>
+      <p:pic>
+        <p:nvPicPr>
+          <p:cNvPr id="4" name="Picture 3"/>
+          <p:cNvPicPr>
+            <a:picLocks noChangeAspect="1"/>
+          </p:cNvPicPr>
+          <p:nvPr/>
+        </p:nvPicPr>
+        <p:blipFill>
+          <a:blip r:embed="rId2"/>
+          <a:stretch>
+            <a:fillRect/>
+          </a:stretch>
+        </p:blipFill>
+        <p:spPr>
+          <a:xfrm>
+            <a:off x="323850" y="1690688"/>
+            <a:ext cx="5634037" cy="3427328"/>
+          </a:xfrm>
+          <a:prstGeom prst="rect">
+            <a:avLst/>
+          </a:prstGeom>
+          <a:solidFill>
+            <a:srgbClr val="FFFFFF">
+              <a:shade val="85000"/>
+            </a:srgbClr>
+          </a:solidFill>
+          <a:ln w="88900" cap="sq">
+            <a:solidFill>
+              <a:srgbClr val="FFFFFF"/>
+            </a:solidFill>
+            <a:miter lim="800000"/>
+          </a:ln>
+          <a:effectLst>
+            <a:outerShdw blurRad="55000" dist="18000" dir="5400000" algn="tl" rotWithShape="0">
+              <a:srgbClr val="000000">
+                <a:alpha val="40000"/>
+              </a:srgbClr>
+            </a:outerShdw>
+          </a:effectLst>
+          <a:scene3d>
+            <a:camera prst="orthographicFront"/>
+            <a:lightRig rig="twoPt" dir="t">
+              <a:rot lat="0" lon="0" rev="7200000"/>
+            </a:lightRig>
+          </a:scene3d>
+          <a:sp3d>
+            <a:bevelT w="25400" h="19050"/>
+            <a:contourClr>
+              <a:srgbClr val="FFFFFF"/>
+            </a:contourClr>
+          </a:sp3d>
+        </p:spPr>
+      </p:pic>
+      <p:pic>
+        <p:nvPicPr>
+          <p:cNvPr id="5" name="Picture 4"/>
+          <p:cNvPicPr>
+            <a:picLocks noChangeAspect="1"/>
+          </p:cNvPicPr>
+          <p:nvPr/>
+        </p:nvPicPr>
+        <p:blipFill>
+          <a:blip r:embed="rId3"/>
+          <a:stretch>
+            <a:fillRect/>
+          </a:stretch>
+        </p:blipFill>
+        <p:spPr>
+          <a:xfrm>
+            <a:off x="6096000" y="3311526"/>
+            <a:ext cx="5725718" cy="2868528"/>
+          </a:xfrm>
+          <a:prstGeom prst="rect">
+            <a:avLst/>
+          </a:prstGeom>
+          <a:solidFill>
+            <a:srgbClr val="FFFFFF">
+              <a:shade val="85000"/>
+            </a:srgbClr>
+          </a:solidFill>
+          <a:ln w="88900" cap="sq">
+            <a:solidFill>
+              <a:srgbClr val="FFFFFF"/>
+            </a:solidFill>
+            <a:miter lim="800000"/>
+          </a:ln>
+          <a:effectLst>
+            <a:outerShdw blurRad="55000" dist="18000" dir="5400000" algn="tl" rotWithShape="0">
+              <a:srgbClr val="000000">
+                <a:alpha val="40000"/>
+              </a:srgbClr>
+            </a:outerShdw>
+          </a:effectLst>
+          <a:scene3d>
+            <a:camera prst="orthographicFront"/>
+            <a:lightRig rig="twoPt" dir="t">
+              <a:rot lat="0" lon="0" rev="7200000"/>
+            </a:lightRig>
+          </a:scene3d>
+          <a:sp3d>
+            <a:bevelT w="25400" h="19050"/>
+            <a:contourClr>
+              <a:srgbClr val="FFFFFF"/>
+            </a:contourClr>
+          </a:sp3d>
+        </p:spPr>
+      </p:pic>
+    </p:spTree>
+    <p:extLst>
+      <p:ext uri="{BB962C8B-B14F-4D97-AF65-F5344CB8AC3E}">
+        <p14:creationId xmlns:p14="http://schemas.microsoft.com/office/powerpoint/2010/main" val="1455725591"/>
+      </p:ext>
+    </p:extLst>
+  </p:cSld>
+  <p:clrMapOvr>
+    <a:masterClrMapping/>
+  </p:clrMapOvr>
+  <p:timing>
+    <p:tnLst>
+      <p:par>
+        <p:cTn id="1" dur="indefinite" restart="never" nodeType="tmRoot"/>
+      </p:par>
+    </p:tnLst>
+  </p:timing>
+</p:sld>
+</file>
+
+<file path=ppt/slides/slide13.xml><?xml version="1.0" encoding="utf-8"?>
+<p:sld xmlns:a="http://schemas.openxmlformats.org/drawingml/2006/main" xmlns:r="http://schemas.openxmlformats.org/officeDocument/2006/relationships" xmlns:p="http://schemas.openxmlformats.org/presentationml/2006/main">
+  <p:cSld>
+    <p:spTree>
+      <p:nvGrpSpPr>
+        <p:cNvPr id="1" name=""/>
+        <p:cNvGrpSpPr/>
+        <p:nvPr/>
+      </p:nvGrpSpPr>
+      <p:grpSpPr>
+        <a:xfrm>
+          <a:off x="0" y="0"/>
+          <a:ext cx="0" cy="0"/>
+          <a:chOff x="0" y="0"/>
+          <a:chExt cx="0" cy="0"/>
+        </a:xfrm>
+      </p:grpSpPr>
+      <p:sp>
+        <p:nvSpPr>
+          <p:cNvPr id="2" name="Title 1"/>
+          <p:cNvSpPr>
+            <a:spLocks noGrp="1"/>
+          </p:cNvSpPr>
+          <p:nvPr>
+            <p:ph type="title"/>
+          </p:nvPr>
+        </p:nvSpPr>
+        <p:spPr/>
+        <p:txBody>
+          <a:bodyPr/>
+          <a:lstStyle/>
+          <a:p>
+            <a:r>
+              <a:rPr lang="en-US" dirty="0" smtClean="0"/>
+              <a:t>4.1: </a:t>
+            </a:r>
+            <a:r>
+              <a:rPr lang="en-US" dirty="0" err="1" smtClean="0"/>
+              <a:t>MyGame</a:t>
+            </a:r>
+            <a:r>
+              <a:rPr lang="en-US" dirty="0" smtClean="0"/>
+              <a:t>: update()</a:t>
+            </a:r>
+            <a:endParaRPr lang="en-US" dirty="0"/>
+          </a:p>
+        </p:txBody>
+      </p:sp>
+      <p:sp>
+        <p:nvSpPr>
+          <p:cNvPr id="3" name="Content Placeholder 2"/>
+          <p:cNvSpPr>
+            <a:spLocks noGrp="1"/>
+          </p:cNvSpPr>
+          <p:nvPr>
+            <p:ph idx="1"/>
+          </p:nvPr>
+        </p:nvSpPr>
+        <p:spPr/>
+        <p:txBody>
+          <a:bodyPr/>
+          <a:lstStyle/>
+          <a:p>
+            <a:endParaRPr lang="en-US" dirty="0"/>
+          </a:p>
+        </p:txBody>
+      </p:sp>
+      <p:pic>
+        <p:nvPicPr>
+          <p:cNvPr id="4" name="Picture 3"/>
+          <p:cNvPicPr>
+            <a:picLocks noChangeAspect="1"/>
+          </p:cNvPicPr>
+          <p:nvPr/>
+        </p:nvPicPr>
+        <p:blipFill>
+          <a:blip r:embed="rId2"/>
+          <a:stretch>
+            <a:fillRect/>
+          </a:stretch>
+        </p:blipFill>
+        <p:spPr>
+          <a:xfrm>
+            <a:off x="2124075" y="1535642"/>
+            <a:ext cx="7710487" cy="5093757"/>
+          </a:xfrm>
+          <a:prstGeom prst="rect">
+            <a:avLst/>
+          </a:prstGeom>
+          <a:solidFill>
+            <a:srgbClr val="FFFFFF">
+              <a:shade val="85000"/>
+            </a:srgbClr>
+          </a:solidFill>
+          <a:ln w="88900" cap="sq">
+            <a:solidFill>
+              <a:srgbClr val="FFFFFF"/>
+            </a:solidFill>
+            <a:miter lim="800000"/>
+          </a:ln>
+          <a:effectLst>
+            <a:outerShdw blurRad="55000" dist="18000" dir="5400000" algn="tl" rotWithShape="0">
+              <a:srgbClr val="000000">
+                <a:alpha val="40000"/>
+              </a:srgbClr>
+            </a:outerShdw>
+          </a:effectLst>
+          <a:scene3d>
+            <a:camera prst="orthographicFront"/>
+            <a:lightRig rig="twoPt" dir="t">
+              <a:rot lat="0" lon="0" rev="7200000"/>
+            </a:lightRig>
+          </a:scene3d>
+          <a:sp3d>
+            <a:bevelT w="25400" h="19050"/>
+            <a:contourClr>
+              <a:srgbClr val="FFFFFF"/>
+            </a:contourClr>
+          </a:sp3d>
+        </p:spPr>
+      </p:pic>
+    </p:spTree>
+    <p:extLst>
+      <p:ext uri="{BB962C8B-B14F-4D97-AF65-F5344CB8AC3E}">
+        <p14:creationId xmlns:p14="http://schemas.microsoft.com/office/powerpoint/2010/main" val="1670447389"/>
+      </p:ext>
+    </p:extLst>
+  </p:cSld>
+  <p:clrMapOvr>
+    <a:masterClrMapping/>
+  </p:clrMapOvr>
+  <p:timing>
+    <p:tnLst>
+      <p:par>
+        <p:cTn id="1" dur="indefinite" restart="never" nodeType="tmRoot"/>
+      </p:par>
+    </p:tnLst>
+  </p:timing>
+</p:sld>
+</file>
+
+<file path=ppt/slides/slide14.xml><?xml version="1.0" encoding="utf-8"?>
+<p:sld xmlns:a="http://schemas.openxmlformats.org/drawingml/2006/main" xmlns:r="http://schemas.openxmlformats.org/officeDocument/2006/relationships" xmlns:p="http://schemas.openxmlformats.org/presentationml/2006/main">
+  <p:cSld>
+    <p:spTree>
+      <p:nvGrpSpPr>
+        <p:cNvPr id="1" name=""/>
+        <p:cNvGrpSpPr/>
+        <p:nvPr/>
+      </p:nvGrpSpPr>
+      <p:grpSpPr>
+        <a:xfrm>
+          <a:off x="0" y="0"/>
+          <a:ext cx="0" cy="0"/>
+          <a:chOff x="0" y="0"/>
+          <a:chExt cx="0" cy="0"/>
+        </a:xfrm>
+      </p:grpSpPr>
+      <p:sp>
+        <p:nvSpPr>
+          <p:cNvPr id="2" name="Title 1"/>
+          <p:cNvSpPr>
+            <a:spLocks noGrp="1"/>
+          </p:cNvSpPr>
+          <p:nvPr>
+            <p:ph type="title"/>
+          </p:nvPr>
+        </p:nvSpPr>
+        <p:spPr/>
+        <p:txBody>
+          <a:bodyPr/>
+          <a:lstStyle/>
+          <a:p>
+            <a:r>
+              <a:rPr lang="en-US" dirty="0" smtClean="0"/>
+              <a:t>4.1: </a:t>
+            </a:r>
+            <a:r>
+              <a:rPr lang="en-US" dirty="0" err="1" smtClean="0"/>
+              <a:t>MyGame</a:t>
+            </a:r>
+            <a:r>
+              <a:rPr lang="en-US" dirty="0" smtClean="0"/>
+              <a:t>: draw()</a:t>
+            </a:r>
+            <a:endParaRPr lang="en-US" dirty="0"/>
+          </a:p>
+        </p:txBody>
+      </p:sp>
+      <p:sp>
+        <p:nvSpPr>
+          <p:cNvPr id="3" name="Content Placeholder 2"/>
+          <p:cNvSpPr>
+            <a:spLocks noGrp="1"/>
+          </p:cNvSpPr>
+          <p:nvPr>
+            <p:ph idx="1"/>
+          </p:nvPr>
+        </p:nvSpPr>
+        <p:spPr/>
+        <p:txBody>
+          <a:bodyPr/>
+          <a:lstStyle/>
+          <a:p>
+            <a:endParaRPr lang="en-US"/>
+          </a:p>
+        </p:txBody>
+      </p:sp>
+      <p:pic>
+        <p:nvPicPr>
+          <p:cNvPr id="4" name="Picture 3"/>
+          <p:cNvPicPr>
+            <a:picLocks noChangeAspect="1"/>
+          </p:cNvPicPr>
+          <p:nvPr/>
+        </p:nvPicPr>
+        <p:blipFill>
+          <a:blip r:embed="rId2"/>
+          <a:stretch>
+            <a:fillRect/>
+          </a:stretch>
+        </p:blipFill>
+        <p:spPr>
+          <a:xfrm>
+            <a:off x="285750" y="1501410"/>
+            <a:ext cx="12730162" cy="5113702"/>
+          </a:xfrm>
+          <a:prstGeom prst="rect">
+            <a:avLst/>
+          </a:prstGeom>
+          <a:solidFill>
+            <a:srgbClr val="FFFFFF">
+              <a:shade val="85000"/>
+            </a:srgbClr>
+          </a:solidFill>
+          <a:ln w="88900" cap="sq">
+            <a:solidFill>
+              <a:srgbClr val="FFFFFF"/>
+            </a:solidFill>
+            <a:miter lim="800000"/>
+          </a:ln>
+          <a:effectLst>
+            <a:outerShdw blurRad="55000" dist="18000" dir="5400000" algn="tl" rotWithShape="0">
+              <a:srgbClr val="000000">
+                <a:alpha val="40000"/>
+              </a:srgbClr>
+            </a:outerShdw>
+          </a:effectLst>
+          <a:scene3d>
+            <a:camera prst="orthographicFront"/>
+            <a:lightRig rig="twoPt" dir="t">
+              <a:rot lat="0" lon="0" rev="7200000"/>
+            </a:lightRig>
+          </a:scene3d>
+          <a:sp3d>
+            <a:bevelT w="25400" h="19050"/>
+            <a:contourClr>
+              <a:srgbClr val="FFFFFF"/>
+            </a:contourClr>
+          </a:sp3d>
+        </p:spPr>
+      </p:pic>
+    </p:spTree>
+    <p:extLst>
+      <p:ext uri="{BB962C8B-B14F-4D97-AF65-F5344CB8AC3E}">
+        <p14:creationId xmlns:p14="http://schemas.microsoft.com/office/powerpoint/2010/main" val="3350754894"/>
+      </p:ext>
+    </p:extLst>
+  </p:cSld>
+  <p:clrMapOvr>
+    <a:masterClrMapping/>
+  </p:clrMapOvr>
+  <p:timing>
+    <p:tnLst>
+      <p:par>
+        <p:cTn id="1" dur="indefinite" restart="never" nodeType="tmRoot"/>
+      </p:par>
+    </p:tnLst>
+  </p:timing>
+</p:sld>
+</file>
+
+<file path=ppt/slides/slide15.xml><?xml version="1.0" encoding="utf-8"?>
+<p:sld xmlns:a="http://schemas.openxmlformats.org/drawingml/2006/main" xmlns:r="http://schemas.openxmlformats.org/officeDocument/2006/relationships" xmlns:p="http://schemas.openxmlformats.org/presentationml/2006/main">
+  <p:cSld>
+    <p:spTree>
+      <p:nvGrpSpPr>
+        <p:cNvPr id="1" name=""/>
+        <p:cNvGrpSpPr/>
+        <p:nvPr/>
+      </p:nvGrpSpPr>
+      <p:grpSpPr>
+        <a:xfrm>
+          <a:off x="0" y="0"/>
+          <a:ext cx="0" cy="0"/>
+          <a:chOff x="0" y="0"/>
+          <a:chExt cx="0" cy="0"/>
+        </a:xfrm>
+      </p:grpSpPr>
+      <p:sp>
+        <p:nvSpPr>
+          <p:cNvPr id="2" name="Title 1"/>
+          <p:cNvSpPr>
+            <a:spLocks noGrp="1"/>
+          </p:cNvSpPr>
+          <p:nvPr>
+            <p:ph type="title"/>
+          </p:nvPr>
+        </p:nvSpPr>
+        <p:spPr/>
+        <p:txBody>
+          <a:bodyPr/>
+          <a:lstStyle/>
+          <a:p>
+            <a:r>
+              <a:rPr lang="en-US" b="1" dirty="0" smtClean="0">
+                <a:solidFill>
+                  <a:srgbClr val="FF0000"/>
+                </a:solidFill>
+              </a:rPr>
+              <a:t>Questions</a:t>
+            </a:r>
+            <a:endParaRPr lang="en-US" b="1" dirty="0">
+              <a:solidFill>
+                <a:srgbClr val="FF0000"/>
+              </a:solidFill>
+            </a:endParaRPr>
+          </a:p>
+        </p:txBody>
+      </p:sp>
+      <p:sp>
+        <p:nvSpPr>
+          <p:cNvPr id="3" name="Content Placeholder 2"/>
+          <p:cNvSpPr>
+            <a:spLocks noGrp="1"/>
+          </p:cNvSpPr>
+          <p:nvPr>
+            <p:ph idx="1"/>
+          </p:nvPr>
+        </p:nvSpPr>
+        <p:spPr/>
+        <p:txBody>
+          <a:bodyPr/>
+          <a:lstStyle/>
+          <a:p>
+            <a:r>
+              <a:rPr lang="en-US" dirty="0" smtClean="0"/>
+              <a:t>If there is no lagging … </a:t>
+            </a:r>
+          </a:p>
+          <a:p>
+            <a:r>
+              <a:rPr lang="en-US" dirty="0" err="1" smtClean="0"/>
+              <a:t>whiteXform</a:t>
+            </a:r>
+            <a:endParaRPr lang="en-US" dirty="0" smtClean="0"/>
+          </a:p>
+          <a:p>
+            <a:pPr lvl="1"/>
+            <a:r>
+              <a:rPr lang="en-US" dirty="0" smtClean="0"/>
+              <a:t>What is the linear speed of its movement?</a:t>
+            </a:r>
+          </a:p>
+          <a:p>
+            <a:pPr lvl="1"/>
+            <a:r>
+              <a:rPr lang="en-US" dirty="0" smtClean="0"/>
+              <a:t>What is the angular speed of its rotation?</a:t>
+            </a:r>
+          </a:p>
+          <a:p>
+            <a:r>
+              <a:rPr lang="en-US" dirty="0" err="1" smtClean="0"/>
+              <a:t>redXform</a:t>
+            </a:r>
+            <a:endParaRPr lang="en-US" dirty="0" smtClean="0"/>
+          </a:p>
+          <a:p>
+            <a:pPr lvl="1"/>
+            <a:r>
+              <a:rPr lang="en-US" dirty="0" smtClean="0"/>
+              <a:t>What is the speed of its size change?</a:t>
+            </a:r>
+          </a:p>
+        </p:txBody>
+      </p:sp>
+      <p:pic>
+        <p:nvPicPr>
+          <p:cNvPr id="5" name="Picture 4"/>
+          <p:cNvPicPr>
+            <a:picLocks noChangeAspect="1"/>
+          </p:cNvPicPr>
+          <p:nvPr/>
+        </p:nvPicPr>
+        <p:blipFill>
+          <a:blip r:embed="rId2"/>
+          <a:stretch>
+            <a:fillRect/>
+          </a:stretch>
+        </p:blipFill>
+        <p:spPr>
+          <a:xfrm>
+            <a:off x="6970768" y="1249773"/>
+            <a:ext cx="6955029" cy="4594681"/>
+          </a:xfrm>
+          <a:prstGeom prst="rect">
+            <a:avLst/>
+          </a:prstGeom>
+          <a:solidFill>
+            <a:srgbClr val="FFFFFF">
+              <a:shade val="85000"/>
+            </a:srgbClr>
+          </a:solidFill>
+          <a:ln w="88900" cap="sq">
+            <a:solidFill>
+              <a:srgbClr val="FFFFFF"/>
+            </a:solidFill>
+            <a:miter lim="800000"/>
+          </a:ln>
+          <a:effectLst>
+            <a:outerShdw blurRad="55000" dist="18000" dir="5400000" algn="tl" rotWithShape="0">
+              <a:srgbClr val="000000">
+                <a:alpha val="40000"/>
+              </a:srgbClr>
+            </a:outerShdw>
+          </a:effectLst>
+          <a:scene3d>
+            <a:camera prst="orthographicFront"/>
+            <a:lightRig rig="twoPt" dir="t">
+              <a:rot lat="0" lon="0" rev="7200000"/>
+            </a:lightRig>
+          </a:scene3d>
+          <a:sp3d>
+            <a:bevelT w="25400" h="19050"/>
+            <a:contourClr>
+              <a:srgbClr val="FFFFFF"/>
+            </a:contourClr>
+          </a:sp3d>
+        </p:spPr>
+      </p:pic>
+    </p:spTree>
+    <p:extLst>
+      <p:ext uri="{BB962C8B-B14F-4D97-AF65-F5344CB8AC3E}">
+        <p14:creationId xmlns:p14="http://schemas.microsoft.com/office/powerpoint/2010/main" val="3738587587"/>
+      </p:ext>
+    </p:extLst>
+  </p:cSld>
+  <p:clrMapOvr>
+    <a:masterClrMapping/>
+  </p:clrMapOvr>
+</p:sld>
+</file>
+
+<file path=ppt/slides/slide16.xml><?xml version="1.0" encoding="utf-8"?>
+<p:sld xmlns:a="http://schemas.openxmlformats.org/drawingml/2006/main" xmlns:r="http://schemas.openxmlformats.org/officeDocument/2006/relationships" xmlns:p="http://schemas.openxmlformats.org/presentationml/2006/main">
+  <p:cSld>
+    <p:spTree>
+      <p:nvGrpSpPr>
+        <p:cNvPr id="1" name=""/>
+        <p:cNvGrpSpPr/>
+        <p:nvPr/>
+      </p:nvGrpSpPr>
+      <p:grpSpPr>
+        <a:xfrm>
+          <a:off x="0" y="0"/>
+          <a:ext cx="0" cy="0"/>
+          <a:chOff x="0" y="0"/>
+          <a:chExt cx="0" cy="0"/>
+        </a:xfrm>
+      </p:grpSpPr>
+      <p:sp>
+        <p:nvSpPr>
+          <p:cNvPr id="2" name="Title 1"/>
+          <p:cNvSpPr>
+            <a:spLocks noGrp="1"/>
+          </p:cNvSpPr>
+          <p:nvPr>
+            <p:ph type="title"/>
+          </p:nvPr>
+        </p:nvSpPr>
+        <p:spPr/>
+        <p:txBody>
+          <a:bodyPr/>
+          <a:lstStyle/>
+          <a:p>
+            <a:r>
+              <a:rPr lang="en-US" b="1" dirty="0" smtClean="0">
+                <a:solidFill>
+                  <a:srgbClr val="FF0000"/>
+                </a:solidFill>
+              </a:rPr>
+              <a:t>Questions</a:t>
+            </a:r>
+            <a:endParaRPr lang="en-US" b="1" dirty="0">
+              <a:solidFill>
+                <a:srgbClr val="FF0000"/>
+              </a:solidFill>
+            </a:endParaRPr>
+          </a:p>
+        </p:txBody>
+      </p:sp>
+      <p:sp>
+        <p:nvSpPr>
+          <p:cNvPr id="3" name="Content Placeholder 2"/>
+          <p:cNvSpPr>
+            <a:spLocks noGrp="1"/>
+          </p:cNvSpPr>
+          <p:nvPr>
+            <p:ph idx="1"/>
+          </p:nvPr>
+        </p:nvSpPr>
+        <p:spPr/>
+        <p:txBody>
+          <a:bodyPr>
+            <a:normAutofit/>
+          </a:bodyPr>
+          <a:lstStyle/>
+          <a:p>
+            <a:r>
+              <a:rPr lang="en-US" dirty="0" err="1" smtClean="0"/>
+              <a:t>whiteXform</a:t>
+            </a:r>
+            <a:endParaRPr lang="en-US" dirty="0" smtClean="0"/>
+          </a:p>
+          <a:p>
+            <a:pPr lvl="1"/>
+            <a:r>
+              <a:rPr lang="en-US" dirty="0" smtClean="0"/>
+              <a:t>What is the linear speed of its movement?</a:t>
+            </a:r>
+          </a:p>
+          <a:p>
+            <a:pPr marL="457200" lvl="1" indent="0">
+              <a:buNone/>
+            </a:pPr>
+            <a:r>
+              <a:rPr lang="en-US" sz="1800" b="1" dirty="0" smtClean="0">
+                <a:solidFill>
+                  <a:srgbClr val="FF0000"/>
+                </a:solidFill>
+              </a:rPr>
+              <a:t>0.05/(1/60) units/sec or</a:t>
+            </a:r>
+          </a:p>
+          <a:p>
+            <a:pPr marL="457200" lvl="1" indent="0">
+              <a:buNone/>
+            </a:pPr>
+            <a:r>
+              <a:rPr lang="en-US" sz="1800" b="1" dirty="0" smtClean="0">
+                <a:solidFill>
+                  <a:srgbClr val="FF0000"/>
+                </a:solidFill>
+              </a:rPr>
+              <a:t>0.05*60 units/sec = 3 unit/sec</a:t>
+            </a:r>
+          </a:p>
+          <a:p>
+            <a:pPr marL="457200" lvl="1" indent="0">
+              <a:buNone/>
+            </a:pPr>
+            <a:r>
+              <a:rPr lang="en-US" sz="1800" b="1" dirty="0" smtClean="0">
+                <a:solidFill>
+                  <a:srgbClr val="FF0000"/>
+                </a:solidFill>
+              </a:rPr>
+              <a:t>In this case, width of world = 20units</a:t>
+            </a:r>
+          </a:p>
+          <a:p>
+            <a:pPr lvl="1">
+              <a:buFont typeface="Wingdings" panose="05000000000000000000" pitchFamily="2" charset="2"/>
+              <a:buChar char="è"/>
+            </a:pPr>
+            <a:r>
+              <a:rPr lang="en-US" sz="1800" b="1" dirty="0" smtClean="0">
+                <a:solidFill>
+                  <a:srgbClr val="FF0000"/>
+                </a:solidFill>
+                <a:sym typeface="Wingdings" panose="05000000000000000000" pitchFamily="2" charset="2"/>
+              </a:rPr>
+              <a:t>Takes about 20/3 to cover the width</a:t>
+            </a:r>
+          </a:p>
+          <a:p>
+            <a:pPr lvl="1">
+              <a:buFont typeface="Wingdings" panose="05000000000000000000" pitchFamily="2" charset="2"/>
+              <a:buChar char="è"/>
+            </a:pPr>
+            <a:r>
+              <a:rPr lang="en-US" sz="1800" b="1" dirty="0" smtClean="0">
+                <a:solidFill>
+                  <a:srgbClr val="FF0000"/>
+                </a:solidFill>
+                <a:sym typeface="Wingdings" panose="05000000000000000000" pitchFamily="2" charset="2"/>
+              </a:rPr>
+              <a:t>A little more than 6 seconds</a:t>
+            </a:r>
+            <a:endParaRPr lang="en-US" sz="1800" b="1" dirty="0" smtClean="0">
+              <a:solidFill>
+                <a:srgbClr val="FF0000"/>
+              </a:solidFill>
+            </a:endParaRPr>
+          </a:p>
+          <a:p>
+            <a:pPr lvl="1"/>
+            <a:r>
+              <a:rPr lang="en-US" dirty="0" smtClean="0"/>
+              <a:t>What is the angular speed of its rotation?</a:t>
+            </a:r>
+          </a:p>
+          <a:p>
+            <a:pPr marL="457200" lvl="1" indent="0">
+              <a:buNone/>
+            </a:pPr>
+            <a:r>
+              <a:rPr lang="en-US" sz="1800" b="1" dirty="0" smtClean="0">
+                <a:solidFill>
+                  <a:srgbClr val="FF0000"/>
+                </a:solidFill>
+                <a:sym typeface="Wingdings" panose="05000000000000000000" pitchFamily="2" charset="2"/>
+              </a:rPr>
+              <a:t>1-degree/(1/60 sec) or 60-degrees/sec</a:t>
+            </a:r>
+          </a:p>
+          <a:p>
+            <a:pPr marL="457200" lvl="1" indent="0">
+              <a:buNone/>
+            </a:pPr>
+            <a:r>
+              <a:rPr lang="en-US" sz="1800" b="1" dirty="0" smtClean="0">
+                <a:solidFill>
+                  <a:srgbClr val="FF0000"/>
+                </a:solidFill>
+                <a:sym typeface="Wingdings" panose="05000000000000000000" pitchFamily="2" charset="2"/>
+              </a:rPr>
+              <a:t>Or exactly 6 seconds for a complete revolution</a:t>
+            </a:r>
+            <a:endParaRPr lang="en-US" sz="1800" dirty="0" smtClean="0"/>
+          </a:p>
+          <a:p>
+            <a:r>
+              <a:rPr lang="en-US" dirty="0" err="1" smtClean="0"/>
+              <a:t>redXform</a:t>
+            </a:r>
+            <a:endParaRPr lang="en-US" dirty="0" smtClean="0"/>
+          </a:p>
+          <a:p>
+            <a:pPr lvl="1"/>
+            <a:r>
+              <a:rPr lang="en-US" dirty="0" smtClean="0"/>
+              <a:t>What is the speed of its size change?</a:t>
+            </a:r>
+          </a:p>
+        </p:txBody>
+      </p:sp>
+      <p:pic>
+        <p:nvPicPr>
+          <p:cNvPr id="5" name="Picture 4"/>
+          <p:cNvPicPr>
+            <a:picLocks noChangeAspect="1"/>
+          </p:cNvPicPr>
+          <p:nvPr/>
+        </p:nvPicPr>
+        <p:blipFill>
+          <a:blip r:embed="rId2"/>
+          <a:stretch>
+            <a:fillRect/>
+          </a:stretch>
+        </p:blipFill>
+        <p:spPr>
+          <a:xfrm>
+            <a:off x="6970768" y="1249773"/>
+            <a:ext cx="6955029" cy="4594681"/>
+          </a:xfrm>
+          <a:prstGeom prst="rect">
+            <a:avLst/>
+          </a:prstGeom>
+          <a:solidFill>
+            <a:srgbClr val="FFFFFF">
+              <a:shade val="85000"/>
+            </a:srgbClr>
+          </a:solidFill>
+          <a:ln w="88900" cap="sq">
+            <a:solidFill>
+              <a:srgbClr val="FFFFFF"/>
+            </a:solidFill>
+            <a:miter lim="800000"/>
+          </a:ln>
+          <a:effectLst>
+            <a:outerShdw blurRad="55000" dist="18000" dir="5400000" algn="tl" rotWithShape="0">
+              <a:srgbClr val="000000">
+                <a:alpha val="40000"/>
+              </a:srgbClr>
+            </a:outerShdw>
+          </a:effectLst>
+          <a:scene3d>
+            <a:camera prst="orthographicFront"/>
+            <a:lightRig rig="twoPt" dir="t">
+              <a:rot lat="0" lon="0" rev="7200000"/>
+            </a:lightRig>
+          </a:scene3d>
+          <a:sp3d>
+            <a:bevelT w="25400" h="19050"/>
+            <a:contourClr>
+              <a:srgbClr val="FFFFFF"/>
+            </a:contourClr>
+          </a:sp3d>
+        </p:spPr>
+      </p:pic>
+    </p:spTree>
+    <p:extLst>
+      <p:ext uri="{BB962C8B-B14F-4D97-AF65-F5344CB8AC3E}">
+        <p14:creationId xmlns:p14="http://schemas.microsoft.com/office/powerpoint/2010/main" val="1090431262"/>
+      </p:ext>
+    </p:extLst>
+  </p:cSld>
+  <p:clrMapOvr>
+    <a:masterClrMapping/>
+  </p:clrMapOvr>
+</p:sld>
+</file>
+
+<file path=ppt/slides/slide17.xml><?xml version="1.0" encoding="utf-8"?>
+<p:sld xmlns:a="http://schemas.openxmlformats.org/drawingml/2006/main" xmlns:r="http://schemas.openxmlformats.org/officeDocument/2006/relationships" xmlns:p="http://schemas.openxmlformats.org/presentationml/2006/main">
+  <p:cSld>
+    <p:spTree>
+      <p:nvGrpSpPr>
+        <p:cNvPr id="1" name=""/>
+        <p:cNvGrpSpPr/>
+        <p:nvPr/>
+      </p:nvGrpSpPr>
+      <p:grpSpPr>
+        <a:xfrm>
+          <a:off x="0" y="0"/>
+          <a:ext cx="0" cy="0"/>
+          <a:chOff x="0" y="0"/>
+          <a:chExt cx="0" cy="0"/>
+        </a:xfrm>
+      </p:grpSpPr>
+      <p:sp>
+        <p:nvSpPr>
+          <p:cNvPr id="2" name="Title 1"/>
+          <p:cNvSpPr>
+            <a:spLocks noGrp="1"/>
+          </p:cNvSpPr>
+          <p:nvPr>
+            <p:ph type="title"/>
+          </p:nvPr>
+        </p:nvSpPr>
+        <p:spPr/>
+        <p:txBody>
+          <a:bodyPr/>
+          <a:lstStyle/>
+          <a:p>
+            <a:r>
+              <a:rPr lang="en-US" dirty="0" smtClean="0"/>
+              <a:t>4.2: Keyboard Input</a:t>
+            </a:r>
+            <a:endParaRPr lang="en-US" dirty="0"/>
+          </a:p>
+        </p:txBody>
+      </p:sp>
+      <p:sp>
+        <p:nvSpPr>
+          <p:cNvPr id="3" name="Content Placeholder 2"/>
+          <p:cNvSpPr>
+            <a:spLocks noGrp="1"/>
+          </p:cNvSpPr>
+          <p:nvPr>
+            <p:ph idx="1"/>
+          </p:nvPr>
+        </p:nvSpPr>
+        <p:spPr/>
+        <p:txBody>
+          <a:bodyPr/>
+          <a:lstStyle/>
+          <a:p>
+            <a:endParaRPr lang="en-US"/>
+          </a:p>
+        </p:txBody>
+      </p:sp>
+      <p:pic>
+        <p:nvPicPr>
+          <p:cNvPr id="4" name="Picture 3"/>
+          <p:cNvPicPr>
+            <a:picLocks noChangeAspect="1"/>
+          </p:cNvPicPr>
+          <p:nvPr/>
+        </p:nvPicPr>
+        <p:blipFill>
+          <a:blip r:embed="rId2"/>
+          <a:stretch>
+            <a:fillRect/>
+          </a:stretch>
+        </p:blipFill>
+        <p:spPr>
+          <a:xfrm>
+            <a:off x="1800225" y="1450233"/>
+            <a:ext cx="7910512" cy="5102121"/>
+          </a:xfrm>
+          <a:prstGeom prst="rect">
+            <a:avLst/>
+          </a:prstGeom>
+        </p:spPr>
+      </p:pic>
+    </p:spTree>
+    <p:extLst>
+      <p:ext uri="{BB962C8B-B14F-4D97-AF65-F5344CB8AC3E}">
+        <p14:creationId xmlns:p14="http://schemas.microsoft.com/office/powerpoint/2010/main" val="2589070497"/>
+      </p:ext>
+    </p:extLst>
+  </p:cSld>
+  <p:clrMapOvr>
+    <a:masterClrMapping/>
+  </p:clrMapOvr>
+</p:sld>
+</file>
+
+<file path=ppt/slides/slide18.xml><?xml version="1.0" encoding="utf-8"?>
+<p:sld xmlns:a="http://schemas.openxmlformats.org/drawingml/2006/main" xmlns:r="http://schemas.openxmlformats.org/officeDocument/2006/relationships" xmlns:p="http://schemas.openxmlformats.org/presentationml/2006/main">
+  <p:cSld>
+    <p:spTree>
+      <p:nvGrpSpPr>
+        <p:cNvPr id="1" name=""/>
+        <p:cNvGrpSpPr/>
+        <p:nvPr/>
+      </p:nvGrpSpPr>
+      <p:grpSpPr>
+        <a:xfrm>
+          <a:off x="0" y="0"/>
+          <a:ext cx="0" cy="0"/>
+          <a:chOff x="0" y="0"/>
+          <a:chExt cx="0" cy="0"/>
+        </a:xfrm>
+      </p:grpSpPr>
+      <p:sp>
+        <p:nvSpPr>
+          <p:cNvPr id="2" name="Title 1"/>
+          <p:cNvSpPr>
+            <a:spLocks noGrp="1"/>
+          </p:cNvSpPr>
+          <p:nvPr>
+            <p:ph type="title"/>
+          </p:nvPr>
+        </p:nvSpPr>
+        <p:spPr/>
+        <p:txBody>
+          <a:bodyPr/>
+          <a:lstStyle/>
+          <a:p>
+            <a:r>
+              <a:rPr lang="en-US" dirty="0" smtClean="0"/>
+              <a:t>4.2: Event and </a:t>
+            </a:r>
+            <a:r>
+              <a:rPr lang="en-US" dirty="0" err="1" smtClean="0"/>
+              <a:t>Keycodes</a:t>
+            </a:r>
+            <a:endParaRPr lang="en-US" dirty="0"/>
+          </a:p>
+        </p:txBody>
+      </p:sp>
+      <p:sp>
+        <p:nvSpPr>
+          <p:cNvPr id="3" name="Content Placeholder 2"/>
+          <p:cNvSpPr>
+            <a:spLocks noGrp="1"/>
+          </p:cNvSpPr>
+          <p:nvPr>
+            <p:ph idx="1"/>
+          </p:nvPr>
+        </p:nvSpPr>
+        <p:spPr/>
+        <p:txBody>
+          <a:bodyPr/>
+          <a:lstStyle/>
+          <a:p>
+            <a:r>
+              <a:rPr lang="en-US" dirty="0" smtClean="0"/>
+              <a:t>Events and event handlers</a:t>
+            </a:r>
+          </a:p>
+          <a:p>
+            <a:r>
+              <a:rPr lang="en-US" dirty="0" smtClean="0"/>
+              <a:t>HTML5 Event registration and handlers</a:t>
+            </a:r>
+          </a:p>
+          <a:p>
+            <a:pPr lvl="1"/>
+            <a:r>
+              <a:rPr lang="en-US" dirty="0" err="1" smtClean="0"/>
+              <a:t>window.addEventListener</a:t>
+            </a:r>
+            <a:r>
+              <a:rPr lang="en-US" dirty="0" smtClean="0"/>
+              <a:t>(“Event”, handler)</a:t>
+            </a:r>
+          </a:p>
+          <a:p>
+            <a:r>
+              <a:rPr lang="en-US" dirty="0" err="1" smtClean="0"/>
+              <a:t>Keycodes</a:t>
+            </a:r>
+            <a:r>
+              <a:rPr lang="en-US" dirty="0" smtClean="0"/>
+              <a:t>:</a:t>
+            </a:r>
+          </a:p>
+          <a:p>
+            <a:pPr lvl="1"/>
+            <a:r>
+              <a:rPr lang="en-US" dirty="0" smtClean="0"/>
+              <a:t>‘A’ = xx</a:t>
+            </a:r>
+          </a:p>
+          <a:p>
+            <a:pPr lvl="1"/>
+            <a:r>
+              <a:rPr lang="en-US" dirty="0" smtClean="0"/>
+              <a:t>‘B’ = xx+1 </a:t>
+            </a:r>
+          </a:p>
+          <a:p>
+            <a:pPr lvl="1"/>
+            <a:r>
+              <a:rPr lang="en-US" dirty="0" smtClean="0"/>
+              <a:t>…</a:t>
+            </a:r>
+            <a:endParaRPr lang="en-US" dirty="0"/>
+          </a:p>
+        </p:txBody>
+      </p:sp>
+    </p:spTree>
+    <p:extLst>
+      <p:ext uri="{BB962C8B-B14F-4D97-AF65-F5344CB8AC3E}">
+        <p14:creationId xmlns:p14="http://schemas.microsoft.com/office/powerpoint/2010/main" val="77695903"/>
+      </p:ext>
+    </p:extLst>
+  </p:cSld>
+  <p:clrMapOvr>
+    <a:masterClrMapping/>
+  </p:clrMapOvr>
+  <p:timing>
+    <p:tnLst>
+      <p:par>
+        <p:cTn id="1" dur="indefinite" restart="never" nodeType="tmRoot"/>
+      </p:par>
+    </p:tnLst>
+  </p:timing>
+</p:sld>
+</file>
+
+<file path=ppt/slides/slide19.xml><?xml version="1.0" encoding="utf-8"?>
+<p:sld xmlns:a="http://schemas.openxmlformats.org/drawingml/2006/main" xmlns:r="http://schemas.openxmlformats.org/officeDocument/2006/relationships" xmlns:p="http://schemas.openxmlformats.org/presentationml/2006/main">
+  <p:cSld>
+    <p:spTree>
+      <p:nvGrpSpPr>
+        <p:cNvPr id="1" name=""/>
+        <p:cNvGrpSpPr/>
+        <p:nvPr/>
+      </p:nvGrpSpPr>
+      <p:grpSpPr>
+        <a:xfrm>
+          <a:off x="0" y="0"/>
+          <a:ext cx="0" cy="0"/>
+          <a:chOff x="0" y="0"/>
+          <a:chExt cx="0" cy="0"/>
+        </a:xfrm>
+      </p:grpSpPr>
+      <p:sp>
+        <p:nvSpPr>
+          <p:cNvPr id="2" name="Title 1"/>
+          <p:cNvSpPr>
+            <a:spLocks noGrp="1"/>
+          </p:cNvSpPr>
+          <p:nvPr>
+            <p:ph type="title"/>
+          </p:nvPr>
+        </p:nvSpPr>
+        <p:spPr/>
+        <p:txBody>
+          <a:bodyPr/>
+          <a:lstStyle/>
+          <a:p>
+            <a:r>
+              <a:rPr lang="en-US" dirty="0" smtClean="0"/>
+              <a:t>4.2: The </a:t>
             </a:r>
             <a:r>
               <a:rPr lang="en-US" dirty="0" err="1" smtClean="0"/>
@@ -3829,7 +5321,7 @@
 </p:sld>
 </file>
 
-<file path=ppt/slides/slide12.xml><?xml version="1.0" encoding="utf-8"?>
+<file path=ppt/slides/slide2.xml><?xml version="1.0" encoding="utf-8"?>
 <p:sld xmlns:a="http://schemas.openxmlformats.org/drawingml/2006/main" xmlns:r="http://schemas.openxmlformats.org/officeDocument/2006/relationships" xmlns:p="http://schemas.openxmlformats.org/presentationml/2006/main">
   <p:cSld>
     <p:spTree>
@@ -3863,7 +5355,134 @@
           <a:p>
             <a:r>
               <a:rPr lang="en-US" dirty="0" smtClean="0"/>
-              <a:t>Input: variables for key states</a:t>
+              <a:t>This Chapter</a:t>
+            </a:r>
+            <a:endParaRPr lang="en-US" dirty="0"/>
+          </a:p>
+        </p:txBody>
+      </p:sp>
+      <p:sp>
+        <p:nvSpPr>
+          <p:cNvPr id="3" name="Content Placeholder 2"/>
+          <p:cNvSpPr>
+            <a:spLocks noGrp="1"/>
+          </p:cNvSpPr>
+          <p:nvPr>
+            <p:ph idx="1"/>
+          </p:nvPr>
+        </p:nvSpPr>
+        <p:spPr/>
+        <p:txBody>
+          <a:bodyPr/>
+          <a:lstStyle/>
+          <a:p>
+            <a:pPr lvl="0"/>
+            <a:r>
+              <a:rPr lang="en-US" dirty="0"/>
+              <a:t>Control the </a:t>
+            </a:r>
+            <a:r>
+              <a:rPr lang="en-US" dirty="0" err="1"/>
+              <a:t>Renderable</a:t>
+            </a:r>
+            <a:r>
+              <a:rPr lang="en-US" dirty="0"/>
+              <a:t> object’s position, size, and rotation to construct complex movements and animations</a:t>
+            </a:r>
+          </a:p>
+          <a:p>
+            <a:pPr lvl="0"/>
+            <a:r>
+              <a:rPr lang="en-US" dirty="0"/>
+              <a:t>Receive keyboard input from the player and animate </a:t>
+            </a:r>
+            <a:r>
+              <a:rPr lang="en-US" dirty="0" err="1"/>
+              <a:t>Renderable</a:t>
+            </a:r>
+            <a:r>
+              <a:rPr lang="en-US" dirty="0"/>
+              <a:t> objects</a:t>
+            </a:r>
+          </a:p>
+          <a:p>
+            <a:pPr lvl="0"/>
+            <a:r>
+              <a:rPr lang="en-US" dirty="0"/>
+              <a:t>Work with asynchronous loading and unloading of external assets</a:t>
+            </a:r>
+          </a:p>
+          <a:p>
+            <a:pPr lvl="0"/>
+            <a:r>
+              <a:rPr lang="en-US" dirty="0"/>
+              <a:t>Define, load, and execute a simple game level from a scene file</a:t>
+            </a:r>
+          </a:p>
+          <a:p>
+            <a:pPr lvl="0"/>
+            <a:r>
+              <a:rPr lang="en-US" dirty="0"/>
+              <a:t>Change game levels by loading a new scene</a:t>
+            </a:r>
+          </a:p>
+          <a:p>
+            <a:pPr lvl="0"/>
+            <a:r>
+              <a:rPr lang="en-US" dirty="0"/>
+              <a:t>Work with sound clips for background music and audio cues</a:t>
+            </a:r>
+          </a:p>
+        </p:txBody>
+      </p:sp>
+    </p:spTree>
+    <p:extLst>
+      <p:ext uri="{BB962C8B-B14F-4D97-AF65-F5344CB8AC3E}">
+        <p14:creationId xmlns:p14="http://schemas.microsoft.com/office/powerpoint/2010/main" val="3138157744"/>
+      </p:ext>
+    </p:extLst>
+  </p:cSld>
+  <p:clrMapOvr>
+    <a:masterClrMapping/>
+  </p:clrMapOvr>
+</p:sld>
+</file>
+
+<file path=ppt/slides/slide20.xml><?xml version="1.0" encoding="utf-8"?>
+<p:sld xmlns:a="http://schemas.openxmlformats.org/drawingml/2006/main" xmlns:r="http://schemas.openxmlformats.org/officeDocument/2006/relationships" xmlns:p="http://schemas.openxmlformats.org/presentationml/2006/main">
+  <p:cSld>
+    <p:spTree>
+      <p:nvGrpSpPr>
+        <p:cNvPr id="1" name=""/>
+        <p:cNvGrpSpPr/>
+        <p:nvPr/>
+      </p:nvGrpSpPr>
+      <p:grpSpPr>
+        <a:xfrm>
+          <a:off x="0" y="0"/>
+          <a:ext cx="0" cy="0"/>
+          <a:chOff x="0" y="0"/>
+          <a:chExt cx="0" cy="0"/>
+        </a:xfrm>
+      </p:grpSpPr>
+      <p:sp>
+        <p:nvSpPr>
+          <p:cNvPr id="2" name="Title 1"/>
+          <p:cNvSpPr>
+            <a:spLocks noGrp="1"/>
+          </p:cNvSpPr>
+          <p:nvPr>
+            <p:ph type="title"/>
+          </p:nvPr>
+        </p:nvSpPr>
+        <p:spPr/>
+        <p:txBody>
+          <a:bodyPr/>
+          <a:lstStyle/>
+          <a:p>
+            <a:r>
+              <a:rPr lang="en-US" dirty="0" smtClean="0"/>
+              <a:t>4.2: Input: variables for key states</a:t>
             </a:r>
             <a:endParaRPr lang="en-US" dirty="0"/>
           </a:p>
@@ -3945,7 +5564,7 @@
 </p:sld>
 </file>
 
-<file path=ppt/slides/slide13.xml><?xml version="1.0" encoding="utf-8"?>
+<file path=ppt/slides/slide21.xml><?xml version="1.0" encoding="utf-8"?>
 <p:sld xmlns:a="http://schemas.openxmlformats.org/drawingml/2006/main" xmlns:r="http://schemas.openxmlformats.org/officeDocument/2006/relationships" xmlns:p="http://schemas.openxmlformats.org/presentationml/2006/main">
   <p:cSld>
     <p:spTree>
@@ -3979,7 +5598,7 @@
           <a:p>
             <a:r>
               <a:rPr lang="en-US" dirty="0" smtClean="0"/>
-              <a:t>Event handlers and initialization</a:t>
+              <a:t>4.2: Event handlers and initialization</a:t>
             </a:r>
             <a:endParaRPr lang="en-US" dirty="0"/>
           </a:p>
@@ -4132,7 +5751,7 @@
 </p:sld>
 </file>
 
-<file path=ppt/slides/slide14.xml><?xml version="1.0" encoding="utf-8"?>
+<file path=ppt/slides/slide22.xml><?xml version="1.0" encoding="utf-8"?>
 <p:sld xmlns:a="http://schemas.openxmlformats.org/drawingml/2006/main" xmlns:r="http://schemas.openxmlformats.org/officeDocument/2006/relationships" xmlns:p="http://schemas.openxmlformats.org/presentationml/2006/main">
   <p:cSld>
     <p:spTree>
@@ -4166,7 +5785,7 @@
           <a:p>
             <a:r>
               <a:rPr lang="en-US" dirty="0" smtClean="0"/>
-              <a:t>Keyboard update() and support</a:t>
+              <a:t>4.2: Keyboard update() and support</a:t>
             </a:r>
             <a:endParaRPr lang="en-US" dirty="0"/>
           </a:p>
@@ -4319,7 +5938,7 @@
 </p:sld>
 </file>
 
-<file path=ppt/slides/slide15.xml><?xml version="1.0" encoding="utf-8"?>
+<file path=ppt/slides/slide23.xml><?xml version="1.0" encoding="utf-8"?>
 <p:sld xmlns:a="http://schemas.openxmlformats.org/drawingml/2006/main" xmlns:r="http://schemas.openxmlformats.org/officeDocument/2006/relationships" xmlns:p="http://schemas.openxmlformats.org/presentationml/2006/main">
   <p:cSld>
     <p:spTree>
@@ -4351,6 +5970,10 @@
           <a:bodyPr/>
           <a:lstStyle/>
           <a:p>
+            <a:r>
+              <a:rPr lang="en-US" dirty="0" smtClean="0"/>
+              <a:t>4.2: </a:t>
+            </a:r>
             <a:r>
               <a:rPr lang="en-US" dirty="0" err="1" smtClean="0"/>
               <a:t>Engine.Core</a:t>
@@ -4518,7 +6141,7 @@
 </p:sld>
 </file>
 
-<file path=ppt/slides/slide16.xml><?xml version="1.0" encoding="utf-8"?>
+<file path=ppt/slides/slide24.xml><?xml version="1.0" encoding="utf-8"?>
 <p:sld xmlns:a="http://schemas.openxmlformats.org/drawingml/2006/main" xmlns:r="http://schemas.openxmlformats.org/officeDocument/2006/relationships" xmlns:p="http://schemas.openxmlformats.org/presentationml/2006/main">
   <p:cSld>
     <p:spTree>
@@ -4550,6 +6173,10 @@
           <a:bodyPr/>
           <a:lstStyle/>
           <a:p>
+            <a:r>
+              <a:rPr lang="en-US" dirty="0" smtClean="0"/>
+              <a:t>4.2: </a:t>
+            </a:r>
             <a:r>
               <a:rPr lang="en-US" dirty="0" err="1" smtClean="0"/>
               <a:t>Engine.Loop</a:t>
@@ -4655,7 +6282,7 @@
 </p:sld>
 </file>
 
-<file path=ppt/slides/slide17.xml><?xml version="1.0" encoding="utf-8"?>
+<file path=ppt/slides/slide25.xml><?xml version="1.0" encoding="utf-8"?>
 <p:sld xmlns:a="http://schemas.openxmlformats.org/drawingml/2006/main" xmlns:r="http://schemas.openxmlformats.org/officeDocument/2006/relationships" xmlns:p="http://schemas.openxmlformats.org/presentationml/2006/main">
   <p:cSld>
     <p:spTree>
@@ -4689,7 +6316,7 @@
           <a:p>
             <a:r>
               <a:rPr lang="en-US" dirty="0" smtClean="0"/>
-              <a:t>Engine initialization (from </a:t>
+              <a:t>4.2: Engine initialization (from </a:t>
             </a:r>
             <a:r>
               <a:rPr lang="en-US" dirty="0" err="1" smtClean="0"/>
@@ -4796,7 +6423,7 @@
 </p:sld>
 </file>
 
-<file path=ppt/slides/slide18.xml><?xml version="1.0" encoding="utf-8"?>
+<file path=ppt/slides/slide26.xml><?xml version="1.0" encoding="utf-8"?>
 <p:sld xmlns:a="http://schemas.openxmlformats.org/drawingml/2006/main" xmlns:r="http://schemas.openxmlformats.org/officeDocument/2006/relationships" xmlns:p="http://schemas.openxmlformats.org/presentationml/2006/main">
   <p:cSld>
     <p:spTree>
@@ -4830,7 +6457,7 @@
           <a:p>
             <a:r>
               <a:rPr lang="en-US" dirty="0" smtClean="0"/>
-              <a:t>Testing Keyboard input: </a:t>
+              <a:t>4.2: Testing Keyboard </a:t>
             </a:r>
             <a:r>
               <a:rPr lang="en-US" dirty="0" err="1" smtClean="0"/>
@@ -4920,7 +6547,7 @@
 </p:sld>
 </file>
 
-<file path=ppt/slides/slide19.xml><?xml version="1.0" encoding="utf-8"?>
+<file path=ppt/slides/slide27.xml><?xml version="1.0" encoding="utf-8"?>
 <p:sld xmlns:a="http://schemas.openxmlformats.org/drawingml/2006/main" xmlns:r="http://schemas.openxmlformats.org/officeDocument/2006/relationships" xmlns:p="http://schemas.openxmlformats.org/presentationml/2006/main">
   <p:cSld>
     <p:spTree>
@@ -4953,6 +6580,196 @@
           <a:lstStyle/>
           <a:p>
             <a:r>
+              <a:rPr lang="en-US" b="1" dirty="0" smtClean="0">
+                <a:solidFill>
+                  <a:srgbClr val="FF0000"/>
+                </a:solidFill>
+              </a:rPr>
+              <a:t>Questions</a:t>
+            </a:r>
+            <a:endParaRPr lang="en-US" b="1" dirty="0">
+              <a:solidFill>
+                <a:srgbClr val="FF0000"/>
+              </a:solidFill>
+            </a:endParaRPr>
+          </a:p>
+        </p:txBody>
+      </p:sp>
+      <p:sp>
+        <p:nvSpPr>
+          <p:cNvPr id="3" name="Content Placeholder 2"/>
+          <p:cNvSpPr>
+            <a:spLocks noGrp="1"/>
+          </p:cNvSpPr>
+          <p:nvPr>
+            <p:ph idx="1"/>
+          </p:nvPr>
+        </p:nvSpPr>
+        <p:spPr/>
+        <p:txBody>
+          <a:bodyPr/>
+          <a:lstStyle/>
+          <a:p>
+            <a:endParaRPr lang="en-US" dirty="0" smtClean="0"/>
+          </a:p>
+          <a:p>
+            <a:endParaRPr lang="en-US" dirty="0"/>
+          </a:p>
+          <a:p>
+            <a:r>
+              <a:rPr lang="en-US" dirty="0" smtClean="0"/>
+              <a:t>What is the runtime complexity of  </a:t>
+            </a:r>
+            <a:r>
+              <a:rPr lang="en-US" dirty="0" err="1" smtClean="0"/>
+              <a:t>Input.update</a:t>
+            </a:r>
+            <a:r>
+              <a:rPr lang="en-US" dirty="0" smtClean="0"/>
+              <a:t>()?</a:t>
+            </a:r>
+          </a:p>
+          <a:p>
+            <a:r>
+              <a:rPr lang="en-US" dirty="0" smtClean="0"/>
+              <a:t>How would you implement a “</a:t>
+            </a:r>
+            <a:r>
+              <a:rPr lang="en-US" b="1" dirty="0" err="1" smtClean="0"/>
+              <a:t>isKeyUp</a:t>
+            </a:r>
+            <a:r>
+              <a:rPr lang="en-US" b="1" dirty="0" smtClean="0"/>
+              <a:t>()</a:t>
+            </a:r>
+            <a:r>
+              <a:rPr lang="en-US" dirty="0" smtClean="0"/>
+              <a:t>” function?</a:t>
+            </a:r>
+          </a:p>
+          <a:p>
+            <a:pPr lvl="1"/>
+            <a:r>
+              <a:rPr lang="en-US" dirty="0"/>
+              <a:t>T</a:t>
+            </a:r>
+            <a:r>
+              <a:rPr lang="en-US" dirty="0" smtClean="0"/>
+              <a:t>o detect the key-up event</a:t>
+            </a:r>
+          </a:p>
+          <a:p>
+            <a:pPr lvl="1"/>
+            <a:r>
+              <a:rPr lang="en-US" dirty="0" smtClean="0"/>
+              <a:t>Will the runtime complexity change?</a:t>
+            </a:r>
+          </a:p>
+          <a:p>
+            <a:endParaRPr lang="en-US" dirty="0" smtClean="0"/>
+          </a:p>
+        </p:txBody>
+      </p:sp>
+      <p:pic>
+        <p:nvPicPr>
+          <p:cNvPr id="6" name="Picture 5"/>
+          <p:cNvPicPr>
+            <a:picLocks noChangeAspect="1"/>
+          </p:cNvPicPr>
+          <p:nvPr/>
+        </p:nvPicPr>
+        <p:blipFill>
+          <a:blip r:embed="rId2"/>
+          <a:stretch>
+            <a:fillRect/>
+          </a:stretch>
+        </p:blipFill>
+        <p:spPr>
+          <a:xfrm>
+            <a:off x="3333750" y="365125"/>
+            <a:ext cx="8858250" cy="2073873"/>
+          </a:xfrm>
+          <a:prstGeom prst="rect">
+            <a:avLst/>
+          </a:prstGeom>
+          <a:solidFill>
+            <a:srgbClr val="FFFFFF">
+              <a:shade val="85000"/>
+            </a:srgbClr>
+          </a:solidFill>
+          <a:ln w="88900" cap="sq">
+            <a:solidFill>
+              <a:srgbClr val="FFFFFF"/>
+            </a:solidFill>
+            <a:miter lim="800000"/>
+          </a:ln>
+          <a:effectLst>
+            <a:outerShdw blurRad="55000" dist="18000" dir="5400000" algn="tl" rotWithShape="0">
+              <a:srgbClr val="000000">
+                <a:alpha val="40000"/>
+              </a:srgbClr>
+            </a:outerShdw>
+          </a:effectLst>
+          <a:scene3d>
+            <a:camera prst="orthographicFront"/>
+            <a:lightRig rig="twoPt" dir="t">
+              <a:rot lat="0" lon="0" rev="7200000"/>
+            </a:lightRig>
+          </a:scene3d>
+          <a:sp3d>
+            <a:bevelT w="25400" h="19050"/>
+            <a:contourClr>
+              <a:srgbClr val="FFFFFF"/>
+            </a:contourClr>
+          </a:sp3d>
+        </p:spPr>
+      </p:pic>
+    </p:spTree>
+    <p:extLst>
+      <p:ext uri="{BB962C8B-B14F-4D97-AF65-F5344CB8AC3E}">
+        <p14:creationId xmlns:p14="http://schemas.microsoft.com/office/powerpoint/2010/main" val="2463225224"/>
+      </p:ext>
+    </p:extLst>
+  </p:cSld>
+  <p:clrMapOvr>
+    <a:masterClrMapping/>
+  </p:clrMapOvr>
+</p:sld>
+</file>
+
+<file path=ppt/slides/slide28.xml><?xml version="1.0" encoding="utf-8"?>
+<p:sld xmlns:a="http://schemas.openxmlformats.org/drawingml/2006/main" xmlns:r="http://schemas.openxmlformats.org/officeDocument/2006/relationships" xmlns:p="http://schemas.openxmlformats.org/presentationml/2006/main">
+  <p:cSld>
+    <p:spTree>
+      <p:nvGrpSpPr>
+        <p:cNvPr id="1" name=""/>
+        <p:cNvGrpSpPr/>
+        <p:nvPr/>
+      </p:nvGrpSpPr>
+      <p:grpSpPr>
+        <a:xfrm>
+          <a:off x="0" y="0"/>
+          <a:ext cx="0" cy="0"/>
+          <a:chOff x="0" y="0"/>
+          <a:chExt cx="0" cy="0"/>
+        </a:xfrm>
+      </p:grpSpPr>
+      <p:sp>
+        <p:nvSpPr>
+          <p:cNvPr id="2" name="Title 1"/>
+          <p:cNvSpPr>
+            <a:spLocks noGrp="1"/>
+          </p:cNvSpPr>
+          <p:nvPr>
+            <p:ph type="title"/>
+          </p:nvPr>
+        </p:nvSpPr>
+        <p:spPr/>
+        <p:txBody>
+          <a:bodyPr/>
+          <a:lstStyle/>
+          <a:p>
+            <a:r>
               <a:rPr lang="en-US" dirty="0" smtClean="0"/>
               <a:t>Resource Management</a:t>
             </a:r>
@@ -4979,7 +6796,15 @@
           <a:p>
             <a:r>
               <a:rPr lang="en-US" dirty="0" smtClean="0"/>
-              <a:t>Synchronous load:</a:t>
+              <a:t>Synchronous load:  (SimpleShader._</a:t>
+            </a:r>
+            <a:r>
+              <a:rPr lang="en-US" dirty="0" err="1" smtClean="0"/>
+              <a:t>loadAndCompileShader</a:t>
+            </a:r>
+            <a:r>
+              <a:rPr lang="en-US" dirty="0" smtClean="0"/>
+              <a:t>())</a:t>
             </a:r>
           </a:p>
           <a:p>
@@ -5074,7 +6899,103 @@
 </p:sld>
 </file>
 
-<file path=ppt/slides/slide2.xml><?xml version="1.0" encoding="utf-8"?>
+<file path=ppt/slides/slide29.xml><?xml version="1.0" encoding="utf-8"?>
+<p:sld xmlns:a="http://schemas.openxmlformats.org/drawingml/2006/main" xmlns:r="http://schemas.openxmlformats.org/officeDocument/2006/relationships" xmlns:p="http://schemas.openxmlformats.org/presentationml/2006/main">
+  <p:cSld>
+    <p:spTree>
+      <p:nvGrpSpPr>
+        <p:cNvPr id="1" name=""/>
+        <p:cNvGrpSpPr/>
+        <p:nvPr/>
+      </p:nvGrpSpPr>
+      <p:grpSpPr>
+        <a:xfrm>
+          <a:off x="0" y="0"/>
+          <a:ext cx="0" cy="0"/>
+          <a:chOff x="0" y="0"/>
+          <a:chExt cx="0" cy="0"/>
+        </a:xfrm>
+      </p:grpSpPr>
+      <p:sp>
+        <p:nvSpPr>
+          <p:cNvPr id="2" name="Title 1"/>
+          <p:cNvSpPr>
+            <a:spLocks noGrp="1"/>
+          </p:cNvSpPr>
+          <p:nvPr>
+            <p:ph type="title"/>
+          </p:nvPr>
+        </p:nvSpPr>
+        <p:spPr/>
+        <p:txBody>
+          <a:bodyPr/>
+          <a:lstStyle/>
+          <a:p>
+            <a:r>
+              <a:rPr lang="en-US" dirty="0" smtClean="0"/>
+              <a:t>4.3: Resource Management Project</a:t>
+            </a:r>
+            <a:endParaRPr lang="en-US" dirty="0"/>
+          </a:p>
+        </p:txBody>
+      </p:sp>
+      <p:sp>
+        <p:nvSpPr>
+          <p:cNvPr id="3" name="Content Placeholder 2"/>
+          <p:cNvSpPr>
+            <a:spLocks noGrp="1"/>
+          </p:cNvSpPr>
+          <p:nvPr>
+            <p:ph idx="1"/>
+          </p:nvPr>
+        </p:nvSpPr>
+        <p:spPr/>
+        <p:txBody>
+          <a:bodyPr/>
+          <a:lstStyle/>
+          <a:p>
+            <a:endParaRPr lang="en-US" dirty="0"/>
+          </a:p>
+        </p:txBody>
+      </p:sp>
+      <p:pic>
+        <p:nvPicPr>
+          <p:cNvPr id="4" name="Picture 3"/>
+          <p:cNvPicPr>
+            <a:picLocks noChangeAspect="1"/>
+          </p:cNvPicPr>
+          <p:nvPr/>
+        </p:nvPicPr>
+        <p:blipFill>
+          <a:blip r:embed="rId2"/>
+          <a:stretch>
+            <a:fillRect/>
+          </a:stretch>
+        </p:blipFill>
+        <p:spPr>
+          <a:xfrm>
+            <a:off x="1657349" y="1825625"/>
+            <a:ext cx="7629525" cy="4548253"/>
+          </a:xfrm>
+          <a:prstGeom prst="rect">
+            <a:avLst/>
+          </a:prstGeom>
+        </p:spPr>
+      </p:pic>
+    </p:spTree>
+    <p:extLst>
+      <p:ext uri="{BB962C8B-B14F-4D97-AF65-F5344CB8AC3E}">
+        <p14:creationId xmlns:p14="http://schemas.microsoft.com/office/powerpoint/2010/main" val="1539259579"/>
+      </p:ext>
+    </p:extLst>
+  </p:cSld>
+  <p:clrMapOvr>
+    <a:masterClrMapping/>
+  </p:clrMapOvr>
+</p:sld>
+</file>
+
+<file path=ppt/slides/slide3.xml><?xml version="1.0" encoding="utf-8"?>
 <p:sld xmlns:a="http://schemas.openxmlformats.org/drawingml/2006/main" xmlns:r="http://schemas.openxmlformats.org/officeDocument/2006/relationships" xmlns:p="http://schemas.openxmlformats.org/presentationml/2006/main">
   <p:cSld>
     <p:spTree>
@@ -5240,7 +7161,7 @@
 </p:sld>
 </file>
 
-<file path=ppt/slides/slide20.xml><?xml version="1.0" encoding="utf-8"?>
+<file path=ppt/slides/slide30.xml><?xml version="1.0" encoding="utf-8"?>
 <p:sld xmlns:a="http://schemas.openxmlformats.org/drawingml/2006/main" xmlns:r="http://schemas.openxmlformats.org/officeDocument/2006/relationships" xmlns:p="http://schemas.openxmlformats.org/presentationml/2006/main">
   <p:cSld>
     <p:spTree>
@@ -5274,7 +7195,11 @@
           <a:p>
             <a:r>
               <a:rPr lang="en-US" dirty="0" smtClean="0"/>
-              <a:t>4.3: ResourceMap Project</a:t>
+              <a:t>4.3: </a:t>
+            </a:r>
+            <a:r>
+              <a:rPr lang="en-US" dirty="0" err="1" smtClean="0"/>
+              <a:t>ResourceMap</a:t>
             </a:r>
             <a:endParaRPr lang="en-US" dirty="0"/>
           </a:p>
@@ -5447,7 +7372,7 @@
 </p:sld>
 </file>
 
-<file path=ppt/slides/slide21.xml><?xml version="1.0" encoding="utf-8"?>
+<file path=ppt/slides/slide31.xml><?xml version="1.0" encoding="utf-8"?>
 <p:sld xmlns:a="http://schemas.openxmlformats.org/drawingml/2006/main" xmlns:r="http://schemas.openxmlformats.org/officeDocument/2006/relationships" xmlns:p="http://schemas.openxmlformats.org/presentationml/2006/main">
   <p:cSld>
     <p:spTree>
@@ -5480,7 +7405,7 @@
         </p:blipFill>
         <p:spPr>
           <a:xfrm>
-            <a:off x="5065059" y="1352550"/>
+            <a:off x="5195688" y="1352550"/>
             <a:ext cx="7126942" cy="2571750"/>
           </a:xfrm>
           <a:prstGeom prst="rect">
@@ -5535,7 +7460,15 @@
           <a:p>
             <a:r>
               <a:rPr lang="en-US" dirty="0" smtClean="0"/>
-              <a:t>ResourceMap: functions</a:t>
+              <a:t>4.3: </a:t>
+            </a:r>
+            <a:r>
+              <a:rPr lang="en-US" dirty="0" err="1" smtClean="0"/>
+              <a:t>ResourceMap</a:t>
+            </a:r>
+            <a:r>
+              <a:rPr lang="en-US" dirty="0" smtClean="0"/>
+              <a:t>: functions</a:t>
             </a:r>
             <a:endParaRPr lang="en-US" dirty="0"/>
           </a:p>
@@ -5742,7 +7675,7 @@
 </p:sld>
 </file>
 
-<file path=ppt/slides/slide22.xml><?xml version="1.0" encoding="utf-8"?>
+<file path=ppt/slides/slide32.xml><?xml version="1.0" encoding="utf-8"?>
 <p:sld xmlns:a="http://schemas.openxmlformats.org/drawingml/2006/main" xmlns:r="http://schemas.openxmlformats.org/officeDocument/2006/relationships" xmlns:p="http://schemas.openxmlformats.org/presentationml/2006/main">
   <p:cSld>
     <p:spTree>
@@ -5774,6 +7707,10 @@
           <a:bodyPr/>
           <a:lstStyle/>
           <a:p>
+            <a:r>
+              <a:rPr lang="en-US" dirty="0" smtClean="0"/>
+              <a:t>4.3: </a:t>
+            </a:r>
             <a:r>
               <a:rPr lang="en-US" dirty="0" err="1" smtClean="0"/>
               <a:t>TextFileLoader</a:t>
@@ -5957,7 +7894,7 @@
 </p:sld>
 </file>
 
-<file path=ppt/slides/slide23.xml><?xml version="1.0" encoding="utf-8"?>
+<file path=ppt/slides/slide33.xml><?xml version="1.0" encoding="utf-8"?>
 <p:sld xmlns:a="http://schemas.openxmlformats.org/drawingml/2006/main" xmlns:r="http://schemas.openxmlformats.org/officeDocument/2006/relationships" xmlns:p="http://schemas.openxmlformats.org/presentationml/2006/main">
   <p:cSld>
     <p:spTree>
@@ -5989,6 +7926,10 @@
           <a:bodyPr/>
           <a:lstStyle/>
           <a:p>
+            <a:r>
+              <a:rPr lang="en-US" dirty="0" smtClean="0"/>
+              <a:t>4.3: </a:t>
+            </a:r>
             <a:r>
               <a:rPr lang="en-US" dirty="0" err="1" smtClean="0"/>
               <a:t>TextFileLoader</a:t>
@@ -6098,7 +8039,7 @@
 </p:sld>
 </file>
 
-<file path=ppt/slides/slide24.xml><?xml version="1.0" encoding="utf-8"?>
+<file path=ppt/slides/slide34.xml><?xml version="1.0" encoding="utf-8"?>
 <p:sld xmlns:a="http://schemas.openxmlformats.org/drawingml/2006/main" xmlns:r="http://schemas.openxmlformats.org/officeDocument/2006/relationships" xmlns:p="http://schemas.openxmlformats.org/presentationml/2006/main">
   <p:cSld>
     <p:spTree>
@@ -6185,6 +8126,10 @@
           <a:lstStyle/>
           <a:p>
             <a:r>
+              <a:rPr lang="en-US" dirty="0" smtClean="0"/>
+              <a:t>4.3: </a:t>
+            </a:r>
+            <a:r>
               <a:rPr lang="en-US" dirty="0" err="1" smtClean="0"/>
               <a:t>TextFileLoader</a:t>
             </a:r>
@@ -6303,7 +8248,7 @@
 </p:sld>
 </file>
 
-<file path=ppt/slides/slide25.xml><?xml version="1.0" encoding="utf-8"?>
+<file path=ppt/slides/slide35.xml><?xml version="1.0" encoding="utf-8"?>
 <p:sld xmlns:a="http://schemas.openxmlformats.org/drawingml/2006/main" xmlns:r="http://schemas.openxmlformats.org/officeDocument/2006/relationships" xmlns:p="http://schemas.openxmlformats.org/presentationml/2006/main">
   <p:cSld>
     <p:spTree>
@@ -6337,7 +8282,7 @@
           <a:p>
             <a:r>
               <a:rPr lang="en-US" dirty="0" smtClean="0"/>
-              <a:t>Engine </a:t>
+              <a:t>4.3: Engine </a:t>
             </a:r>
             <a:r>
               <a:rPr lang="en-US" dirty="0" err="1" smtClean="0"/>
@@ -6376,11 +8321,7 @@
             </a:r>
             <a:r>
               <a:rPr lang="en-US" dirty="0" smtClean="0"/>
-              <a:t> </a:t>
-            </a:r>
-            <a:r>
-              <a:rPr lang="en-US" dirty="0" smtClean="0"/>
-              <a:t>is shared by all </a:t>
+              <a:t> is shared by all </a:t>
             </a:r>
             <a:r>
               <a:rPr lang="en-US" dirty="0" err="1" smtClean="0"/>
@@ -6481,7 +8422,7 @@
 </p:sld>
 </file>
 
-<file path=ppt/slides/slide26.xml><?xml version="1.0" encoding="utf-8"?>
+<file path=ppt/slides/slide36.xml><?xml version="1.0" encoding="utf-8"?>
 <p:sld xmlns:a="http://schemas.openxmlformats.org/drawingml/2006/main" xmlns:r="http://schemas.openxmlformats.org/officeDocument/2006/relationships" xmlns:p="http://schemas.openxmlformats.org/presentationml/2006/main">
   <p:cSld>
     <p:spTree>
@@ -6515,7 +8456,7 @@
           <a:p>
             <a:r>
               <a:rPr lang="en-US" dirty="0" smtClean="0"/>
-              <a:t>Default SimpleShader engine resource</a:t>
+              <a:t>4.3: Default SimpleShader engine resource</a:t>
             </a:r>
             <a:endParaRPr lang="en-US" dirty="0"/>
           </a:p>
@@ -6651,7 +8592,7 @@
 </p:sld>
 </file>
 
-<file path=ppt/slides/slide27.xml><?xml version="1.0" encoding="utf-8"?>
+<file path=ppt/slides/slide37.xml><?xml version="1.0" encoding="utf-8"?>
 <p:sld xmlns:a="http://schemas.openxmlformats.org/drawingml/2006/main" xmlns:r="http://schemas.openxmlformats.org/officeDocument/2006/relationships" xmlns:p="http://schemas.openxmlformats.org/presentationml/2006/main">
   <p:cSld>
     <p:spTree>
@@ -6685,7 +8626,15 @@
           <a:p>
             <a:r>
               <a:rPr lang="en-US" dirty="0" smtClean="0"/>
-              <a:t>SimpleShader: user default resource</a:t>
+              <a:t>4.3: </a:t>
+            </a:r>
+            <a:r>
+              <a:rPr lang="en-US" dirty="0" err="1" smtClean="0"/>
+              <a:t>SimpleShader</a:t>
+            </a:r>
+            <a:r>
+              <a:rPr lang="en-US" dirty="0" smtClean="0"/>
+              <a:t>: user default resource</a:t>
             </a:r>
             <a:endParaRPr lang="en-US" dirty="0"/>
           </a:p>
@@ -6838,7 +8787,7 @@
 </p:sld>
 </file>
 
-<file path=ppt/slides/slide28.xml><?xml version="1.0" encoding="utf-8"?>
+<file path=ppt/slides/slide38.xml><?xml version="1.0" encoding="utf-8"?>
 <p:sld xmlns:a="http://schemas.openxmlformats.org/drawingml/2006/main" xmlns:r="http://schemas.openxmlformats.org/officeDocument/2006/relationships" xmlns:p="http://schemas.openxmlformats.org/presentationml/2006/main">
   <p:cSld>
     <p:spTree>
@@ -6872,7 +8821,7 @@
           <a:p>
             <a:r>
               <a:rPr lang="en-US" dirty="0" smtClean="0"/>
-              <a:t>Engine: starting sequence </a:t>
+              <a:t>4.3: Engine: starting sequence </a:t>
             </a:r>
             <a:endParaRPr lang="en-US" dirty="0"/>
           </a:p>
@@ -7050,7 +8999,7 @@
         </p:nvSpPr>
         <p:spPr>
           <a:xfrm>
-            <a:off x="6757729" y="1023740"/>
+            <a:off x="6757729" y="1228626"/>
             <a:ext cx="2000250" cy="866775"/>
           </a:xfrm>
           <a:prstGeom prst="round2DiagRect">
@@ -7156,7 +9105,7 @@
 </p:sld>
 </file>
 
-<file path=ppt/slides/slide29.xml><?xml version="1.0" encoding="utf-8"?>
+<file path=ppt/slides/slide39.xml><?xml version="1.0" encoding="utf-8"?>
 <p:sld xmlns:a="http://schemas.openxmlformats.org/drawingml/2006/main" xmlns:r="http://schemas.openxmlformats.org/officeDocument/2006/relationships" xmlns:p="http://schemas.openxmlformats.org/presentationml/2006/main">
   <p:cSld>
     <p:spTree>
@@ -7190,7 +9139,7 @@
           <a:p>
             <a:r>
               <a:rPr lang="en-US" dirty="0" smtClean="0"/>
-              <a:t>Testing </a:t>
+              <a:t>4.3: Testing </a:t>
             </a:r>
             <a:r>
               <a:rPr lang="en-US" dirty="0" err="1" smtClean="0"/>
@@ -7383,7 +9332,7 @@
 </p:sld>
 </file>
 
-<file path=ppt/slides/slide3.xml><?xml version="1.0" encoding="utf-8"?>
+<file path=ppt/slides/slide4.xml><?xml version="1.0" encoding="utf-8"?>
 <p:sld xmlns:a="http://schemas.openxmlformats.org/drawingml/2006/main" xmlns:r="http://schemas.openxmlformats.org/officeDocument/2006/relationships" xmlns:p="http://schemas.openxmlformats.org/presentationml/2006/main">
   <p:cSld>
     <p:spTree>
@@ -7563,7 +9512,940 @@
 </p:sld>
 </file>
 
-<file path=ppt/slides/slide30.xml><?xml version="1.0" encoding="utf-8"?>
+<file path=ppt/slides/slide40.xml><?xml version="1.0" encoding="utf-8"?>
+<p:sld xmlns:a="http://schemas.openxmlformats.org/drawingml/2006/main" xmlns:r="http://schemas.openxmlformats.org/officeDocument/2006/relationships" xmlns:p="http://schemas.openxmlformats.org/presentationml/2006/main">
+  <p:cSld>
+    <p:spTree>
+      <p:nvGrpSpPr>
+        <p:cNvPr id="1" name=""/>
+        <p:cNvGrpSpPr/>
+        <p:nvPr/>
+      </p:nvGrpSpPr>
+      <p:grpSpPr>
+        <a:xfrm>
+          <a:off x="0" y="0"/>
+          <a:ext cx="0" cy="0"/>
+          <a:chOff x="0" y="0"/>
+          <a:chExt cx="0" cy="0"/>
+        </a:xfrm>
+      </p:grpSpPr>
+      <p:sp>
+        <p:nvSpPr>
+          <p:cNvPr id="2" name="Title 1"/>
+          <p:cNvSpPr>
+            <a:spLocks noGrp="1"/>
+          </p:cNvSpPr>
+          <p:nvPr>
+            <p:ph type="title"/>
+          </p:nvPr>
+        </p:nvSpPr>
+        <p:spPr/>
+        <p:txBody>
+          <a:bodyPr/>
+          <a:lstStyle/>
+          <a:p>
+            <a:r>
+              <a:rPr lang="en-US" b="1" dirty="0" smtClean="0">
+                <a:solidFill>
+                  <a:srgbClr val="FF0000"/>
+                </a:solidFill>
+              </a:rPr>
+              <a:t>Questions</a:t>
+            </a:r>
+            <a:endParaRPr lang="en-US" b="1" dirty="0">
+              <a:solidFill>
+                <a:srgbClr val="FF0000"/>
+              </a:solidFill>
+            </a:endParaRPr>
+          </a:p>
+        </p:txBody>
+      </p:sp>
+      <p:sp>
+        <p:nvSpPr>
+          <p:cNvPr id="3" name="Content Placeholder 2"/>
+          <p:cNvSpPr>
+            <a:spLocks noGrp="1"/>
+          </p:cNvSpPr>
+          <p:nvPr>
+            <p:ph idx="1"/>
+          </p:nvPr>
+        </p:nvSpPr>
+        <p:spPr>
+          <a:xfrm>
+            <a:off x="838200" y="1436914"/>
+            <a:ext cx="10515600" cy="4740049"/>
+          </a:xfrm>
+        </p:spPr>
+        <p:txBody>
+          <a:bodyPr/>
+          <a:lstStyle/>
+          <a:p>
+            <a:r>
+              <a:rPr lang="en-US" dirty="0" err="1" smtClean="0"/>
+              <a:t>gEngine_TextFileLoadder</a:t>
+            </a:r>
+            <a:endParaRPr lang="en-US" dirty="0" smtClean="0"/>
+          </a:p>
+          <a:p>
+            <a:pPr lvl="1"/>
+            <a:r>
+              <a:rPr lang="en-US" dirty="0" smtClean="0"/>
+              <a:t>What format does</a:t>
+            </a:r>
+            <a:br>
+              <a:rPr lang="en-US" dirty="0" smtClean="0"/>
+            </a:br>
+            <a:r>
+              <a:rPr lang="en-US" dirty="0" smtClean="0"/>
+              <a:t> the loader support?</a:t>
+            </a:r>
+          </a:p>
+          <a:p>
+            <a:pPr lvl="1"/>
+            <a:endParaRPr lang="en-US" dirty="0"/>
+          </a:p>
+          <a:p>
+            <a:pPr lvl="1"/>
+            <a:endParaRPr lang="en-US" dirty="0" smtClean="0"/>
+          </a:p>
+          <a:p>
+            <a:pPr lvl="1"/>
+            <a:endParaRPr lang="en-US" dirty="0"/>
+          </a:p>
+          <a:p>
+            <a:pPr lvl="1"/>
+            <a:endParaRPr lang="en-US" dirty="0" smtClean="0"/>
+          </a:p>
+          <a:p>
+            <a:r>
+              <a:rPr lang="en-US" dirty="0" smtClean="0"/>
+              <a:t>How would you implement a JSON loader?</a:t>
+            </a:r>
+          </a:p>
+          <a:p>
+            <a:pPr marL="0" indent="0">
+              <a:buNone/>
+            </a:pPr>
+            <a:endParaRPr lang="en-US" dirty="0" smtClean="0"/>
+          </a:p>
+        </p:txBody>
+      </p:sp>
+      <p:pic>
+        <p:nvPicPr>
+          <p:cNvPr id="4" name="Picture 3"/>
+          <p:cNvPicPr>
+            <a:picLocks noChangeAspect="1"/>
+          </p:cNvPicPr>
+          <p:nvPr/>
+        </p:nvPicPr>
+        <p:blipFill>
+          <a:blip r:embed="rId2"/>
+          <a:stretch>
+            <a:fillRect/>
+          </a:stretch>
+        </p:blipFill>
+        <p:spPr>
+          <a:xfrm>
+            <a:off x="5186202" y="1027906"/>
+            <a:ext cx="6715224" cy="2729535"/>
+          </a:xfrm>
+          <a:prstGeom prst="rect">
+            <a:avLst/>
+          </a:prstGeom>
+          <a:solidFill>
+            <a:srgbClr val="FFFFFF">
+              <a:shade val="85000"/>
+            </a:srgbClr>
+          </a:solidFill>
+          <a:ln w="88900" cap="sq">
+            <a:solidFill>
+              <a:srgbClr val="FFFFFF"/>
+            </a:solidFill>
+            <a:miter lim="800000"/>
+          </a:ln>
+          <a:effectLst>
+            <a:outerShdw blurRad="55000" dist="18000" dir="5400000" algn="tl" rotWithShape="0">
+              <a:srgbClr val="000000">
+                <a:alpha val="40000"/>
+              </a:srgbClr>
+            </a:outerShdw>
+          </a:effectLst>
+          <a:scene3d>
+            <a:camera prst="orthographicFront"/>
+            <a:lightRig rig="twoPt" dir="t">
+              <a:rot lat="0" lon="0" rev="7200000"/>
+            </a:lightRig>
+          </a:scene3d>
+          <a:sp3d>
+            <a:bevelT w="25400" h="19050"/>
+            <a:contourClr>
+              <a:srgbClr val="FFFFFF"/>
+            </a:contourClr>
+          </a:sp3d>
+        </p:spPr>
+      </p:pic>
+    </p:spTree>
+    <p:extLst>
+      <p:ext uri="{BB962C8B-B14F-4D97-AF65-F5344CB8AC3E}">
+        <p14:creationId xmlns:p14="http://schemas.microsoft.com/office/powerpoint/2010/main" val="4210330986"/>
+      </p:ext>
+    </p:extLst>
+  </p:cSld>
+  <p:clrMapOvr>
+    <a:masterClrMapping/>
+  </p:clrMapOvr>
+</p:sld>
+</file>
+
+<file path=ppt/slides/slide41.xml><?xml version="1.0" encoding="utf-8"?>
+<p:sld xmlns:a="http://schemas.openxmlformats.org/drawingml/2006/main" xmlns:r="http://schemas.openxmlformats.org/officeDocument/2006/relationships" xmlns:p="http://schemas.openxmlformats.org/presentationml/2006/main">
+  <p:cSld>
+    <p:spTree>
+      <p:nvGrpSpPr>
+        <p:cNvPr id="1" name=""/>
+        <p:cNvGrpSpPr/>
+        <p:nvPr/>
+      </p:nvGrpSpPr>
+      <p:grpSpPr>
+        <a:xfrm>
+          <a:off x="0" y="0"/>
+          <a:ext cx="0" cy="0"/>
+          <a:chOff x="0" y="0"/>
+          <a:chExt cx="0" cy="0"/>
+        </a:xfrm>
+      </p:grpSpPr>
+      <p:sp>
+        <p:nvSpPr>
+          <p:cNvPr id="2" name="Title 1"/>
+          <p:cNvSpPr>
+            <a:spLocks noGrp="1"/>
+          </p:cNvSpPr>
+          <p:nvPr>
+            <p:ph type="title"/>
+          </p:nvPr>
+        </p:nvSpPr>
+        <p:spPr/>
+        <p:txBody>
+          <a:bodyPr>
+            <a:normAutofit/>
+          </a:bodyPr>
+          <a:lstStyle/>
+          <a:p>
+            <a:r>
+              <a:rPr lang="en-US" b="1" dirty="0" smtClean="0">
+                <a:solidFill>
+                  <a:srgbClr val="FF0000"/>
+                </a:solidFill>
+              </a:rPr>
+              <a:t>Questions: </a:t>
+            </a:r>
+            <a:r>
+              <a:rPr lang="en-US" dirty="0" smtClean="0"/>
+              <a:t>Assume an empty ResourceMap</a:t>
+            </a:r>
+            <a:r>
+              <a:rPr lang="en-US" dirty="0"/>
+              <a:t/>
+            </a:r>
+            <a:br>
+              <a:rPr lang="en-US" dirty="0"/>
+            </a:br>
+            <a:endParaRPr lang="en-US" b="1" dirty="0">
+              <a:solidFill>
+                <a:srgbClr val="FF0000"/>
+              </a:solidFill>
+            </a:endParaRPr>
+          </a:p>
+        </p:txBody>
+      </p:sp>
+      <p:sp>
+        <p:nvSpPr>
+          <p:cNvPr id="3" name="Content Placeholder 2"/>
+          <p:cNvSpPr>
+            <a:spLocks noGrp="1"/>
+          </p:cNvSpPr>
+          <p:nvPr>
+            <p:ph idx="1"/>
+          </p:nvPr>
+        </p:nvSpPr>
+        <p:spPr>
+          <a:xfrm>
+            <a:off x="838200" y="1436914"/>
+            <a:ext cx="10515600" cy="4740049"/>
+          </a:xfrm>
+        </p:spPr>
+        <p:txBody>
+          <a:bodyPr>
+            <a:normAutofit fontScale="92500" lnSpcReduction="10000"/>
+          </a:bodyPr>
+          <a:lstStyle/>
+          <a:p>
+            <a:r>
+              <a:rPr lang="en-US" dirty="0" smtClean="0"/>
+              <a:t>If I issue the following function calls one after the other [very quickly]</a:t>
+            </a:r>
+          </a:p>
+          <a:p>
+            <a:pPr marL="0" indent="0">
+              <a:buNone/>
+            </a:pPr>
+            <a:r>
+              <a:rPr lang="en-US" sz="1900" dirty="0" smtClean="0"/>
+              <a:t>	</a:t>
+            </a:r>
+            <a:r>
+              <a:rPr lang="en-US" sz="2000" dirty="0" err="1" smtClean="0"/>
+              <a:t>gEngine.TextFileLoader.loadTextFile</a:t>
+            </a:r>
+            <a:r>
+              <a:rPr lang="en-US" sz="2000" dirty="0" smtClean="0"/>
+              <a:t>(“aFile.txt”, </a:t>
+            </a:r>
+            <a:r>
+              <a:rPr lang="en-US" sz="2000" dirty="0" err="1" smtClean="0"/>
+              <a:t>eXMLFile</a:t>
+            </a:r>
+            <a:r>
+              <a:rPr lang="en-US" sz="2000" dirty="0" smtClean="0"/>
+              <a:t>);</a:t>
+            </a:r>
+          </a:p>
+          <a:p>
+            <a:pPr marL="0" indent="0">
+              <a:buNone/>
+            </a:pPr>
+            <a:r>
+              <a:rPr lang="en-US" sz="2000" dirty="0"/>
+              <a:t>	</a:t>
+            </a:r>
+            <a:r>
+              <a:rPr lang="en-US" sz="2000" dirty="0" err="1"/>
+              <a:t>gEngine.TextFileLoader.loadTextFile</a:t>
+            </a:r>
+            <a:r>
+              <a:rPr lang="en-US" sz="2000" dirty="0"/>
+              <a:t>(“aFile.txt”, </a:t>
+            </a:r>
+            <a:r>
+              <a:rPr lang="en-US" sz="2000" dirty="0" err="1"/>
+              <a:t>eXMLFile</a:t>
+            </a:r>
+            <a:r>
+              <a:rPr lang="en-US" sz="2000" dirty="0"/>
+              <a:t>);</a:t>
+            </a:r>
+          </a:p>
+          <a:p>
+            <a:r>
+              <a:rPr lang="en-US" dirty="0" smtClean="0"/>
+              <a:t>What is the value of </a:t>
+            </a:r>
+          </a:p>
+          <a:p>
+            <a:pPr marL="0" indent="0">
+              <a:buNone/>
+            </a:pPr>
+            <a:r>
+              <a:rPr lang="en-US" dirty="0"/>
+              <a:t>	</a:t>
+            </a:r>
+            <a:r>
+              <a:rPr lang="en-US" sz="2000" dirty="0" err="1" smtClean="0"/>
+              <a:t>gEngine.ResourceMap.mNumOutstandingLoads</a:t>
+            </a:r>
+            <a:r>
+              <a:rPr lang="en-US" sz="2000" dirty="0" smtClean="0"/>
+              <a:t>()</a:t>
+            </a:r>
+            <a:r>
+              <a:rPr lang="en-US" dirty="0" smtClean="0"/>
+              <a:t>?</a:t>
+            </a:r>
+            <a:endParaRPr lang="en-US" dirty="0"/>
+          </a:p>
+          <a:p>
+            <a:r>
+              <a:rPr lang="en-US" dirty="0" smtClean="0"/>
+              <a:t>How many entries are in </a:t>
+            </a:r>
+          </a:p>
+          <a:p>
+            <a:pPr marL="0" indent="0">
+              <a:buNone/>
+            </a:pPr>
+            <a:r>
+              <a:rPr lang="en-US" dirty="0"/>
+              <a:t>	</a:t>
+            </a:r>
+            <a:r>
+              <a:rPr lang="en-US" sz="2000" dirty="0" err="1" smtClean="0"/>
+              <a:t>gEngine.ResourceMap.mResourceMap</a:t>
+            </a:r>
+            <a:r>
+              <a:rPr lang="en-US" sz="2000" dirty="0" smtClean="0"/>
+              <a:t>[]</a:t>
+            </a:r>
+            <a:r>
+              <a:rPr lang="en-US" dirty="0" smtClean="0"/>
+              <a:t>?</a:t>
+            </a:r>
+          </a:p>
+          <a:p>
+            <a:r>
+              <a:rPr lang="en-US" dirty="0"/>
+              <a:t>How many actual OS file read are issued</a:t>
+            </a:r>
+            <a:r>
+              <a:rPr lang="en-US" dirty="0" smtClean="0"/>
+              <a:t>?</a:t>
+            </a:r>
+          </a:p>
+          <a:p>
+            <a:r>
+              <a:rPr lang="en-US" dirty="0" smtClean="0"/>
+              <a:t>If </a:t>
+            </a:r>
+            <a:r>
+              <a:rPr lang="en-US" b="1" dirty="0" err="1" smtClean="0"/>
+              <a:t>mLoadCompleteCallBack</a:t>
+            </a:r>
+            <a:r>
+              <a:rPr lang="en-US" b="1" dirty="0" smtClean="0"/>
+              <a:t> </a:t>
+            </a:r>
+            <a:r>
+              <a:rPr lang="en-US" dirty="0" smtClean="0"/>
+              <a:t>is properly initialized</a:t>
+            </a:r>
+          </a:p>
+          <a:p>
+            <a:pPr lvl="1"/>
+            <a:r>
+              <a:rPr lang="en-US" dirty="0" smtClean="0"/>
+              <a:t>How many times will _</a:t>
+            </a:r>
+            <a:r>
+              <a:rPr lang="en-US" dirty="0" err="1" smtClean="0"/>
+              <a:t>checkForAllLoadCompleted</a:t>
+            </a:r>
+            <a:r>
+              <a:rPr lang="en-US" dirty="0" smtClean="0"/>
+              <a:t>() be called?</a:t>
+            </a:r>
+          </a:p>
+          <a:p>
+            <a:pPr lvl="1"/>
+            <a:r>
+              <a:rPr lang="en-US" dirty="0" smtClean="0"/>
+              <a:t>How many times will </a:t>
+            </a:r>
+            <a:r>
+              <a:rPr lang="en-US" dirty="0" err="1" smtClean="0"/>
+              <a:t>mLoadCompleteCallback</a:t>
+            </a:r>
+            <a:r>
+              <a:rPr lang="en-US" dirty="0" smtClean="0"/>
+              <a:t>() be called?</a:t>
+            </a:r>
+            <a:endParaRPr lang="en-US" dirty="0"/>
+          </a:p>
+          <a:p>
+            <a:pPr marL="0" indent="0">
+              <a:buNone/>
+            </a:pPr>
+            <a:endParaRPr lang="en-US" dirty="0" smtClean="0"/>
+          </a:p>
+        </p:txBody>
+      </p:sp>
+    </p:spTree>
+    <p:extLst>
+      <p:ext uri="{BB962C8B-B14F-4D97-AF65-F5344CB8AC3E}">
+        <p14:creationId xmlns:p14="http://schemas.microsoft.com/office/powerpoint/2010/main" val="3278227726"/>
+      </p:ext>
+    </p:extLst>
+  </p:cSld>
+  <p:clrMapOvr>
+    <a:masterClrMapping/>
+  </p:clrMapOvr>
+</p:sld>
+</file>
+
+<file path=ppt/slides/slide42.xml><?xml version="1.0" encoding="utf-8"?>
+<p:sld xmlns:a="http://schemas.openxmlformats.org/drawingml/2006/main" xmlns:r="http://schemas.openxmlformats.org/officeDocument/2006/relationships" xmlns:p="http://schemas.openxmlformats.org/presentationml/2006/main">
+  <p:cSld>
+    <p:spTree>
+      <p:nvGrpSpPr>
+        <p:cNvPr id="1" name=""/>
+        <p:cNvGrpSpPr/>
+        <p:nvPr/>
+      </p:nvGrpSpPr>
+      <p:grpSpPr>
+        <a:xfrm>
+          <a:off x="0" y="0"/>
+          <a:ext cx="0" cy="0"/>
+          <a:chOff x="0" y="0"/>
+          <a:chExt cx="0" cy="0"/>
+        </a:xfrm>
+      </p:grpSpPr>
+      <p:sp>
+        <p:nvSpPr>
+          <p:cNvPr id="2" name="Title 1"/>
+          <p:cNvSpPr>
+            <a:spLocks noGrp="1"/>
+          </p:cNvSpPr>
+          <p:nvPr>
+            <p:ph type="title"/>
+          </p:nvPr>
+        </p:nvSpPr>
+        <p:spPr/>
+        <p:txBody>
+          <a:bodyPr>
+            <a:normAutofit/>
+          </a:bodyPr>
+          <a:lstStyle/>
+          <a:p>
+            <a:r>
+              <a:rPr lang="en-US" b="1" dirty="0" smtClean="0">
+                <a:solidFill>
+                  <a:srgbClr val="FF0000"/>
+                </a:solidFill>
+              </a:rPr>
+              <a:t>Questions: </a:t>
+            </a:r>
+            <a:r>
+              <a:rPr lang="en-US" dirty="0" smtClean="0"/>
+              <a:t>Assume an empty ResourceMap</a:t>
+            </a:r>
+            <a:r>
+              <a:rPr lang="en-US" dirty="0"/>
+              <a:t/>
+            </a:r>
+            <a:br>
+              <a:rPr lang="en-US" dirty="0"/>
+            </a:br>
+            <a:endParaRPr lang="en-US" b="1" dirty="0">
+              <a:solidFill>
+                <a:srgbClr val="FF0000"/>
+              </a:solidFill>
+            </a:endParaRPr>
+          </a:p>
+        </p:txBody>
+      </p:sp>
+      <p:sp>
+        <p:nvSpPr>
+          <p:cNvPr id="3" name="Content Placeholder 2"/>
+          <p:cNvSpPr>
+            <a:spLocks noGrp="1"/>
+          </p:cNvSpPr>
+          <p:nvPr>
+            <p:ph idx="1"/>
+          </p:nvPr>
+        </p:nvSpPr>
+        <p:spPr>
+          <a:xfrm>
+            <a:off x="838200" y="1436914"/>
+            <a:ext cx="10515600" cy="4740049"/>
+          </a:xfrm>
+        </p:spPr>
+        <p:txBody>
+          <a:bodyPr>
+            <a:normAutofit fontScale="92500" lnSpcReduction="10000"/>
+          </a:bodyPr>
+          <a:lstStyle/>
+          <a:p>
+            <a:r>
+              <a:rPr lang="en-US" dirty="0" smtClean="0"/>
+              <a:t>If I issue the following function calls one after the other [very quickly]</a:t>
+            </a:r>
+          </a:p>
+          <a:p>
+            <a:pPr marL="0" indent="0">
+              <a:buNone/>
+            </a:pPr>
+            <a:r>
+              <a:rPr lang="en-US" sz="1900" dirty="0" smtClean="0"/>
+              <a:t>	</a:t>
+            </a:r>
+            <a:r>
+              <a:rPr lang="en-US" sz="2000" dirty="0" err="1" smtClean="0"/>
+              <a:t>gEngine.TextFileLoader.loadTextFile</a:t>
+            </a:r>
+            <a:r>
+              <a:rPr lang="en-US" sz="2000" dirty="0" smtClean="0"/>
+              <a:t>(“aFile.txt”, </a:t>
+            </a:r>
+            <a:r>
+              <a:rPr lang="en-US" sz="2000" dirty="0" err="1" smtClean="0"/>
+              <a:t>eXMLFile</a:t>
+            </a:r>
+            <a:r>
+              <a:rPr lang="en-US" sz="2000" dirty="0" smtClean="0"/>
+              <a:t>);</a:t>
+            </a:r>
+          </a:p>
+          <a:p>
+            <a:pPr marL="0" indent="0">
+              <a:buNone/>
+            </a:pPr>
+            <a:r>
+              <a:rPr lang="en-US" sz="2000" dirty="0"/>
+              <a:t>	</a:t>
+            </a:r>
+            <a:r>
+              <a:rPr lang="en-US" sz="2000" dirty="0" err="1"/>
+              <a:t>gEngine.TextFileLoader.loadTextFile</a:t>
+            </a:r>
+            <a:r>
+              <a:rPr lang="en-US" sz="2000" dirty="0"/>
+              <a:t>(“aFile.txt”, </a:t>
+            </a:r>
+            <a:r>
+              <a:rPr lang="en-US" sz="2000" dirty="0" err="1"/>
+              <a:t>eXMLFile</a:t>
+            </a:r>
+            <a:r>
+              <a:rPr lang="en-US" sz="2000" dirty="0"/>
+              <a:t>);</a:t>
+            </a:r>
+          </a:p>
+          <a:p>
+            <a:r>
+              <a:rPr lang="en-US" dirty="0" smtClean="0"/>
+              <a:t>What is the value of </a:t>
+            </a:r>
+          </a:p>
+          <a:p>
+            <a:pPr marL="0" indent="0">
+              <a:buNone/>
+            </a:pPr>
+            <a:r>
+              <a:rPr lang="en-US" dirty="0"/>
+              <a:t>	</a:t>
+            </a:r>
+            <a:r>
+              <a:rPr lang="en-US" sz="2000" dirty="0" err="1" smtClean="0"/>
+              <a:t>gEngine.ResourceMap.mNumOutstandingLoads</a:t>
+            </a:r>
+            <a:r>
+              <a:rPr lang="en-US" sz="2000" dirty="0" smtClean="0"/>
+              <a:t>()</a:t>
+            </a:r>
+            <a:r>
+              <a:rPr lang="en-US" dirty="0" smtClean="0"/>
+              <a:t>?   </a:t>
+            </a:r>
+            <a:r>
+              <a:rPr lang="en-US" b="1" dirty="0" smtClean="0">
+                <a:solidFill>
+                  <a:srgbClr val="FF0000"/>
+                </a:solidFill>
+                <a:sym typeface="Wingdings" panose="05000000000000000000" pitchFamily="2" charset="2"/>
+              </a:rPr>
+              <a:t> </a:t>
+            </a:r>
+            <a:r>
+              <a:rPr lang="en-US" b="1" dirty="0" smtClean="0">
+                <a:solidFill>
+                  <a:srgbClr val="FF0000"/>
+                </a:solidFill>
+                <a:sym typeface="Wingdings" panose="05000000000000000000" pitchFamily="2" charset="2"/>
+              </a:rPr>
+              <a:t>1</a:t>
+            </a:r>
+            <a:endParaRPr lang="en-US" b="1" dirty="0">
+              <a:solidFill>
+                <a:srgbClr val="FF0000"/>
+              </a:solidFill>
+            </a:endParaRPr>
+          </a:p>
+          <a:p>
+            <a:r>
+              <a:rPr lang="en-US" dirty="0" smtClean="0"/>
+              <a:t>How many entries are in </a:t>
+            </a:r>
+          </a:p>
+          <a:p>
+            <a:pPr marL="0" indent="0">
+              <a:buNone/>
+            </a:pPr>
+            <a:r>
+              <a:rPr lang="en-US" dirty="0"/>
+              <a:t>	</a:t>
+            </a:r>
+            <a:r>
+              <a:rPr lang="en-US" sz="2000" dirty="0" err="1" smtClean="0"/>
+              <a:t>gEngine.ResourceMap.mResourceMap</a:t>
+            </a:r>
+            <a:r>
+              <a:rPr lang="en-US" sz="2000" dirty="0" smtClean="0"/>
+              <a:t>[]</a:t>
+            </a:r>
+            <a:r>
+              <a:rPr lang="en-US" dirty="0" smtClean="0"/>
+              <a:t>? </a:t>
+            </a:r>
+            <a:r>
+              <a:rPr lang="en-US" b="1" dirty="0">
+                <a:solidFill>
+                  <a:srgbClr val="FF0000"/>
+                </a:solidFill>
+                <a:sym typeface="Wingdings" panose="05000000000000000000" pitchFamily="2" charset="2"/>
+              </a:rPr>
+              <a:t> </a:t>
+            </a:r>
+            <a:r>
+              <a:rPr lang="en-US" b="1" dirty="0" smtClean="0">
+                <a:solidFill>
+                  <a:srgbClr val="FF0000"/>
+                </a:solidFill>
+                <a:sym typeface="Wingdings" panose="05000000000000000000" pitchFamily="2" charset="2"/>
+              </a:rPr>
+              <a:t>1 (second </a:t>
+            </a:r>
+            <a:r>
+              <a:rPr lang="en-US" b="1" dirty="0" err="1" smtClean="0">
+                <a:solidFill>
+                  <a:srgbClr val="FF0000"/>
+                </a:solidFill>
+                <a:sym typeface="Wingdings" panose="05000000000000000000" pitchFamily="2" charset="2"/>
+              </a:rPr>
+              <a:t>overrided</a:t>
+            </a:r>
+            <a:r>
+              <a:rPr lang="en-US" b="1" dirty="0" smtClean="0">
+                <a:solidFill>
+                  <a:srgbClr val="FF0000"/>
+                </a:solidFill>
+                <a:sym typeface="Wingdings" panose="05000000000000000000" pitchFamily="2" charset="2"/>
+              </a:rPr>
+              <a:t> first)</a:t>
+            </a:r>
+            <a:endParaRPr lang="en-US" b="1" dirty="0">
+              <a:solidFill>
+                <a:srgbClr val="FF0000"/>
+              </a:solidFill>
+            </a:endParaRPr>
+          </a:p>
+          <a:p>
+            <a:r>
+              <a:rPr lang="en-US" dirty="0" smtClean="0"/>
+              <a:t>How </a:t>
+            </a:r>
+            <a:r>
+              <a:rPr lang="en-US" dirty="0"/>
+              <a:t>many actual OS file read are issued</a:t>
+            </a:r>
+            <a:r>
+              <a:rPr lang="en-US" dirty="0" smtClean="0"/>
+              <a:t>?</a:t>
+            </a:r>
+            <a:r>
+              <a:rPr lang="en-US" b="1" dirty="0">
+                <a:solidFill>
+                  <a:srgbClr val="FF0000"/>
+                </a:solidFill>
+                <a:sym typeface="Wingdings" panose="05000000000000000000" pitchFamily="2" charset="2"/>
+              </a:rPr>
+              <a:t>  </a:t>
+            </a:r>
+            <a:r>
+              <a:rPr lang="en-US" b="1" dirty="0" smtClean="0">
+                <a:solidFill>
+                  <a:srgbClr val="FF0000"/>
+                </a:solidFill>
+                <a:sym typeface="Wingdings" panose="05000000000000000000" pitchFamily="2" charset="2"/>
+              </a:rPr>
+              <a:t>1</a:t>
+            </a:r>
+            <a:endParaRPr lang="en-US" dirty="0" smtClean="0"/>
+          </a:p>
+          <a:p>
+            <a:r>
+              <a:rPr lang="en-US" dirty="0" smtClean="0"/>
+              <a:t>If </a:t>
+            </a:r>
+            <a:r>
+              <a:rPr lang="en-US" b="1" dirty="0" err="1" smtClean="0"/>
+              <a:t>mLoadCompleteCallBack</a:t>
+            </a:r>
+            <a:r>
+              <a:rPr lang="en-US" b="1" dirty="0" smtClean="0"/>
+              <a:t> </a:t>
+            </a:r>
+            <a:r>
+              <a:rPr lang="en-US" dirty="0" smtClean="0"/>
+              <a:t>is properly initialized</a:t>
+            </a:r>
+          </a:p>
+          <a:p>
+            <a:pPr lvl="1"/>
+            <a:r>
+              <a:rPr lang="en-US" dirty="0" smtClean="0"/>
+              <a:t>How many times will _</a:t>
+            </a:r>
+            <a:r>
+              <a:rPr lang="en-US" dirty="0" err="1" smtClean="0"/>
+              <a:t>checkForAllLoadCompleted</a:t>
+            </a:r>
+            <a:r>
+              <a:rPr lang="en-US" dirty="0" smtClean="0"/>
+              <a:t>() be called? </a:t>
+            </a:r>
+            <a:r>
+              <a:rPr lang="en-US" b="1" dirty="0">
+                <a:solidFill>
+                  <a:srgbClr val="FF0000"/>
+                </a:solidFill>
+                <a:sym typeface="Wingdings" panose="05000000000000000000" pitchFamily="2" charset="2"/>
+              </a:rPr>
+              <a:t>1</a:t>
+            </a:r>
+            <a:r>
+              <a:rPr lang="en-US" b="1" smtClean="0">
+                <a:solidFill>
+                  <a:srgbClr val="FF0000"/>
+                </a:solidFill>
+                <a:sym typeface="Wingdings" panose="05000000000000000000" pitchFamily="2" charset="2"/>
+              </a:rPr>
+              <a:t> </a:t>
+            </a:r>
+            <a:r>
+              <a:rPr lang="en-US" b="1" dirty="0" smtClean="0">
+                <a:solidFill>
+                  <a:srgbClr val="FF0000"/>
+                </a:solidFill>
+                <a:sym typeface="Wingdings" panose="05000000000000000000" pitchFamily="2" charset="2"/>
+              </a:rPr>
+              <a:t>(once for each read)</a:t>
+            </a:r>
+            <a:endParaRPr lang="en-US" dirty="0" smtClean="0"/>
+          </a:p>
+          <a:p>
+            <a:pPr lvl="1"/>
+            <a:r>
+              <a:rPr lang="en-US" dirty="0" smtClean="0"/>
+              <a:t>How many times will </a:t>
+            </a:r>
+            <a:r>
+              <a:rPr lang="en-US" dirty="0" err="1" smtClean="0"/>
+              <a:t>mLoadCompleteCallback</a:t>
+            </a:r>
+            <a:r>
+              <a:rPr lang="en-US" dirty="0" smtClean="0"/>
+              <a:t>() be called? </a:t>
+            </a:r>
+            <a:r>
+              <a:rPr lang="en-US" b="1" dirty="0" smtClean="0">
+                <a:solidFill>
+                  <a:srgbClr val="FF0000"/>
+                </a:solidFill>
+                <a:sym typeface="Wingdings" panose="05000000000000000000" pitchFamily="2" charset="2"/>
+              </a:rPr>
+              <a:t>Once, when all read are returned</a:t>
+            </a:r>
+            <a:endParaRPr lang="en-US" dirty="0"/>
+          </a:p>
+          <a:p>
+            <a:pPr marL="0" indent="0">
+              <a:buNone/>
+            </a:pPr>
+            <a:endParaRPr lang="en-US" dirty="0" smtClean="0"/>
+          </a:p>
+        </p:txBody>
+      </p:sp>
+    </p:spTree>
+    <p:extLst>
+      <p:ext uri="{BB962C8B-B14F-4D97-AF65-F5344CB8AC3E}">
+        <p14:creationId xmlns:p14="http://schemas.microsoft.com/office/powerpoint/2010/main" val="825488102"/>
+      </p:ext>
+    </p:extLst>
+  </p:cSld>
+  <p:clrMapOvr>
+    <a:masterClrMapping/>
+  </p:clrMapOvr>
+</p:sld>
+</file>
+
+<file path=ppt/slides/slide43.xml><?xml version="1.0" encoding="utf-8"?>
+<p:sld xmlns:a="http://schemas.openxmlformats.org/drawingml/2006/main" xmlns:r="http://schemas.openxmlformats.org/officeDocument/2006/relationships" xmlns:p="http://schemas.openxmlformats.org/presentationml/2006/main">
+  <p:cSld>
+    <p:spTree>
+      <p:nvGrpSpPr>
+        <p:cNvPr id="1" name=""/>
+        <p:cNvGrpSpPr/>
+        <p:nvPr/>
+      </p:nvGrpSpPr>
+      <p:grpSpPr>
+        <a:xfrm>
+          <a:off x="0" y="0"/>
+          <a:ext cx="0" cy="0"/>
+          <a:chOff x="0" y="0"/>
+          <a:chExt cx="0" cy="0"/>
+        </a:xfrm>
+      </p:grpSpPr>
+      <p:sp>
+        <p:nvSpPr>
+          <p:cNvPr id="2" name="Title 1"/>
+          <p:cNvSpPr>
+            <a:spLocks noGrp="1"/>
+          </p:cNvSpPr>
+          <p:nvPr>
+            <p:ph type="title"/>
+          </p:nvPr>
+        </p:nvSpPr>
+        <p:spPr/>
+        <p:txBody>
+          <a:bodyPr/>
+          <a:lstStyle/>
+          <a:p>
+            <a:r>
+              <a:rPr lang="en-US" dirty="0" smtClean="0"/>
+              <a:t>4.4: Scene File Project</a:t>
+            </a:r>
+            <a:endParaRPr lang="en-US" dirty="0"/>
+          </a:p>
+        </p:txBody>
+      </p:sp>
+      <p:pic>
+        <p:nvPicPr>
+          <p:cNvPr id="4" name="Content Placeholder 3"/>
+          <p:cNvPicPr>
+            <a:picLocks noGrp="1" noChangeAspect="1"/>
+          </p:cNvPicPr>
+          <p:nvPr>
+            <p:ph idx="1"/>
+          </p:nvPr>
+        </p:nvPicPr>
+        <p:blipFill>
+          <a:blip r:embed="rId2"/>
+          <a:stretch>
+            <a:fillRect/>
+          </a:stretch>
+        </p:blipFill>
+        <p:spPr>
+          <a:xfrm>
+            <a:off x="2243895" y="1825625"/>
+            <a:ext cx="7704210" cy="4351338"/>
+          </a:xfrm>
+          <a:prstGeom prst="rect">
+            <a:avLst/>
+          </a:prstGeom>
+        </p:spPr>
+      </p:pic>
+    </p:spTree>
+    <p:extLst>
+      <p:ext uri="{BB962C8B-B14F-4D97-AF65-F5344CB8AC3E}">
+        <p14:creationId xmlns:p14="http://schemas.microsoft.com/office/powerpoint/2010/main" val="2590788568"/>
+      </p:ext>
+    </p:extLst>
+  </p:cSld>
+  <p:clrMapOvr>
+    <a:masterClrMapping/>
+  </p:clrMapOvr>
+</p:sld>
+</file>
+
+<file path=ppt/slides/slide44.xml><?xml version="1.0" encoding="utf-8"?>
 <p:sld xmlns:a="http://schemas.openxmlformats.org/drawingml/2006/main" xmlns:r="http://schemas.openxmlformats.org/officeDocument/2006/relationships" xmlns:p="http://schemas.openxmlformats.org/presentationml/2006/main">
   <p:cSld>
     <p:spTree>
@@ -7721,7 +10603,7 @@
 </p:sld>
 </file>
 
-<file path=ppt/slides/slide31.xml><?xml version="1.0" encoding="utf-8"?>
+<file path=ppt/slides/slide45.xml><?xml version="1.0" encoding="utf-8"?>
 <p:sld xmlns:a="http://schemas.openxmlformats.org/drawingml/2006/main" xmlns:r="http://schemas.openxmlformats.org/officeDocument/2006/relationships" xmlns:p="http://schemas.openxmlformats.org/presentationml/2006/main">
   <p:cSld>
     <p:spTree>
@@ -7754,16 +10636,16 @@
           <a:lstStyle/>
           <a:p>
             <a:r>
+              <a:rPr lang="en-US" dirty="0" smtClean="0"/>
+              <a:t>4.4: </a:t>
+            </a:r>
+            <a:r>
               <a:rPr lang="en-US" dirty="0" err="1" smtClean="0"/>
               <a:t>MyGame</a:t>
             </a:r>
             <a:r>
-              <a:rPr lang="en-US" dirty="0"/>
-              <a:t> </a:t>
-            </a:r>
-            <a:r>
-              <a:rPr lang="en-US" dirty="0" smtClean="0"/>
-              <a:t>class</a:t>
+              <a:rPr lang="en-US" dirty="0" smtClean="0"/>
+              <a:t> class</a:t>
             </a:r>
             <a:endParaRPr lang="en-US" dirty="0"/>
           </a:p>
@@ -7871,7 +10753,7 @@
 </p:sld>
 </file>
 
-<file path=ppt/slides/slide32.xml><?xml version="1.0" encoding="utf-8"?>
+<file path=ppt/slides/slide46.xml><?xml version="1.0" encoding="utf-8"?>
 <p:sld xmlns:a="http://schemas.openxmlformats.org/drawingml/2006/main" xmlns:r="http://schemas.openxmlformats.org/officeDocument/2006/relationships" xmlns:p="http://schemas.openxmlformats.org/presentationml/2006/main">
   <p:cSld>
     <p:spTree>
@@ -7903,6 +10785,10 @@
           <a:bodyPr/>
           <a:lstStyle/>
           <a:p>
+            <a:r>
+              <a:rPr lang="en-US" dirty="0" smtClean="0"/>
+              <a:t>4.4: </a:t>
+            </a:r>
             <a:r>
               <a:rPr lang="en-US" dirty="0" err="1" smtClean="0"/>
               <a:t>MyGame</a:t>
@@ -8055,7 +10941,7 @@
 </p:sld>
 </file>
 
-<file path=ppt/slides/slide33.xml><?xml version="1.0" encoding="utf-8"?>
+<file path=ppt/slides/slide47.xml><?xml version="1.0" encoding="utf-8"?>
 <p:sld xmlns:a="http://schemas.openxmlformats.org/drawingml/2006/main" xmlns:r="http://schemas.openxmlformats.org/officeDocument/2006/relationships" xmlns:p="http://schemas.openxmlformats.org/presentationml/2006/main">
   <p:cSld>
     <p:spTree>
@@ -8087,6 +10973,10 @@
           <a:bodyPr/>
           <a:lstStyle/>
           <a:p>
+            <a:r>
+              <a:rPr lang="en-US" dirty="0" smtClean="0"/>
+              <a:t>4.4: </a:t>
+            </a:r>
             <a:r>
               <a:rPr lang="en-US" dirty="0" err="1" smtClean="0"/>
               <a:t>MyGame:initialize</a:t>
@@ -8189,7 +11079,7 @@
 </p:sld>
 </file>
 
-<file path=ppt/slides/slide34.xml><?xml version="1.0" encoding="utf-8"?>
+<file path=ppt/slides/slide48.xml><?xml version="1.0" encoding="utf-8"?>
 <p:sld xmlns:a="http://schemas.openxmlformats.org/drawingml/2006/main" xmlns:r="http://schemas.openxmlformats.org/officeDocument/2006/relationships" xmlns:p="http://schemas.openxmlformats.org/presentationml/2006/main">
   <p:cSld>
     <p:spTree>
@@ -8223,7 +11113,7 @@
           <a:p>
             <a:r>
               <a:rPr lang="en-US" dirty="0" smtClean="0"/>
-              <a:t>Engine: starting sequence with new </a:t>
+              <a:t>4.4: Engine: starting sequence with new </a:t>
             </a:r>
             <a:r>
               <a:rPr lang="en-US" dirty="0" err="1" smtClean="0"/>
@@ -8559,7 +11449,7 @@
 </p:sld>
 </file>
 
-<file path=ppt/slides/slide35.xml><?xml version="1.0" encoding="utf-8"?>
+<file path=ppt/slides/slide49.xml><?xml version="1.0" encoding="utf-8"?>
 <p:sld xmlns:a="http://schemas.openxmlformats.org/drawingml/2006/main" xmlns:r="http://schemas.openxmlformats.org/officeDocument/2006/relationships" xmlns:p="http://schemas.openxmlformats.org/presentationml/2006/main">
   <p:cSld>
     <p:spTree>
@@ -8593,7 +11483,7 @@
           <a:p>
             <a:r>
               <a:rPr lang="en-US" dirty="0" smtClean="0"/>
-              <a:t>Engine Core: </a:t>
+              <a:t>4.4: Engine Core: </a:t>
             </a:r>
             <a:r>
               <a:rPr lang="en-US" dirty="0" err="1" smtClean="0"/>
@@ -8727,7 +11617,7 @@
         </p:nvSpPr>
         <p:spPr>
           <a:xfrm>
-            <a:off x="7000875" y="1027906"/>
+            <a:off x="7129462" y="1383903"/>
             <a:ext cx="2800350" cy="974725"/>
           </a:xfrm>
           <a:prstGeom prst="round2DiagRect">
@@ -9000,7 +11890,294 @@
 </p:sld>
 </file>
 
-<file path=ppt/slides/slide36.xml><?xml version="1.0" encoding="utf-8"?>
+<file path=ppt/slides/slide5.xml><?xml version="1.0" encoding="utf-8"?>
+<p:sld xmlns:a="http://schemas.openxmlformats.org/drawingml/2006/main" xmlns:r="http://schemas.openxmlformats.org/officeDocument/2006/relationships" xmlns:p="http://schemas.openxmlformats.org/presentationml/2006/main">
+  <p:cSld>
+    <p:spTree>
+      <p:nvGrpSpPr>
+        <p:cNvPr id="1" name=""/>
+        <p:cNvGrpSpPr/>
+        <p:nvPr/>
+      </p:nvGrpSpPr>
+      <p:grpSpPr>
+        <a:xfrm>
+          <a:off x="0" y="0"/>
+          <a:ext cx="0" cy="0"/>
+          <a:chOff x="0" y="0"/>
+          <a:chExt cx="0" cy="0"/>
+        </a:xfrm>
+      </p:grpSpPr>
+      <p:sp>
+        <p:nvSpPr>
+          <p:cNvPr id="2" name="Title 1"/>
+          <p:cNvSpPr>
+            <a:spLocks noGrp="1"/>
+          </p:cNvSpPr>
+          <p:nvPr>
+            <p:ph type="title"/>
+          </p:nvPr>
+        </p:nvSpPr>
+        <p:spPr/>
+        <p:txBody>
+          <a:bodyPr/>
+          <a:lstStyle/>
+          <a:p>
+            <a:r>
+              <a:rPr lang="en-US" b="1" dirty="0" smtClean="0">
+                <a:solidFill>
+                  <a:srgbClr val="FF0000"/>
+                </a:solidFill>
+              </a:rPr>
+              <a:t>Questions</a:t>
+            </a:r>
+            <a:endParaRPr lang="en-US" b="1" dirty="0">
+              <a:solidFill>
+                <a:srgbClr val="FF0000"/>
+              </a:solidFill>
+            </a:endParaRPr>
+          </a:p>
+        </p:txBody>
+      </p:sp>
+      <p:sp>
+        <p:nvSpPr>
+          <p:cNvPr id="3" name="Content Placeholder 2"/>
+          <p:cNvSpPr>
+            <a:spLocks noGrp="1"/>
+          </p:cNvSpPr>
+          <p:nvPr>
+            <p:ph idx="1"/>
+          </p:nvPr>
+        </p:nvSpPr>
+        <p:spPr/>
+        <p:txBody>
+          <a:bodyPr/>
+          <a:lstStyle/>
+          <a:p>
+            <a:r>
+              <a:rPr lang="en-US" dirty="0" smtClean="0"/>
+              <a:t>What is Frame/Second?</a:t>
+            </a:r>
+          </a:p>
+          <a:p>
+            <a:r>
+              <a:rPr lang="en-US" dirty="0" smtClean="0"/>
+              <a:t>Is it possible to have the following, and why?</a:t>
+            </a:r>
+          </a:p>
+          <a:p>
+            <a:pPr lvl="1"/>
+            <a:r>
+              <a:rPr lang="en-US" dirty="0" smtClean="0"/>
+              <a:t>Multiple update() calls per draw()</a:t>
+            </a:r>
+          </a:p>
+          <a:p>
+            <a:pPr lvl="1"/>
+            <a:r>
+              <a:rPr lang="en-US" dirty="0" smtClean="0"/>
+              <a:t>Multiple input() calls per draw()</a:t>
+            </a:r>
+          </a:p>
+          <a:p>
+            <a:pPr lvl="1"/>
+            <a:r>
+              <a:rPr lang="en-US" dirty="0" smtClean="0"/>
+              <a:t>Multiple draw() calls per update()</a:t>
+            </a:r>
+          </a:p>
+          <a:p>
+            <a:pPr lvl="1"/>
+            <a:r>
+              <a:rPr lang="en-US" dirty="0" smtClean="0"/>
+              <a:t>Multiple draw() calls per input()</a:t>
+            </a:r>
+          </a:p>
+          <a:p>
+            <a:r>
+              <a:rPr lang="en-US" dirty="0" smtClean="0"/>
+              <a:t>Look at MP1 assignment spec</a:t>
+            </a:r>
+          </a:p>
+          <a:p>
+            <a:pPr marL="0" indent="0">
+              <a:buNone/>
+            </a:pPr>
+            <a:r>
+              <a:rPr lang="en-US" sz="1800" dirty="0">
+                <a:hlinkClick r:id="rId2"/>
+              </a:rPr>
+              <a:t>http://</a:t>
+            </a:r>
+            <a:r>
+              <a:rPr lang="en-US" sz="1800" dirty="0" smtClean="0">
+                <a:hlinkClick r:id="rId2"/>
+              </a:rPr>
+              <a:t>faculty.washington.edu/ksung/CSS490D/MP/MP1/mp1.htm</a:t>
+            </a:r>
+            <a:r>
+              <a:rPr lang="en-US" sz="1800" dirty="0" smtClean="0"/>
+              <a:t> </a:t>
+            </a:r>
+          </a:p>
+          <a:p>
+            <a:pPr marL="0" indent="0">
+              <a:buNone/>
+            </a:pPr>
+            <a:r>
+              <a:rPr lang="en-US" sz="1800" dirty="0" smtClean="0"/>
+              <a:t>Think about from where to call these functions</a:t>
+            </a:r>
+            <a:endParaRPr lang="en-US" sz="1800" dirty="0"/>
+          </a:p>
+        </p:txBody>
+      </p:sp>
+      <p:pic>
+        <p:nvPicPr>
+          <p:cNvPr id="4" name="Picture 3"/>
+          <p:cNvPicPr>
+            <a:picLocks noChangeAspect="1"/>
+          </p:cNvPicPr>
+          <p:nvPr/>
+        </p:nvPicPr>
+        <p:blipFill>
+          <a:blip r:embed="rId3"/>
+          <a:stretch>
+            <a:fillRect/>
+          </a:stretch>
+        </p:blipFill>
+        <p:spPr>
+          <a:xfrm>
+            <a:off x="7490462" y="3112026"/>
+            <a:ext cx="4164298" cy="2735890"/>
+          </a:xfrm>
+          <a:prstGeom prst="rect">
+            <a:avLst/>
+          </a:prstGeom>
+          <a:solidFill>
+            <a:srgbClr val="FFFFFF">
+              <a:shade val="85000"/>
+            </a:srgbClr>
+          </a:solidFill>
+          <a:ln w="88900" cap="sq">
+            <a:solidFill>
+              <a:srgbClr val="FFFFFF"/>
+            </a:solidFill>
+            <a:miter lim="800000"/>
+          </a:ln>
+          <a:effectLst>
+            <a:outerShdw blurRad="55000" dist="18000" dir="5400000" algn="tl" rotWithShape="0">
+              <a:srgbClr val="000000">
+                <a:alpha val="40000"/>
+              </a:srgbClr>
+            </a:outerShdw>
+          </a:effectLst>
+          <a:scene3d>
+            <a:camera prst="orthographicFront"/>
+            <a:lightRig rig="twoPt" dir="t">
+              <a:rot lat="0" lon="0" rev="7200000"/>
+            </a:lightRig>
+          </a:scene3d>
+          <a:sp3d>
+            <a:bevelT w="25400" h="19050"/>
+            <a:contourClr>
+              <a:srgbClr val="FFFFFF"/>
+            </a:contourClr>
+          </a:sp3d>
+        </p:spPr>
+      </p:pic>
+    </p:spTree>
+    <p:extLst>
+      <p:ext uri="{BB962C8B-B14F-4D97-AF65-F5344CB8AC3E}">
+        <p14:creationId xmlns:p14="http://schemas.microsoft.com/office/powerpoint/2010/main" val="2809078663"/>
+      </p:ext>
+    </p:extLst>
+  </p:cSld>
+  <p:clrMapOvr>
+    <a:masterClrMapping/>
+  </p:clrMapOvr>
+</p:sld>
+</file>
+
+<file path=ppt/slides/slide50.xml><?xml version="1.0" encoding="utf-8"?>
+<p:sld xmlns:a="http://schemas.openxmlformats.org/drawingml/2006/main" xmlns:r="http://schemas.openxmlformats.org/officeDocument/2006/relationships" xmlns:p="http://schemas.openxmlformats.org/presentationml/2006/main">
+  <p:cSld>
+    <p:spTree>
+      <p:nvGrpSpPr>
+        <p:cNvPr id="1" name=""/>
+        <p:cNvGrpSpPr/>
+        <p:nvPr/>
+      </p:nvGrpSpPr>
+      <p:grpSpPr>
+        <a:xfrm>
+          <a:off x="0" y="0"/>
+          <a:ext cx="0" cy="0"/>
+          <a:chOff x="0" y="0"/>
+          <a:chExt cx="0" cy="0"/>
+        </a:xfrm>
+      </p:grpSpPr>
+      <p:sp>
+        <p:nvSpPr>
+          <p:cNvPr id="2" name="Title 1"/>
+          <p:cNvSpPr>
+            <a:spLocks noGrp="1"/>
+          </p:cNvSpPr>
+          <p:nvPr>
+            <p:ph type="title"/>
+          </p:nvPr>
+        </p:nvSpPr>
+        <p:spPr/>
+        <p:txBody>
+          <a:bodyPr/>
+          <a:lstStyle/>
+          <a:p>
+            <a:r>
+              <a:rPr lang="en-US" dirty="0" smtClean="0"/>
+              <a:t>4.5: Scene Objects Project</a:t>
+            </a:r>
+            <a:endParaRPr lang="en-US" dirty="0"/>
+          </a:p>
+        </p:txBody>
+      </p:sp>
+      <p:pic>
+        <p:nvPicPr>
+          <p:cNvPr id="4" name="Content Placeholder 3"/>
+          <p:cNvPicPr>
+            <a:picLocks noGrp="1" noChangeAspect="1"/>
+          </p:cNvPicPr>
+          <p:nvPr>
+            <p:ph idx="1"/>
+          </p:nvPr>
+        </p:nvPicPr>
+        <p:blipFill>
+          <a:blip r:embed="rId2"/>
+          <a:stretch>
+            <a:fillRect/>
+          </a:stretch>
+        </p:blipFill>
+        <p:spPr>
+          <a:xfrm>
+            <a:off x="2299958" y="1825625"/>
+            <a:ext cx="7592083" cy="4351338"/>
+          </a:xfrm>
+          <a:prstGeom prst="rect">
+            <a:avLst/>
+          </a:prstGeom>
+        </p:spPr>
+      </p:pic>
+    </p:spTree>
+    <p:extLst>
+      <p:ext uri="{BB962C8B-B14F-4D97-AF65-F5344CB8AC3E}">
+        <p14:creationId xmlns:p14="http://schemas.microsoft.com/office/powerpoint/2010/main" val="1201793956"/>
+      </p:ext>
+    </p:extLst>
+  </p:cSld>
+  <p:clrMapOvr>
+    <a:masterClrMapping/>
+  </p:clrMapOvr>
+</p:sld>
+</file>
+
+<file path=ppt/slides/slide51.xml><?xml version="1.0" encoding="utf-8"?>
 <p:sld xmlns:a="http://schemas.openxmlformats.org/drawingml/2006/main" xmlns:r="http://schemas.openxmlformats.org/officeDocument/2006/relationships" xmlns:p="http://schemas.openxmlformats.org/presentationml/2006/main">
   <p:cSld>
     <p:spTree>
@@ -9148,7 +12325,7 @@
 </p:sld>
 </file>
 
-<file path=ppt/slides/slide37.xml><?xml version="1.0" encoding="utf-8"?>
+<file path=ppt/slides/slide52.xml><?xml version="1.0" encoding="utf-8"?>
 <p:sld xmlns:a="http://schemas.openxmlformats.org/drawingml/2006/main" xmlns:r="http://schemas.openxmlformats.org/officeDocument/2006/relationships" xmlns:p="http://schemas.openxmlformats.org/presentationml/2006/main">
   <p:cSld>
     <p:spTree>
@@ -9182,7 +12359,19 @@
           <a:p>
             <a:r>
               <a:rPr lang="en-US" dirty="0" smtClean="0"/>
-              <a:t>Support for “sub-classing”</a:t>
+              <a:t>4.5: Support for “</a:t>
+            </a:r>
+            <a:r>
+              <a:rPr lang="en-US" b="1" dirty="0">
+                <a:solidFill>
+                  <a:srgbClr val="00B0F0"/>
+                </a:solidFill>
+              </a:rPr>
+              <a:t>sub-classing</a:t>
+            </a:r>
+            <a:r>
+              <a:rPr lang="en-US" dirty="0" smtClean="0"/>
+              <a:t>”</a:t>
             </a:r>
             <a:endParaRPr lang="en-US" dirty="0"/>
           </a:p>
@@ -9308,7 +12497,7 @@
 </p:sld>
 </file>
 
-<file path=ppt/slides/slide38.xml><?xml version="1.0" encoding="utf-8"?>
+<file path=ppt/slides/slide53.xml><?xml version="1.0" encoding="utf-8"?>
 <p:sld xmlns:a="http://schemas.openxmlformats.org/drawingml/2006/main" xmlns:r="http://schemas.openxmlformats.org/officeDocument/2006/relationships" xmlns:p="http://schemas.openxmlformats.org/presentationml/2006/main">
   <p:cSld>
     <p:spTree>
@@ -9342,7 +12531,7 @@
           <a:p>
             <a:r>
               <a:rPr lang="en-US" dirty="0" smtClean="0"/>
-              <a:t>Game Loop: stop to unload resources</a:t>
+              <a:t>4.5: Game Loop: stop to unload resources</a:t>
             </a:r>
             <a:endParaRPr lang="en-US" dirty="0"/>
           </a:p>
@@ -9637,7 +12826,7 @@
 </p:sld>
 </file>
 
-<file path=ppt/slides/slide39.xml><?xml version="1.0" encoding="utf-8"?>
+<file path=ppt/slides/slide54.xml><?xml version="1.0" encoding="utf-8"?>
 <p:sld xmlns:a="http://schemas.openxmlformats.org/drawingml/2006/main" xmlns:r="http://schemas.openxmlformats.org/officeDocument/2006/relationships" xmlns:p="http://schemas.openxmlformats.org/presentationml/2006/main">
   <p:cSld>
     <p:spTree>
@@ -9671,28 +12860,9 @@
           <a:p>
             <a:r>
               <a:rPr lang="en-US" dirty="0" smtClean="0"/>
-              <a:t>Loading the next Scene …</a:t>
+              <a:t>4.5: Loading the next Scene …</a:t>
             </a:r>
             <a:endParaRPr lang="en-US" dirty="0"/>
-          </a:p>
-        </p:txBody>
-      </p:sp>
-      <p:sp>
-        <p:nvSpPr>
-          <p:cNvPr id="3" name="Content Placeholder 2"/>
-          <p:cNvSpPr>
-            <a:spLocks noGrp="1"/>
-          </p:cNvSpPr>
-          <p:nvPr>
-            <p:ph idx="1"/>
-          </p:nvPr>
-        </p:nvSpPr>
-        <p:spPr/>
-        <p:txBody>
-          <a:bodyPr/>
-          <a:lstStyle/>
-          <a:p>
-            <a:endParaRPr lang="en-US"/>
           </a:p>
         </p:txBody>
       </p:sp>
@@ -9763,7 +12933,7 @@
 </p:sld>
 </file>
 
-<file path=ppt/slides/slide4.xml><?xml version="1.0" encoding="utf-8"?>
+<file path=ppt/slides/slide55.xml><?xml version="1.0" encoding="utf-8"?>
 <p:sld xmlns:a="http://schemas.openxmlformats.org/drawingml/2006/main" xmlns:r="http://schemas.openxmlformats.org/officeDocument/2006/relationships" xmlns:p="http://schemas.openxmlformats.org/presentationml/2006/main">
   <p:cSld>
     <p:spTree>
@@ -9796,10 +12966,18 @@
           <a:lstStyle/>
           <a:p>
             <a:r>
-              <a:rPr lang="en-US" dirty="0" smtClean="0"/>
-              <a:t>4.1: Game Loop Project</a:t>
-            </a:r>
-            <a:endParaRPr lang="en-US" dirty="0"/>
+              <a:rPr lang="en-US" b="1" dirty="0" smtClean="0">
+                <a:solidFill>
+                  <a:srgbClr val="FF0000"/>
+                </a:solidFill>
+              </a:rPr>
+              <a:t>Questions</a:t>
+            </a:r>
+            <a:endParaRPr lang="en-US" b="1" dirty="0">
+              <a:solidFill>
+                <a:srgbClr val="FF0000"/>
+              </a:solidFill>
+            </a:endParaRPr>
           </a:p>
         </p:txBody>
       </p:sp>
@@ -9813,102 +12991,128 @@
             <p:ph idx="1"/>
           </p:nvPr>
         </p:nvSpPr>
-        <p:spPr/>
-        <p:txBody>
-          <a:bodyPr/>
-          <a:lstStyle/>
-          <a:p>
-            <a:r>
-              <a:rPr lang="en-US" dirty="0" smtClean="0"/>
-              <a:t>New Engine component (similarity to </a:t>
-            </a:r>
-            <a:r>
-              <a:rPr lang="en-US" dirty="0" err="1" smtClean="0"/>
-              <a:t>gEngine.VertexBuffer</a:t>
-            </a:r>
-            <a:r>
-              <a:rPr lang="en-US" dirty="0" smtClean="0"/>
-              <a:t>!!)</a:t>
-            </a:r>
-            <a:endParaRPr lang="en-US" dirty="0"/>
-          </a:p>
-        </p:txBody>
-      </p:sp>
-      <p:pic>
-        <p:nvPicPr>
-          <p:cNvPr id="4" name="Picture 3"/>
-          <p:cNvPicPr>
-            <a:picLocks noChangeAspect="1"/>
-          </p:cNvPicPr>
-          <p:nvPr/>
-        </p:nvPicPr>
-        <p:blipFill>
-          <a:blip r:embed="rId2"/>
-          <a:stretch>
-            <a:fillRect/>
-          </a:stretch>
-        </p:blipFill>
         <p:spPr>
           <a:xfrm>
-            <a:off x="1913191" y="2729674"/>
-            <a:ext cx="7743825" cy="3495675"/>
+            <a:off x="838200" y="1436914"/>
+            <a:ext cx="10515600" cy="4740049"/>
           </a:xfrm>
-          <a:prstGeom prst="rect">
-            <a:avLst/>
-          </a:prstGeom>
-          <a:solidFill>
-            <a:srgbClr val="FFFFFF">
-              <a:shade val="85000"/>
-            </a:srgbClr>
-          </a:solidFill>
-          <a:ln w="88900" cap="sq">
-            <a:solidFill>
-              <a:srgbClr val="FFFFFF"/>
-            </a:solidFill>
-            <a:miter lim="800000"/>
-          </a:ln>
-          <a:effectLst>
-            <a:outerShdw blurRad="55000" dist="18000" dir="5400000" algn="tl" rotWithShape="0">
-              <a:srgbClr val="000000">
-                <a:alpha val="40000"/>
-              </a:srgbClr>
-            </a:outerShdw>
-          </a:effectLst>
-          <a:scene3d>
-            <a:camera prst="orthographicFront"/>
-            <a:lightRig rig="twoPt" dir="t">
-              <a:rot lat="0" lon="0" rev="7200000"/>
-            </a:lightRig>
-          </a:scene3d>
-          <a:sp3d>
-            <a:bevelT w="25400" h="19050"/>
-            <a:contourClr>
-              <a:srgbClr val="FFFFFF"/>
-            </a:contourClr>
-          </a:sp3d>
         </p:spPr>
-      </p:pic>
+        <p:txBody>
+          <a:bodyPr>
+            <a:normAutofit/>
+          </a:bodyPr>
+          <a:lstStyle/>
+          <a:p>
+            <a:r>
+              <a:rPr lang="en-US" dirty="0" smtClean="0"/>
+              <a:t>Given </a:t>
+            </a:r>
+            <a:r>
+              <a:rPr lang="en-US" dirty="0" err="1" smtClean="0"/>
+              <a:t>MyGame</a:t>
+            </a:r>
+            <a:r>
+              <a:rPr lang="en-US" dirty="0" smtClean="0"/>
+              <a:t>: Constructor(), </a:t>
+            </a:r>
+            <a:r>
+              <a:rPr lang="en-US" dirty="0" err="1" smtClean="0"/>
+              <a:t>init</a:t>
+            </a:r>
+            <a:r>
+              <a:rPr lang="en-US" dirty="0" smtClean="0"/>
+              <a:t>(), load(), unload(), draw(), update()</a:t>
+            </a:r>
+          </a:p>
+          <a:p>
+            <a:pPr lvl="1"/>
+            <a:r>
+              <a:rPr lang="en-US" dirty="0" smtClean="0"/>
+              <a:t>What is the sequence that the above functions are called?</a:t>
+            </a:r>
+          </a:p>
+          <a:p>
+            <a:pPr lvl="2"/>
+            <a:r>
+              <a:rPr lang="en-US" dirty="0" smtClean="0"/>
+              <a:t>First is:? </a:t>
+            </a:r>
+          </a:p>
+          <a:p>
+            <a:pPr lvl="2"/>
+            <a:r>
+              <a:rPr lang="en-US" dirty="0" smtClean="0"/>
+              <a:t>Second is:?</a:t>
+            </a:r>
+          </a:p>
+          <a:p>
+            <a:r>
+              <a:rPr lang="en-US" dirty="0" smtClean="0"/>
+              <a:t>Use our engine as an example, explain </a:t>
+            </a:r>
+          </a:p>
+          <a:p>
+            <a:pPr lvl="1"/>
+            <a:r>
+              <a:rPr lang="en-US" dirty="0" smtClean="0"/>
+              <a:t>why that in addition to </a:t>
+            </a:r>
+            <a:r>
+              <a:rPr lang="en-US" dirty="0" err="1" smtClean="0"/>
+              <a:t>Constuctor</a:t>
+            </a:r>
+            <a:r>
+              <a:rPr lang="en-US" dirty="0" smtClean="0"/>
+              <a:t>(), there is the </a:t>
+            </a:r>
+            <a:r>
+              <a:rPr lang="en-US" dirty="0" err="1" smtClean="0"/>
+              <a:t>init</a:t>
+            </a:r>
+            <a:r>
+              <a:rPr lang="en-US" dirty="0" smtClean="0"/>
+              <a:t>() function?</a:t>
+            </a:r>
+          </a:p>
+          <a:p>
+            <a:r>
+              <a:rPr lang="en-US" dirty="0" smtClean="0"/>
+              <a:t>Which object is calls the </a:t>
+            </a:r>
+          </a:p>
+          <a:p>
+            <a:pPr lvl="1"/>
+            <a:r>
+              <a:rPr lang="en-US" dirty="0" err="1" smtClean="0"/>
+              <a:t>myGame.initialize</a:t>
+            </a:r>
+            <a:r>
+              <a:rPr lang="en-US" dirty="0" smtClean="0"/>
+              <a:t>() function?</a:t>
+            </a:r>
+          </a:p>
+          <a:p>
+            <a:pPr marL="0" indent="0">
+              <a:buNone/>
+            </a:pPr>
+            <a:endParaRPr lang="en-US" dirty="0" smtClean="0"/>
+          </a:p>
+        </p:txBody>
+      </p:sp>
     </p:spTree>
     <p:extLst>
       <p:ext uri="{BB962C8B-B14F-4D97-AF65-F5344CB8AC3E}">
-        <p14:creationId xmlns:p14="http://schemas.microsoft.com/office/powerpoint/2010/main" val="1996951927"/>
+        <p14:creationId xmlns:p14="http://schemas.microsoft.com/office/powerpoint/2010/main" val="744287533"/>
       </p:ext>
     </p:extLst>
   </p:cSld>
   <p:clrMapOvr>
     <a:masterClrMapping/>
   </p:clrMapOvr>
-  <p:timing>
-    <p:tnLst>
-      <p:par>
-        <p:cTn id="1" dur="indefinite" restart="never" nodeType="tmRoot"/>
-      </p:par>
-    </p:tnLst>
-  </p:timing>
 </p:sld>
 </file>
 
-<file path=ppt/slides/slide40.xml><?xml version="1.0" encoding="utf-8"?>
+<file path=ppt/slides/slide56.xml><?xml version="1.0" encoding="utf-8"?>
 <p:sld xmlns:a="http://schemas.openxmlformats.org/drawingml/2006/main" xmlns:r="http://schemas.openxmlformats.org/officeDocument/2006/relationships" xmlns:p="http://schemas.openxmlformats.org/presentationml/2006/main">
   <p:cSld>
     <p:spTree>
@@ -9941,10 +13145,18 @@
           <a:lstStyle/>
           <a:p>
             <a:r>
-              <a:rPr lang="en-US" dirty="0" smtClean="0"/>
-              <a:t>4.6: Audio support</a:t>
-            </a:r>
-            <a:endParaRPr lang="en-US" dirty="0"/>
+              <a:rPr lang="en-US" b="1" dirty="0" smtClean="0">
+                <a:solidFill>
+                  <a:srgbClr val="FF0000"/>
+                </a:solidFill>
+              </a:rPr>
+              <a:t>Questions</a:t>
+            </a:r>
+            <a:endParaRPr lang="en-US" b="1" dirty="0">
+              <a:solidFill>
+                <a:srgbClr val="FF0000"/>
+              </a:solidFill>
+            </a:endParaRPr>
           </a:p>
         </p:txBody>
       </p:sp>
@@ -9958,101 +13170,339 @@
             <p:ph idx="1"/>
           </p:nvPr>
         </p:nvSpPr>
-        <p:spPr/>
+        <p:spPr>
+          <a:xfrm>
+            <a:off x="838200" y="1436914"/>
+            <a:ext cx="10515600" cy="4740049"/>
+          </a:xfrm>
+        </p:spPr>
         <p:txBody>
           <a:bodyPr>
-            <a:normAutofit lnSpcReduction="10000"/>
+            <a:normAutofit fontScale="92500" lnSpcReduction="10000"/>
           </a:bodyPr>
           <a:lstStyle/>
           <a:p>
             <a:r>
               <a:rPr lang="en-US" dirty="0" smtClean="0"/>
-              <a:t>Audio: files</a:t>
+              <a:t>Given </a:t>
+            </a:r>
+            <a:r>
+              <a:rPr lang="en-US" dirty="0" err="1" smtClean="0"/>
+              <a:t>MyGame</a:t>
+            </a:r>
+            <a:r>
+              <a:rPr lang="en-US" dirty="0" smtClean="0"/>
+              <a:t>: Constructor(), </a:t>
+            </a:r>
+            <a:r>
+              <a:rPr lang="en-US" dirty="0" err="1" smtClean="0"/>
+              <a:t>init</a:t>
+            </a:r>
+            <a:r>
+              <a:rPr lang="en-US" dirty="0" smtClean="0"/>
+              <a:t>(), load(), unload(), draw(), update()</a:t>
             </a:r>
           </a:p>
           <a:p>
             <a:pPr lvl="1"/>
             <a:r>
-              <a:rPr lang="en-US" dirty="0" smtClean="0"/>
-              <a:t>Just another example of external resource!</a:t>
+              <a:rPr lang="en-US" dirty="0" smtClean="0">
+                <a:solidFill>
+                  <a:srgbClr val="FF0000"/>
+                </a:solidFill>
+              </a:rPr>
+              <a:t>Constructor(), load(), </a:t>
+            </a:r>
+            <a:r>
+              <a:rPr lang="en-US" dirty="0" err="1" smtClean="0">
+                <a:solidFill>
+                  <a:srgbClr val="FF0000"/>
+                </a:solidFill>
+              </a:rPr>
+              <a:t>init</a:t>
+            </a:r>
+            <a:r>
+              <a:rPr lang="en-US" dirty="0" smtClean="0">
+                <a:solidFill>
+                  <a:srgbClr val="FF0000"/>
+                </a:solidFill>
+              </a:rPr>
+              <a:t>() … loops of update() + draw() … unload()</a:t>
             </a:r>
           </a:p>
           <a:p>
             <a:pPr lvl="1"/>
             <a:r>
-              <a:rPr lang="en-US" dirty="0" smtClean="0"/>
-              <a:t>Support for mp3 and wav formats</a:t>
-            </a:r>
-          </a:p>
-          <a:p>
-            <a:r>
-              <a:rPr lang="en-US" dirty="0" smtClean="0"/>
-              <a:t>HTML5: </a:t>
+              <a:rPr lang="en-US" dirty="0" smtClean="0">
+                <a:solidFill>
+                  <a:srgbClr val="FF0000"/>
+                </a:solidFill>
+              </a:rPr>
+              <a:t>Note: unload() is called from Loop!!</a:t>
+            </a:r>
+          </a:p>
+          <a:p>
+            <a:r>
+              <a:rPr lang="en-US" dirty="0" smtClean="0"/>
+              <a:t>Use our engine as an example, explain </a:t>
+            </a:r>
+          </a:p>
+          <a:p>
+            <a:pPr lvl="1"/>
+            <a:r>
+              <a:rPr lang="en-US" dirty="0" smtClean="0"/>
+              <a:t>why that in addition to </a:t>
             </a:r>
             <a:r>
               <a:rPr lang="en-US" dirty="0" err="1" smtClean="0"/>
-              <a:t>AudioContext</a:t>
-            </a:r>
-            <a:endParaRPr lang="en-US" dirty="0"/>
+              <a:t>Constuctor</a:t>
+            </a:r>
+            <a:r>
+              <a:rPr lang="en-US" dirty="0" smtClean="0"/>
+              <a:t>(), there is the </a:t>
+            </a:r>
+            <a:r>
+              <a:rPr lang="en-US" dirty="0" err="1" smtClean="0"/>
+              <a:t>init</a:t>
+            </a:r>
+            <a:r>
+              <a:rPr lang="en-US" dirty="0" smtClean="0"/>
+              <a:t>() function?</a:t>
+            </a:r>
+          </a:p>
+          <a:p>
+            <a:pPr marL="457200" lvl="1" indent="0">
+              <a:buNone/>
+            </a:pPr>
+            <a:r>
+              <a:rPr lang="en-US" dirty="0" smtClean="0">
+                <a:solidFill>
+                  <a:srgbClr val="FF0000"/>
+                </a:solidFill>
+              </a:rPr>
+              <a:t>	At the end of loading DefaultResources, </a:t>
+            </a:r>
+          </a:p>
+          <a:p>
+            <a:pPr marL="457200" lvl="1" indent="0">
+              <a:buNone/>
+            </a:pPr>
+            <a:r>
+              <a:rPr lang="en-US" dirty="0">
+                <a:solidFill>
+                  <a:srgbClr val="FF0000"/>
+                </a:solidFill>
+              </a:rPr>
+              <a:t>	</a:t>
+            </a:r>
+            <a:r>
+              <a:rPr lang="en-US" dirty="0" smtClean="0">
+                <a:solidFill>
+                  <a:srgbClr val="FF0000"/>
+                </a:solidFill>
+              </a:rPr>
+              <a:t>    </a:t>
+            </a:r>
+            <a:r>
+              <a:rPr lang="en-US" dirty="0" err="1" smtClean="0">
+                <a:solidFill>
+                  <a:srgbClr val="FF0000"/>
+                </a:solidFill>
+              </a:rPr>
+              <a:t>Engine.Core</a:t>
+            </a:r>
+            <a:r>
+              <a:rPr lang="en-US" dirty="0" smtClean="0">
+                <a:solidFill>
+                  <a:srgbClr val="FF0000"/>
+                </a:solidFill>
+              </a:rPr>
+              <a:t> needs to know what to do </a:t>
+            </a:r>
+          </a:p>
+          <a:p>
+            <a:pPr marL="457200" lvl="1" indent="0">
+              <a:buNone/>
+            </a:pPr>
+            <a:r>
+              <a:rPr lang="en-US" dirty="0">
+                <a:solidFill>
+                  <a:srgbClr val="FF0000"/>
+                </a:solidFill>
+              </a:rPr>
+              <a:t>	</a:t>
+            </a:r>
+            <a:r>
+              <a:rPr lang="en-US" dirty="0" smtClean="0">
+                <a:solidFill>
+                  <a:srgbClr val="FF0000"/>
+                </a:solidFill>
+              </a:rPr>
+              <a:t>    </a:t>
+            </a:r>
+            <a:r>
+              <a:rPr lang="en-US" dirty="0" smtClean="0">
+                <a:solidFill>
+                  <a:srgbClr val="FF0000"/>
+                </a:solidFill>
+                <a:sym typeface="Wingdings" panose="05000000000000000000" pitchFamily="2" charset="2"/>
+              </a:rPr>
+              <a:t> in our case, </a:t>
+            </a:r>
+            <a:r>
+              <a:rPr lang="en-US" dirty="0" err="1" smtClean="0">
+                <a:solidFill>
+                  <a:srgbClr val="FF0000"/>
+                </a:solidFill>
+                <a:sym typeface="Wingdings" panose="05000000000000000000" pitchFamily="2" charset="2"/>
+              </a:rPr>
+              <a:t>EngineCore</a:t>
+            </a:r>
+            <a:r>
+              <a:rPr lang="en-US" dirty="0" smtClean="0">
+                <a:solidFill>
+                  <a:srgbClr val="FF0000"/>
+                </a:solidFill>
+                <a:sym typeface="Wingdings" panose="05000000000000000000" pitchFamily="2" charset="2"/>
+              </a:rPr>
+              <a:t> calls </a:t>
+            </a:r>
+            <a:r>
+              <a:rPr lang="en-US" dirty="0" err="1" smtClean="0">
+                <a:solidFill>
+                  <a:srgbClr val="FF0000"/>
+                </a:solidFill>
+                <a:sym typeface="Wingdings" panose="05000000000000000000" pitchFamily="2" charset="2"/>
+              </a:rPr>
+              <a:t>Scene.loadScene</a:t>
+            </a:r>
+            <a:r>
+              <a:rPr lang="en-US" dirty="0" smtClean="0">
+                <a:solidFill>
+                  <a:srgbClr val="FF0000"/>
+                </a:solidFill>
+                <a:sym typeface="Wingdings" panose="05000000000000000000" pitchFamily="2" charset="2"/>
+              </a:rPr>
+              <a:t>()</a:t>
+            </a:r>
+          </a:p>
+          <a:p>
+            <a:pPr marL="457200" lvl="1" indent="0">
+              <a:buNone/>
+            </a:pPr>
+            <a:r>
+              <a:rPr lang="en-US" dirty="0">
+                <a:solidFill>
+                  <a:srgbClr val="FF0000"/>
+                </a:solidFill>
+                <a:sym typeface="Wingdings" panose="05000000000000000000" pitchFamily="2" charset="2"/>
+              </a:rPr>
+              <a:t>	</a:t>
+            </a:r>
+            <a:r>
+              <a:rPr lang="en-US" dirty="0" smtClean="0">
+                <a:solidFill>
+                  <a:srgbClr val="FF0000"/>
+                </a:solidFill>
+                <a:sym typeface="Wingdings" panose="05000000000000000000" pitchFamily="2" charset="2"/>
+              </a:rPr>
+              <a:t>         at this point, system </a:t>
+            </a:r>
+            <a:r>
+              <a:rPr lang="en-US" dirty="0" err="1" smtClean="0">
+                <a:solidFill>
+                  <a:srgbClr val="FF0000"/>
+                </a:solidFill>
+                <a:sym typeface="Wingdings" panose="05000000000000000000" pitchFamily="2" charset="2"/>
+              </a:rPr>
+              <a:t>init</a:t>
+            </a:r>
+            <a:r>
+              <a:rPr lang="en-US" dirty="0" smtClean="0">
+                <a:solidFill>
+                  <a:srgbClr val="FF0000"/>
+                </a:solidFill>
+                <a:sym typeface="Wingdings" panose="05000000000000000000" pitchFamily="2" charset="2"/>
+              </a:rPr>
+              <a:t> is done, Scene object can safely load</a:t>
+            </a:r>
+          </a:p>
+          <a:p>
+            <a:pPr marL="457200" lvl="1" indent="0">
+              <a:buNone/>
+            </a:pPr>
+            <a:r>
+              <a:rPr lang="en-US" dirty="0" smtClean="0">
+                <a:solidFill>
+                  <a:srgbClr val="FF0000"/>
+                </a:solidFill>
+                <a:sym typeface="Wingdings" panose="05000000000000000000" pitchFamily="2" charset="2"/>
+              </a:rPr>
+              <a:t>	   </a:t>
+            </a:r>
+            <a:r>
+              <a:rPr lang="en-US" dirty="0" err="1" smtClean="0">
+                <a:solidFill>
+                  <a:srgbClr val="FF0000"/>
+                </a:solidFill>
+                <a:sym typeface="Wingdings" panose="05000000000000000000" pitchFamily="2" charset="2"/>
+              </a:rPr>
+              <a:t>Scene.init</a:t>
+            </a:r>
+            <a:r>
+              <a:rPr lang="en-US" dirty="0" smtClean="0">
+                <a:solidFill>
+                  <a:srgbClr val="FF0000"/>
+                </a:solidFill>
+                <a:sym typeface="Wingdings" panose="05000000000000000000" pitchFamily="2" charset="2"/>
+              </a:rPr>
+              <a:t>() is only called _AFTER_ Scene’s load is done (in Loop)</a:t>
+            </a:r>
+          </a:p>
+          <a:p>
+            <a:pPr marL="457200" lvl="1" indent="0">
+              <a:buNone/>
+            </a:pPr>
+            <a:r>
+              <a:rPr lang="en-US" dirty="0" smtClean="0">
+                <a:solidFill>
+                  <a:srgbClr val="FF0000"/>
+                </a:solidFill>
+                <a:sym typeface="Wingdings" panose="05000000000000000000" pitchFamily="2" charset="2"/>
+              </a:rPr>
+              <a:t>    </a:t>
+            </a:r>
+            <a:endParaRPr lang="en-US" dirty="0" smtClean="0"/>
+          </a:p>
+          <a:p>
+            <a:r>
+              <a:rPr lang="en-US" dirty="0" smtClean="0"/>
+              <a:t>Which object is calls the </a:t>
+            </a:r>
           </a:p>
           <a:p>
             <a:pPr lvl="1"/>
             <a:r>
-              <a:rPr lang="en-US" dirty="0" smtClean="0"/>
-              <a:t>Load/Decode audio resources</a:t>
-            </a:r>
-          </a:p>
-          <a:p>
-            <a:pPr lvl="1"/>
-            <a:r>
-              <a:rPr lang="en-US" dirty="0" smtClean="0"/>
-              <a:t>Play audio resources!!</a:t>
-            </a:r>
-          </a:p>
-          <a:p>
-            <a:r>
-              <a:rPr lang="en-US" dirty="0" smtClean="0"/>
-              <a:t>Two important categories</a:t>
-            </a:r>
-          </a:p>
-          <a:p>
-            <a:pPr lvl="1"/>
-            <a:r>
-              <a:rPr lang="en-US" dirty="0" smtClean="0"/>
-              <a:t>Audio as music: e.g., background</a:t>
-            </a:r>
-          </a:p>
-          <a:p>
-            <a:pPr lvl="2"/>
-            <a:r>
-              <a:rPr lang="en-US" dirty="0" smtClean="0"/>
-              <a:t>Continuous playing, need control</a:t>
-            </a:r>
-          </a:p>
-          <a:p>
-            <a:pPr lvl="1"/>
-            <a:r>
-              <a:rPr lang="en-US" dirty="0" smtClean="0"/>
-              <a:t>Audio as cue: </a:t>
-            </a:r>
-          </a:p>
-          <a:p>
-            <a:pPr lvl="2"/>
-            <a:r>
-              <a:rPr lang="en-US" dirty="0" smtClean="0"/>
-              <a:t>Short, no need for control</a:t>
-            </a:r>
-          </a:p>
-          <a:p>
-            <a:pPr lvl="1"/>
-            <a:endParaRPr lang="en-US" dirty="0"/>
+              <a:rPr lang="en-US" dirty="0" err="1" smtClean="0"/>
+              <a:t>myGame.initialize</a:t>
+            </a:r>
+            <a:r>
+              <a:rPr lang="en-US" dirty="0" smtClean="0"/>
+              <a:t>() function?</a:t>
+            </a:r>
+          </a:p>
+          <a:p>
+            <a:pPr marL="0" indent="0">
+              <a:buNone/>
+            </a:pPr>
+            <a:endParaRPr lang="en-US" dirty="0" smtClean="0"/>
           </a:p>
         </p:txBody>
       </p:sp>
     </p:spTree>
     <p:extLst>
       <p:ext uri="{BB962C8B-B14F-4D97-AF65-F5344CB8AC3E}">
-        <p14:creationId xmlns:p14="http://schemas.microsoft.com/office/powerpoint/2010/main" val="3209494317"/>
+        <p14:creationId xmlns:p14="http://schemas.microsoft.com/office/powerpoint/2010/main" val="1348807416"/>
       </p:ext>
     </p:extLst>
   </p:cSld>
@@ -10062,7 +13512,7 @@
 </p:sld>
 </file>
 
-<file path=ppt/slides/slide41.xml><?xml version="1.0" encoding="utf-8"?>
+<file path=ppt/slides/slide57.xml><?xml version="1.0" encoding="utf-8"?>
 <p:sld xmlns:a="http://schemas.openxmlformats.org/drawingml/2006/main" xmlns:r="http://schemas.openxmlformats.org/officeDocument/2006/relationships" xmlns:p="http://schemas.openxmlformats.org/presentationml/2006/main">
   <p:cSld>
     <p:spTree>
@@ -10094,6 +13544,164 @@
           <a:bodyPr/>
           <a:lstStyle/>
           <a:p>
+            <a:r>
+              <a:rPr lang="en-US" dirty="0" smtClean="0"/>
+              <a:t>4.6: Audio support</a:t>
+            </a:r>
+            <a:endParaRPr lang="en-US" dirty="0"/>
+          </a:p>
+        </p:txBody>
+      </p:sp>
+      <p:sp>
+        <p:nvSpPr>
+          <p:cNvPr id="3" name="Content Placeholder 2"/>
+          <p:cNvSpPr>
+            <a:spLocks noGrp="1"/>
+          </p:cNvSpPr>
+          <p:nvPr>
+            <p:ph idx="1"/>
+          </p:nvPr>
+        </p:nvSpPr>
+        <p:spPr/>
+        <p:txBody>
+          <a:bodyPr>
+            <a:normAutofit lnSpcReduction="10000"/>
+          </a:bodyPr>
+          <a:lstStyle/>
+          <a:p>
+            <a:r>
+              <a:rPr lang="en-US" dirty="0" smtClean="0"/>
+              <a:t>Audio: files</a:t>
+            </a:r>
+          </a:p>
+          <a:p>
+            <a:pPr lvl="1"/>
+            <a:r>
+              <a:rPr lang="en-US" dirty="0" smtClean="0"/>
+              <a:t>Just another example of external resource!</a:t>
+            </a:r>
+          </a:p>
+          <a:p>
+            <a:pPr lvl="1"/>
+            <a:r>
+              <a:rPr lang="en-US" dirty="0" smtClean="0"/>
+              <a:t>Support for mp3 and wav formats</a:t>
+            </a:r>
+          </a:p>
+          <a:p>
+            <a:r>
+              <a:rPr lang="en-US" dirty="0" smtClean="0"/>
+              <a:t>HTML5: </a:t>
+            </a:r>
+            <a:r>
+              <a:rPr lang="en-US" dirty="0" err="1" smtClean="0"/>
+              <a:t>AudioContext</a:t>
+            </a:r>
+            <a:endParaRPr lang="en-US" dirty="0"/>
+          </a:p>
+          <a:p>
+            <a:pPr lvl="1"/>
+            <a:r>
+              <a:rPr lang="en-US" dirty="0" smtClean="0"/>
+              <a:t>Load/Decode audio resources</a:t>
+            </a:r>
+          </a:p>
+          <a:p>
+            <a:pPr lvl="1"/>
+            <a:r>
+              <a:rPr lang="en-US" dirty="0" smtClean="0"/>
+              <a:t>Play audio resources!!</a:t>
+            </a:r>
+          </a:p>
+          <a:p>
+            <a:r>
+              <a:rPr lang="en-US" dirty="0" smtClean="0"/>
+              <a:t>Two important categories</a:t>
+            </a:r>
+          </a:p>
+          <a:p>
+            <a:pPr lvl="1"/>
+            <a:r>
+              <a:rPr lang="en-US" dirty="0" smtClean="0"/>
+              <a:t>Audio as music: e.g., background</a:t>
+            </a:r>
+          </a:p>
+          <a:p>
+            <a:pPr lvl="2"/>
+            <a:r>
+              <a:rPr lang="en-US" dirty="0" smtClean="0"/>
+              <a:t>Continuous playing, need control</a:t>
+            </a:r>
+          </a:p>
+          <a:p>
+            <a:pPr lvl="1"/>
+            <a:r>
+              <a:rPr lang="en-US" dirty="0" smtClean="0"/>
+              <a:t>Audio as cue: </a:t>
+            </a:r>
+          </a:p>
+          <a:p>
+            <a:pPr lvl="2"/>
+            <a:r>
+              <a:rPr lang="en-US" dirty="0" smtClean="0"/>
+              <a:t>Short, no need for control</a:t>
+            </a:r>
+          </a:p>
+          <a:p>
+            <a:pPr lvl="1"/>
+            <a:endParaRPr lang="en-US" dirty="0"/>
+          </a:p>
+        </p:txBody>
+      </p:sp>
+    </p:spTree>
+    <p:extLst>
+      <p:ext uri="{BB962C8B-B14F-4D97-AF65-F5344CB8AC3E}">
+        <p14:creationId xmlns:p14="http://schemas.microsoft.com/office/powerpoint/2010/main" val="3209494317"/>
+      </p:ext>
+    </p:extLst>
+  </p:cSld>
+  <p:clrMapOvr>
+    <a:masterClrMapping/>
+  </p:clrMapOvr>
+</p:sld>
+</file>
+
+<file path=ppt/slides/slide58.xml><?xml version="1.0" encoding="utf-8"?>
+<p:sld xmlns:a="http://schemas.openxmlformats.org/drawingml/2006/main" xmlns:r="http://schemas.openxmlformats.org/officeDocument/2006/relationships" xmlns:p="http://schemas.openxmlformats.org/presentationml/2006/main">
+  <p:cSld>
+    <p:spTree>
+      <p:nvGrpSpPr>
+        <p:cNvPr id="1" name=""/>
+        <p:cNvGrpSpPr/>
+        <p:nvPr/>
+      </p:nvGrpSpPr>
+      <p:grpSpPr>
+        <a:xfrm>
+          <a:off x="0" y="0"/>
+          <a:ext cx="0" cy="0"/>
+          <a:chOff x="0" y="0"/>
+          <a:chExt cx="0" cy="0"/>
+        </a:xfrm>
+      </p:grpSpPr>
+      <p:sp>
+        <p:nvSpPr>
+          <p:cNvPr id="2" name="Title 1"/>
+          <p:cNvSpPr>
+            <a:spLocks noGrp="1"/>
+          </p:cNvSpPr>
+          <p:nvPr>
+            <p:ph type="title"/>
+          </p:nvPr>
+        </p:nvSpPr>
+        <p:spPr/>
+        <p:txBody>
+          <a:bodyPr/>
+          <a:lstStyle/>
+          <a:p>
+            <a:r>
+              <a:rPr lang="en-US" dirty="0" smtClean="0"/>
+              <a:t>4.6: </a:t>
+            </a:r>
             <a:r>
               <a:rPr lang="en-US" dirty="0" err="1" smtClean="0"/>
               <a:t>Engine_AudioClip</a:t>
@@ -10246,7 +13854,7 @@
 </p:sld>
 </file>
 
-<file path=ppt/slides/slide42.xml><?xml version="1.0" encoding="utf-8"?>
+<file path=ppt/slides/slide59.xml><?xml version="1.0" encoding="utf-8"?>
 <p:sld xmlns:a="http://schemas.openxmlformats.org/drawingml/2006/main" xmlns:r="http://schemas.openxmlformats.org/officeDocument/2006/relationships" xmlns:p="http://schemas.openxmlformats.org/presentationml/2006/main">
   <p:cSld>
     <p:spTree>
@@ -10279,7 +13887,7 @@
         </p:blipFill>
         <p:spPr>
           <a:xfrm>
-            <a:off x="6353175" y="695325"/>
+            <a:off x="6257925" y="1266825"/>
             <a:ext cx="6046346" cy="5238750"/>
           </a:xfrm>
           <a:prstGeom prst="rect">
@@ -10334,7 +13942,7 @@
           <a:p>
             <a:r>
               <a:rPr lang="en-US" dirty="0" smtClean="0"/>
-              <a:t>Loading of </a:t>
+              <a:t>4.6: Loading of </a:t>
             </a:r>
             <a:r>
               <a:rPr lang="en-US" dirty="0" err="1" smtClean="0"/>
@@ -10447,7 +14055,7 @@
 </p:sld>
 </file>
 
-<file path=ppt/slides/slide43.xml><?xml version="1.0" encoding="utf-8"?>
+<file path=ppt/slides/slide6.xml><?xml version="1.0" encoding="utf-8"?>
 <p:sld xmlns:a="http://schemas.openxmlformats.org/drawingml/2006/main" xmlns:r="http://schemas.openxmlformats.org/officeDocument/2006/relationships" xmlns:p="http://schemas.openxmlformats.org/presentationml/2006/main">
   <p:cSld>
     <p:spTree>
@@ -10479,6 +14087,303 @@
           <a:bodyPr/>
           <a:lstStyle/>
           <a:p>
+            <a:r>
+              <a:rPr lang="en-US" b="1" dirty="0" smtClean="0">
+                <a:solidFill>
+                  <a:srgbClr val="FF0000"/>
+                </a:solidFill>
+              </a:rPr>
+              <a:t>Questions</a:t>
+            </a:r>
+            <a:endParaRPr lang="en-US" b="1" dirty="0">
+              <a:solidFill>
+                <a:srgbClr val="FF0000"/>
+              </a:solidFill>
+            </a:endParaRPr>
+          </a:p>
+        </p:txBody>
+      </p:sp>
+      <p:sp>
+        <p:nvSpPr>
+          <p:cNvPr id="3" name="Content Placeholder 2"/>
+          <p:cNvSpPr>
+            <a:spLocks noGrp="1"/>
+          </p:cNvSpPr>
+          <p:nvPr>
+            <p:ph idx="1"/>
+          </p:nvPr>
+        </p:nvSpPr>
+        <p:spPr/>
+        <p:txBody>
+          <a:bodyPr>
+            <a:normAutofit/>
+          </a:bodyPr>
+          <a:lstStyle/>
+          <a:p>
+            <a:r>
+              <a:rPr lang="en-US" dirty="0" smtClean="0"/>
+              <a:t>What is Frame/Second?  </a:t>
+            </a:r>
+            <a:r>
+              <a:rPr lang="en-US" dirty="0" smtClean="0">
+                <a:solidFill>
+                  <a:srgbClr val="FF0000"/>
+                </a:solidFill>
+                <a:sym typeface="Wingdings" panose="05000000000000000000" pitchFamily="2" charset="2"/>
+              </a:rPr>
+              <a:t>1/</a:t>
+            </a:r>
+            <a:r>
+              <a:rPr lang="en-US" dirty="0" err="1" smtClean="0">
+                <a:solidFill>
+                  <a:srgbClr val="FF0000"/>
+                </a:solidFill>
+                <a:sym typeface="Wingdings" panose="05000000000000000000" pitchFamily="2" charset="2"/>
+              </a:rPr>
+              <a:t>elapsedTime-ms</a:t>
+            </a:r>
+            <a:r>
+              <a:rPr lang="en-US" dirty="0" smtClean="0">
+                <a:solidFill>
+                  <a:srgbClr val="FF0000"/>
+                </a:solidFill>
+                <a:sym typeface="Wingdings" panose="05000000000000000000" pitchFamily="2" charset="2"/>
+              </a:rPr>
+              <a:t> or 1000/</a:t>
+            </a:r>
+            <a:r>
+              <a:rPr lang="en-US" dirty="0" err="1" smtClean="0">
+                <a:solidFill>
+                  <a:srgbClr val="FF0000"/>
+                </a:solidFill>
+                <a:sym typeface="Wingdings" panose="05000000000000000000" pitchFamily="2" charset="2"/>
+              </a:rPr>
+              <a:t>elapsedTime</a:t>
+            </a:r>
+            <a:endParaRPr lang="en-US" dirty="0" smtClean="0">
+              <a:solidFill>
+                <a:srgbClr val="FF0000"/>
+              </a:solidFill>
+            </a:endParaRPr>
+          </a:p>
+          <a:p>
+            <a:r>
+              <a:rPr lang="en-US" dirty="0" smtClean="0"/>
+              <a:t>Is it possible to have the following, and why?</a:t>
+            </a:r>
+          </a:p>
+          <a:p>
+            <a:pPr lvl="1"/>
+            <a:r>
+              <a:rPr lang="en-US" dirty="0" smtClean="0"/>
+              <a:t>Multiple update() calls per draw() </a:t>
+            </a:r>
+            <a:r>
+              <a:rPr lang="en-US" dirty="0" smtClean="0">
+                <a:solidFill>
+                  <a:srgbClr val="FF0000"/>
+                </a:solidFill>
+                <a:sym typeface="Wingdings" panose="05000000000000000000" pitchFamily="2" charset="2"/>
+              </a:rPr>
+              <a:t>YES! </a:t>
+            </a:r>
+          </a:p>
+          <a:p>
+            <a:pPr lvl="2"/>
+            <a:r>
+              <a:rPr lang="en-US" dirty="0" smtClean="0">
+                <a:solidFill>
+                  <a:srgbClr val="FF0000"/>
+                </a:solidFill>
+                <a:sym typeface="Wingdings" panose="05000000000000000000" pitchFamily="2" charset="2"/>
+              </a:rPr>
+              <a:t>When takes too much time to update/draw/input</a:t>
+            </a:r>
+          </a:p>
+          <a:p>
+            <a:pPr marL="914400" lvl="2" indent="0">
+              <a:buNone/>
+            </a:pPr>
+            <a:endParaRPr lang="en-US" dirty="0" smtClean="0"/>
+          </a:p>
+          <a:p>
+            <a:pPr lvl="1"/>
+            <a:r>
+              <a:rPr lang="en-US" dirty="0" smtClean="0"/>
+              <a:t>Multiple input() calls per draw()</a:t>
+            </a:r>
+          </a:p>
+          <a:p>
+            <a:pPr lvl="2"/>
+            <a:r>
+              <a:rPr lang="en-US" dirty="0" smtClean="0">
+                <a:solidFill>
+                  <a:srgbClr val="FF0000"/>
+                </a:solidFill>
+                <a:sym typeface="Wingdings" panose="05000000000000000000" pitchFamily="2" charset="2"/>
+              </a:rPr>
+              <a:t>When </a:t>
+            </a:r>
+            <a:r>
+              <a:rPr lang="en-US" dirty="0" err="1" smtClean="0">
+                <a:solidFill>
+                  <a:srgbClr val="FF0000"/>
+                </a:solidFill>
+                <a:sym typeface="Wingdings" panose="05000000000000000000" pitchFamily="2" charset="2"/>
+              </a:rPr>
+              <a:t>elapsedTime</a:t>
+            </a:r>
+            <a:r>
+              <a:rPr lang="en-US" dirty="0" smtClean="0">
+                <a:solidFill>
+                  <a:srgbClr val="FF0000"/>
+                </a:solidFill>
+                <a:sym typeface="Wingdings" panose="05000000000000000000" pitchFamily="2" charset="2"/>
+              </a:rPr>
+              <a:t> is short (&lt;UPDATE_TIME_RATE)</a:t>
+            </a:r>
+            <a:br>
+              <a:rPr lang="en-US" dirty="0" smtClean="0">
+                <a:solidFill>
+                  <a:srgbClr val="FF0000"/>
+                </a:solidFill>
+                <a:sym typeface="Wingdings" panose="05000000000000000000" pitchFamily="2" charset="2"/>
+              </a:rPr>
+            </a:br>
+            <a:endParaRPr lang="en-US" dirty="0" smtClean="0"/>
+          </a:p>
+          <a:p>
+            <a:pPr lvl="1"/>
+            <a:r>
+              <a:rPr lang="en-US" dirty="0" smtClean="0"/>
+              <a:t>Multiple draw() calls per update()</a:t>
+            </a:r>
+          </a:p>
+          <a:p>
+            <a:pPr lvl="1"/>
+            <a:r>
+              <a:rPr lang="en-US" dirty="0" smtClean="0"/>
+              <a:t>Multiple draw() calls per input()</a:t>
+            </a:r>
+          </a:p>
+          <a:p>
+            <a:pPr lvl="2"/>
+            <a:r>
+              <a:rPr lang="en-US" dirty="0" smtClean="0">
+                <a:solidFill>
+                  <a:srgbClr val="FF0000"/>
+                </a:solidFill>
+                <a:sym typeface="Wingdings" panose="05000000000000000000" pitchFamily="2" charset="2"/>
+              </a:rPr>
+              <a:t>NO for the above two!!</a:t>
+            </a:r>
+            <a:endParaRPr lang="en-US" dirty="0" smtClean="0"/>
+          </a:p>
+        </p:txBody>
+      </p:sp>
+      <p:pic>
+        <p:nvPicPr>
+          <p:cNvPr id="4" name="Picture 3"/>
+          <p:cNvPicPr>
+            <a:picLocks noChangeAspect="1"/>
+          </p:cNvPicPr>
+          <p:nvPr/>
+        </p:nvPicPr>
+        <p:blipFill>
+          <a:blip r:embed="rId2"/>
+          <a:stretch>
+            <a:fillRect/>
+          </a:stretch>
+        </p:blipFill>
+        <p:spPr>
+          <a:xfrm>
+            <a:off x="7490462" y="3112026"/>
+            <a:ext cx="4164298" cy="2735890"/>
+          </a:xfrm>
+          <a:prstGeom prst="rect">
+            <a:avLst/>
+          </a:prstGeom>
+          <a:solidFill>
+            <a:srgbClr val="FFFFFF">
+              <a:shade val="85000"/>
+            </a:srgbClr>
+          </a:solidFill>
+          <a:ln w="88900" cap="sq">
+            <a:solidFill>
+              <a:srgbClr val="FFFFFF"/>
+            </a:solidFill>
+            <a:miter lim="800000"/>
+          </a:ln>
+          <a:effectLst>
+            <a:outerShdw blurRad="55000" dist="18000" dir="5400000" algn="tl" rotWithShape="0">
+              <a:srgbClr val="000000">
+                <a:alpha val="40000"/>
+              </a:srgbClr>
+            </a:outerShdw>
+          </a:effectLst>
+          <a:scene3d>
+            <a:camera prst="orthographicFront"/>
+            <a:lightRig rig="twoPt" dir="t">
+              <a:rot lat="0" lon="0" rev="7200000"/>
+            </a:lightRig>
+          </a:scene3d>
+          <a:sp3d>
+            <a:bevelT w="25400" h="19050"/>
+            <a:contourClr>
+              <a:srgbClr val="FFFFFF"/>
+            </a:contourClr>
+          </a:sp3d>
+        </p:spPr>
+      </p:pic>
+    </p:spTree>
+    <p:extLst>
+      <p:ext uri="{BB962C8B-B14F-4D97-AF65-F5344CB8AC3E}">
+        <p14:creationId xmlns:p14="http://schemas.microsoft.com/office/powerpoint/2010/main" val="3885867542"/>
+      </p:ext>
+    </p:extLst>
+  </p:cSld>
+  <p:clrMapOvr>
+    <a:masterClrMapping/>
+  </p:clrMapOvr>
+</p:sld>
+</file>
+
+<file path=ppt/slides/slide60.xml><?xml version="1.0" encoding="utf-8"?>
+<p:sld xmlns:a="http://schemas.openxmlformats.org/drawingml/2006/main" xmlns:r="http://schemas.openxmlformats.org/officeDocument/2006/relationships" xmlns:p="http://schemas.openxmlformats.org/presentationml/2006/main">
+  <p:cSld>
+    <p:spTree>
+      <p:nvGrpSpPr>
+        <p:cNvPr id="1" name=""/>
+        <p:cNvGrpSpPr/>
+        <p:nvPr/>
+      </p:nvGrpSpPr>
+      <p:grpSpPr>
+        <a:xfrm>
+          <a:off x="0" y="0"/>
+          <a:ext cx="0" cy="0"/>
+          <a:chOff x="0" y="0"/>
+          <a:chExt cx="0" cy="0"/>
+        </a:xfrm>
+      </p:grpSpPr>
+      <p:sp>
+        <p:nvSpPr>
+          <p:cNvPr id="2" name="Title 1"/>
+          <p:cNvSpPr>
+            <a:spLocks noGrp="1"/>
+          </p:cNvSpPr>
+          <p:nvPr>
+            <p:ph type="title"/>
+          </p:nvPr>
+        </p:nvSpPr>
+        <p:spPr/>
+        <p:txBody>
+          <a:bodyPr/>
+          <a:lstStyle/>
+          <a:p>
+            <a:r>
+              <a:rPr lang="en-US" dirty="0" smtClean="0"/>
+              <a:t>4.6: </a:t>
+            </a:r>
             <a:r>
               <a:rPr lang="en-US" dirty="0" err="1" smtClean="0"/>
               <a:t>req.onLoad</a:t>
@@ -10592,7 +14497,7 @@
 </p:sld>
 </file>
 
-<file path=ppt/slides/slide44.xml><?xml version="1.0" encoding="utf-8"?>
+<file path=ppt/slides/slide61.xml><?xml version="1.0" encoding="utf-8"?>
 <p:sld xmlns:a="http://schemas.openxmlformats.org/drawingml/2006/main" xmlns:r="http://schemas.openxmlformats.org/officeDocument/2006/relationships" xmlns:p="http://schemas.openxmlformats.org/presentationml/2006/main">
   <p:cSld>
     <p:spTree>
@@ -10626,7 +14531,7 @@
           <a:p>
             <a:r>
               <a:rPr lang="en-US" dirty="0" smtClean="0"/>
-              <a:t>Audio as Cue</a:t>
+              <a:t>4.6: Audio as Cue</a:t>
             </a:r>
             <a:endParaRPr lang="en-US" dirty="0"/>
           </a:p>
@@ -10728,7 +14633,7 @@
 </p:sld>
 </file>
 
-<file path=ppt/slides/slide45.xml><?xml version="1.0" encoding="utf-8"?>
+<file path=ppt/slides/slide62.xml><?xml version="1.0" encoding="utf-8"?>
 <p:sld xmlns:a="http://schemas.openxmlformats.org/drawingml/2006/main" xmlns:r="http://schemas.openxmlformats.org/officeDocument/2006/relationships" xmlns:p="http://schemas.openxmlformats.org/presentationml/2006/main">
   <p:cSld>
     <p:spTree>
@@ -10762,7 +14667,7 @@
           <a:p>
             <a:r>
               <a:rPr lang="en-US" dirty="0" smtClean="0"/>
-              <a:t>Background music support</a:t>
+              <a:t>4.6: Background music support</a:t>
             </a:r>
             <a:endParaRPr lang="en-US" dirty="0"/>
           </a:p>
@@ -10912,7 +14817,350 @@
 </p:sld>
 </file>
 
-<file path=ppt/slides/slide5.xml><?xml version="1.0" encoding="utf-8"?>
+<file path=ppt/slides/slide63.xml><?xml version="1.0" encoding="utf-8"?>
+<p:sld xmlns:a="http://schemas.openxmlformats.org/drawingml/2006/main" xmlns:r="http://schemas.openxmlformats.org/officeDocument/2006/relationships" xmlns:p="http://schemas.openxmlformats.org/presentationml/2006/main">
+  <p:cSld>
+    <p:spTree>
+      <p:nvGrpSpPr>
+        <p:cNvPr id="1" name=""/>
+        <p:cNvGrpSpPr/>
+        <p:nvPr/>
+      </p:nvGrpSpPr>
+      <p:grpSpPr>
+        <a:xfrm>
+          <a:off x="0" y="0"/>
+          <a:ext cx="0" cy="0"/>
+          <a:chOff x="0" y="0"/>
+          <a:chExt cx="0" cy="0"/>
+        </a:xfrm>
+      </p:grpSpPr>
+      <p:sp>
+        <p:nvSpPr>
+          <p:cNvPr id="2" name="Title 1"/>
+          <p:cNvSpPr>
+            <a:spLocks noGrp="1"/>
+          </p:cNvSpPr>
+          <p:nvPr>
+            <p:ph type="title"/>
+          </p:nvPr>
+        </p:nvSpPr>
+        <p:spPr/>
+        <p:txBody>
+          <a:bodyPr/>
+          <a:lstStyle/>
+          <a:p>
+            <a:r>
+              <a:rPr lang="en-US" dirty="0" smtClean="0"/>
+              <a:t>Chapter 4: Learned?</a:t>
+            </a:r>
+            <a:endParaRPr lang="en-US" dirty="0"/>
+          </a:p>
+        </p:txBody>
+      </p:sp>
+      <p:sp>
+        <p:nvSpPr>
+          <p:cNvPr id="3" name="Content Placeholder 2"/>
+          <p:cNvSpPr>
+            <a:spLocks noGrp="1"/>
+          </p:cNvSpPr>
+          <p:nvPr>
+            <p:ph idx="1"/>
+          </p:nvPr>
+        </p:nvSpPr>
+        <p:spPr/>
+        <p:txBody>
+          <a:bodyPr/>
+          <a:lstStyle/>
+          <a:p>
+            <a:pPr lvl="0"/>
+            <a:r>
+              <a:rPr lang="en-US" dirty="0" smtClean="0"/>
+              <a:t>Game loop</a:t>
+            </a:r>
+          </a:p>
+          <a:p>
+            <a:pPr lvl="0"/>
+            <a:r>
+              <a:rPr lang="en-US" dirty="0" smtClean="0"/>
+              <a:t>Keyboard input: event and </a:t>
+            </a:r>
+            <a:r>
+              <a:rPr lang="en-US" smtClean="0"/>
+              <a:t>keycodes</a:t>
+            </a:r>
+            <a:endParaRPr lang="en-US" dirty="0"/>
+          </a:p>
+          <a:p>
+            <a:pPr lvl="0"/>
+            <a:r>
+              <a:rPr lang="en-US" dirty="0" smtClean="0"/>
+              <a:t>Resource management and asynchronous loading</a:t>
+            </a:r>
+            <a:endParaRPr lang="en-US" dirty="0"/>
+          </a:p>
+          <a:p>
+            <a:pPr lvl="0"/>
+            <a:r>
+              <a:rPr lang="en-US" dirty="0" smtClean="0"/>
+              <a:t>Game level and scene files</a:t>
+            </a:r>
+          </a:p>
+          <a:p>
+            <a:pPr lvl="1"/>
+            <a:r>
+              <a:rPr lang="en-US" dirty="0" smtClean="0"/>
+              <a:t>How to subclass with JavaScript</a:t>
+            </a:r>
+            <a:endParaRPr lang="en-US" dirty="0"/>
+          </a:p>
+          <a:p>
+            <a:pPr lvl="0"/>
+            <a:r>
+              <a:rPr lang="en-US" dirty="0" smtClean="0"/>
+              <a:t>Audio support</a:t>
+            </a:r>
+            <a:endParaRPr lang="en-US" dirty="0"/>
+          </a:p>
+        </p:txBody>
+      </p:sp>
+    </p:spTree>
+    <p:extLst>
+      <p:ext uri="{BB962C8B-B14F-4D97-AF65-F5344CB8AC3E}">
+        <p14:creationId xmlns:p14="http://schemas.microsoft.com/office/powerpoint/2010/main" val="650770898"/>
+      </p:ext>
+    </p:extLst>
+  </p:cSld>
+  <p:clrMapOvr>
+    <a:masterClrMapping/>
+  </p:clrMapOvr>
+</p:sld>
+</file>
+
+<file path=ppt/slides/slide7.xml><?xml version="1.0" encoding="utf-8"?>
+<p:sld xmlns:a="http://schemas.openxmlformats.org/drawingml/2006/main" xmlns:r="http://schemas.openxmlformats.org/officeDocument/2006/relationships" xmlns:p="http://schemas.openxmlformats.org/presentationml/2006/main">
+  <p:cSld>
+    <p:spTree>
+      <p:nvGrpSpPr>
+        <p:cNvPr id="1" name=""/>
+        <p:cNvGrpSpPr/>
+        <p:nvPr/>
+      </p:nvGrpSpPr>
+      <p:grpSpPr>
+        <a:xfrm>
+          <a:off x="0" y="0"/>
+          <a:ext cx="0" cy="0"/>
+          <a:chOff x="0" y="0"/>
+          <a:chExt cx="0" cy="0"/>
+        </a:xfrm>
+      </p:grpSpPr>
+      <p:sp>
+        <p:nvSpPr>
+          <p:cNvPr id="2" name="Title 1"/>
+          <p:cNvSpPr>
+            <a:spLocks noGrp="1"/>
+          </p:cNvSpPr>
+          <p:nvPr>
+            <p:ph type="title"/>
+          </p:nvPr>
+        </p:nvSpPr>
+        <p:spPr/>
+        <p:txBody>
+          <a:bodyPr/>
+          <a:lstStyle/>
+          <a:p>
+            <a:r>
+              <a:rPr lang="en-US" dirty="0" smtClean="0"/>
+              <a:t>4.1: Game Loop Project</a:t>
+            </a:r>
+            <a:endParaRPr lang="en-US" dirty="0"/>
+          </a:p>
+        </p:txBody>
+      </p:sp>
+      <p:pic>
+        <p:nvPicPr>
+          <p:cNvPr id="4" name="Content Placeholder 3"/>
+          <p:cNvPicPr>
+            <a:picLocks noGrp="1" noChangeAspect="1"/>
+          </p:cNvPicPr>
+          <p:nvPr>
+            <p:ph idx="1"/>
+          </p:nvPr>
+        </p:nvPicPr>
+        <p:blipFill>
+          <a:blip r:embed="rId2"/>
+          <a:stretch>
+            <a:fillRect/>
+          </a:stretch>
+        </p:blipFill>
+        <p:spPr>
+          <a:xfrm>
+            <a:off x="1926316" y="1649560"/>
+            <a:ext cx="6181156" cy="4351338"/>
+          </a:xfrm>
+          <a:prstGeom prst="rect">
+            <a:avLst/>
+          </a:prstGeom>
+        </p:spPr>
+      </p:pic>
+    </p:spTree>
+    <p:extLst>
+      <p:ext uri="{BB962C8B-B14F-4D97-AF65-F5344CB8AC3E}">
+        <p14:creationId xmlns:p14="http://schemas.microsoft.com/office/powerpoint/2010/main" val="2861402453"/>
+      </p:ext>
+    </p:extLst>
+  </p:cSld>
+  <p:clrMapOvr>
+    <a:masterClrMapping/>
+  </p:clrMapOvr>
+</p:sld>
+</file>
+
+<file path=ppt/slides/slide8.xml><?xml version="1.0" encoding="utf-8"?>
+<p:sld xmlns:a="http://schemas.openxmlformats.org/drawingml/2006/main" xmlns:r="http://schemas.openxmlformats.org/officeDocument/2006/relationships" xmlns:p="http://schemas.openxmlformats.org/presentationml/2006/main">
+  <p:cSld>
+    <p:spTree>
+      <p:nvGrpSpPr>
+        <p:cNvPr id="1" name=""/>
+        <p:cNvGrpSpPr/>
+        <p:nvPr/>
+      </p:nvGrpSpPr>
+      <p:grpSpPr>
+        <a:xfrm>
+          <a:off x="0" y="0"/>
+          <a:ext cx="0" cy="0"/>
+          <a:chOff x="0" y="0"/>
+          <a:chExt cx="0" cy="0"/>
+        </a:xfrm>
+      </p:grpSpPr>
+      <p:sp>
+        <p:nvSpPr>
+          <p:cNvPr id="2" name="Title 1"/>
+          <p:cNvSpPr>
+            <a:spLocks noGrp="1"/>
+          </p:cNvSpPr>
+          <p:nvPr>
+            <p:ph type="title"/>
+          </p:nvPr>
+        </p:nvSpPr>
+        <p:spPr/>
+        <p:txBody>
+          <a:bodyPr/>
+          <a:lstStyle/>
+          <a:p>
+            <a:r>
+              <a:rPr lang="en-US" dirty="0" smtClean="0"/>
+              <a:t>4.1: New Engine Component</a:t>
+            </a:r>
+            <a:endParaRPr lang="en-US" dirty="0"/>
+          </a:p>
+        </p:txBody>
+      </p:sp>
+      <p:sp>
+        <p:nvSpPr>
+          <p:cNvPr id="3" name="Content Placeholder 2"/>
+          <p:cNvSpPr>
+            <a:spLocks noGrp="1"/>
+          </p:cNvSpPr>
+          <p:nvPr>
+            <p:ph idx="1"/>
+          </p:nvPr>
+        </p:nvSpPr>
+        <p:spPr/>
+        <p:txBody>
+          <a:bodyPr/>
+          <a:lstStyle/>
+          <a:p>
+            <a:r>
+              <a:rPr lang="en-US" dirty="0" smtClean="0"/>
+              <a:t>New Engine component (similarity to </a:t>
+            </a:r>
+            <a:r>
+              <a:rPr lang="en-US" dirty="0" err="1" smtClean="0"/>
+              <a:t>gEngine.VertexBuffer</a:t>
+            </a:r>
+            <a:r>
+              <a:rPr lang="en-US" dirty="0" smtClean="0"/>
+              <a:t>!!)</a:t>
+            </a:r>
+            <a:endParaRPr lang="en-US" dirty="0"/>
+          </a:p>
+        </p:txBody>
+      </p:sp>
+      <p:pic>
+        <p:nvPicPr>
+          <p:cNvPr id="4" name="Picture 3"/>
+          <p:cNvPicPr>
+            <a:picLocks noChangeAspect="1"/>
+          </p:cNvPicPr>
+          <p:nvPr/>
+        </p:nvPicPr>
+        <p:blipFill>
+          <a:blip r:embed="rId2"/>
+          <a:stretch>
+            <a:fillRect/>
+          </a:stretch>
+        </p:blipFill>
+        <p:spPr>
+          <a:xfrm>
+            <a:off x="1913191" y="2729674"/>
+            <a:ext cx="7743825" cy="3495675"/>
+          </a:xfrm>
+          <a:prstGeom prst="rect">
+            <a:avLst/>
+          </a:prstGeom>
+          <a:solidFill>
+            <a:srgbClr val="FFFFFF">
+              <a:shade val="85000"/>
+            </a:srgbClr>
+          </a:solidFill>
+          <a:ln w="88900" cap="sq">
+            <a:solidFill>
+              <a:srgbClr val="FFFFFF"/>
+            </a:solidFill>
+            <a:miter lim="800000"/>
+          </a:ln>
+          <a:effectLst>
+            <a:outerShdw blurRad="55000" dist="18000" dir="5400000" algn="tl" rotWithShape="0">
+              <a:srgbClr val="000000">
+                <a:alpha val="40000"/>
+              </a:srgbClr>
+            </a:outerShdw>
+          </a:effectLst>
+          <a:scene3d>
+            <a:camera prst="orthographicFront"/>
+            <a:lightRig rig="twoPt" dir="t">
+              <a:rot lat="0" lon="0" rev="7200000"/>
+            </a:lightRig>
+          </a:scene3d>
+          <a:sp3d>
+            <a:bevelT w="25400" h="19050"/>
+            <a:contourClr>
+              <a:srgbClr val="FFFFFF"/>
+            </a:contourClr>
+          </a:sp3d>
+        </p:spPr>
+      </p:pic>
+    </p:spTree>
+    <p:extLst>
+      <p:ext uri="{BB962C8B-B14F-4D97-AF65-F5344CB8AC3E}">
+        <p14:creationId xmlns:p14="http://schemas.microsoft.com/office/powerpoint/2010/main" val="1996951927"/>
+      </p:ext>
+    </p:extLst>
+  </p:cSld>
+  <p:clrMapOvr>
+    <a:masterClrMapping/>
+  </p:clrMapOvr>
+  <p:timing>
+    <p:tnLst>
+      <p:par>
+        <p:cTn id="1" dur="indefinite" restart="never" nodeType="tmRoot"/>
+      </p:par>
+    </p:tnLst>
+  </p:timing>
+</p:sld>
+</file>
+
+<file path=ppt/slides/slide9.xml><?xml version="1.0" encoding="utf-8"?>
 <p:sld xmlns:a="http://schemas.openxmlformats.org/drawingml/2006/main" xmlns:r="http://schemas.openxmlformats.org/officeDocument/2006/relationships" xmlns:p="http://schemas.openxmlformats.org/presentationml/2006/main">
   <p:cSld>
     <p:spTree>
@@ -11000,7 +15248,7 @@
           <a:p>
             <a:r>
               <a:rPr lang="en-US" dirty="0" smtClean="0"/>
-              <a:t>_</a:t>
+              <a:t>4.1: _</a:t>
             </a:r>
             <a:r>
               <a:rPr lang="en-US" dirty="0" err="1" smtClean="0"/>
@@ -11008,7 +15256,7 @@
             </a:r>
             <a:r>
               <a:rPr lang="en-US" dirty="0" smtClean="0"/>
-              <a:t> function</a:t>
+              <a:t>()</a:t>
             </a:r>
             <a:endParaRPr lang="en-US" dirty="0"/>
           </a:p>
@@ -11105,597 +15353,70 @@
           </a:p>
         </p:txBody>
       </p:sp>
+      <p:sp>
+        <p:nvSpPr>
+          <p:cNvPr id="5" name="Round Diagonal Corner Rectangle 4"/>
+          <p:cNvSpPr/>
+          <p:nvPr/>
+        </p:nvSpPr>
+        <p:spPr>
+          <a:xfrm>
+            <a:off x="9659421" y="171194"/>
+            <a:ext cx="2645649" cy="723126"/>
+          </a:xfrm>
+          <a:prstGeom prst="round2DiagRect">
+            <a:avLst>
+              <a:gd name="adj1" fmla="val 50000"/>
+              <a:gd name="adj2" fmla="val 0"/>
+            </a:avLst>
+          </a:prstGeom>
+          <a:solidFill>
+            <a:schemeClr val="bg2">
+              <a:lumMod val="90000"/>
+            </a:schemeClr>
+          </a:solidFill>
+        </p:spPr>
+        <p:style>
+          <a:lnRef idx="2">
+            <a:schemeClr val="dk1">
+              <a:shade val="50000"/>
+            </a:schemeClr>
+          </a:lnRef>
+          <a:fillRef idx="1">
+            <a:schemeClr val="dk1"/>
+          </a:fillRef>
+          <a:effectRef idx="0">
+            <a:schemeClr val="dk1"/>
+          </a:effectRef>
+          <a:fontRef idx="minor">
+            <a:schemeClr val="lt1"/>
+          </a:fontRef>
+        </p:style>
+        <p:txBody>
+          <a:bodyPr rtlCol="0" anchor="ctr"/>
+          <a:lstStyle/>
+          <a:p>
+            <a:pPr algn="ctr"/>
+            <a:r>
+              <a:rPr lang="en-US" sz="2000" dirty="0" smtClean="0">
+                <a:solidFill>
+                  <a:schemeClr val="tx1"/>
+                </a:solidFill>
+              </a:rPr>
+              <a:t>Engine_GameLoop.js</a:t>
+            </a:r>
+            <a:endParaRPr lang="en-US" sz="2000" dirty="0">
+              <a:solidFill>
+                <a:schemeClr val="tx1"/>
+              </a:solidFill>
+            </a:endParaRPr>
+          </a:p>
+        </p:txBody>
+      </p:sp>
     </p:spTree>
     <p:extLst>
       <p:ext uri="{BB962C8B-B14F-4D97-AF65-F5344CB8AC3E}">
         <p14:creationId xmlns:p14="http://schemas.microsoft.com/office/powerpoint/2010/main" val="1753453037"/>
-      </p:ext>
-    </p:extLst>
-  </p:cSld>
-  <p:clrMapOvr>
-    <a:masterClrMapping/>
-  </p:clrMapOvr>
-  <p:timing>
-    <p:tnLst>
-      <p:par>
-        <p:cTn id="1" dur="indefinite" restart="never" nodeType="tmRoot"/>
-      </p:par>
-    </p:tnLst>
-  </p:timing>
-</p:sld>
-</file>
-
-<file path=ppt/slides/slide6.xml><?xml version="1.0" encoding="utf-8"?>
-<p:sld xmlns:a="http://schemas.openxmlformats.org/drawingml/2006/main" xmlns:r="http://schemas.openxmlformats.org/officeDocument/2006/relationships" xmlns:p="http://schemas.openxmlformats.org/presentationml/2006/main">
-  <p:cSld>
-    <p:spTree>
-      <p:nvGrpSpPr>
-        <p:cNvPr id="1" name=""/>
-        <p:cNvGrpSpPr/>
-        <p:nvPr/>
-      </p:nvGrpSpPr>
-      <p:grpSpPr>
-        <a:xfrm>
-          <a:off x="0" y="0"/>
-          <a:ext cx="0" cy="0"/>
-          <a:chOff x="0" y="0"/>
-          <a:chExt cx="0" cy="0"/>
-        </a:xfrm>
-      </p:grpSpPr>
-      <p:pic>
-        <p:nvPicPr>
-          <p:cNvPr id="4" name="Picture 3"/>
-          <p:cNvPicPr>
-            <a:picLocks noChangeAspect="1"/>
-          </p:cNvPicPr>
-          <p:nvPr/>
-        </p:nvPicPr>
-        <p:blipFill>
-          <a:blip r:embed="rId2"/>
-          <a:stretch>
-            <a:fillRect/>
-          </a:stretch>
-        </p:blipFill>
-        <p:spPr>
-          <a:xfrm>
-            <a:off x="1855837" y="2324101"/>
-            <a:ext cx="7716788" cy="3744912"/>
-          </a:xfrm>
-          <a:prstGeom prst="rect">
-            <a:avLst/>
-          </a:prstGeom>
-          <a:solidFill>
-            <a:srgbClr val="FFFFFF">
-              <a:shade val="85000"/>
-            </a:srgbClr>
-          </a:solidFill>
-          <a:ln w="88900" cap="sq">
-            <a:solidFill>
-              <a:srgbClr val="FFFFFF"/>
-            </a:solidFill>
-            <a:miter lim="800000"/>
-          </a:ln>
-          <a:effectLst>
-            <a:outerShdw blurRad="55000" dist="18000" dir="5400000" algn="tl" rotWithShape="0">
-              <a:srgbClr val="000000">
-                <a:alpha val="40000"/>
-              </a:srgbClr>
-            </a:outerShdw>
-          </a:effectLst>
-          <a:scene3d>
-            <a:camera prst="orthographicFront"/>
-            <a:lightRig rig="twoPt" dir="t">
-              <a:rot lat="0" lon="0" rev="7200000"/>
-            </a:lightRig>
-          </a:scene3d>
-          <a:sp3d>
-            <a:bevelT w="25400" h="19050"/>
-            <a:contourClr>
-              <a:srgbClr val="FFFFFF"/>
-            </a:contourClr>
-          </a:sp3d>
-        </p:spPr>
-      </p:pic>
-      <p:sp>
-        <p:nvSpPr>
-          <p:cNvPr id="2" name="Title 1"/>
-          <p:cNvSpPr>
-            <a:spLocks noGrp="1"/>
-          </p:cNvSpPr>
-          <p:nvPr>
-            <p:ph type="title"/>
-          </p:nvPr>
-        </p:nvSpPr>
-        <p:spPr/>
-        <p:txBody>
-          <a:bodyPr/>
-          <a:lstStyle/>
-          <a:p>
-            <a:r>
-              <a:rPr lang="en-US" dirty="0" smtClean="0"/>
-              <a:t>Trigger to start the loop</a:t>
-            </a:r>
-            <a:endParaRPr lang="en-US" dirty="0"/>
-          </a:p>
-        </p:txBody>
-      </p:sp>
-      <p:sp>
-        <p:nvSpPr>
-          <p:cNvPr id="3" name="Content Placeholder 2"/>
-          <p:cNvSpPr>
-            <a:spLocks noGrp="1"/>
-          </p:cNvSpPr>
-          <p:nvPr>
-            <p:ph idx="1"/>
-          </p:nvPr>
-        </p:nvSpPr>
-        <p:spPr/>
-        <p:txBody>
-          <a:bodyPr/>
-          <a:lstStyle/>
-          <a:p>
-            <a:r>
-              <a:rPr lang="en-US" dirty="0" smtClean="0"/>
-              <a:t>Note the initializations</a:t>
-            </a:r>
-            <a:endParaRPr lang="en-US" dirty="0"/>
-          </a:p>
-        </p:txBody>
-      </p:sp>
-    </p:spTree>
-    <p:extLst>
-      <p:ext uri="{BB962C8B-B14F-4D97-AF65-F5344CB8AC3E}">
-        <p14:creationId xmlns:p14="http://schemas.microsoft.com/office/powerpoint/2010/main" val="2428893318"/>
-      </p:ext>
-    </p:extLst>
-  </p:cSld>
-  <p:clrMapOvr>
-    <a:masterClrMapping/>
-  </p:clrMapOvr>
-  <p:timing>
-    <p:tnLst>
-      <p:par>
-        <p:cTn id="1" dur="indefinite" restart="never" nodeType="tmRoot"/>
-      </p:par>
-    </p:tnLst>
-  </p:timing>
-</p:sld>
-</file>
-
-<file path=ppt/slides/slide7.xml><?xml version="1.0" encoding="utf-8"?>
-<p:sld xmlns:a="http://schemas.openxmlformats.org/drawingml/2006/main" xmlns:r="http://schemas.openxmlformats.org/officeDocument/2006/relationships" xmlns:p="http://schemas.openxmlformats.org/presentationml/2006/main">
-  <p:cSld>
-    <p:spTree>
-      <p:nvGrpSpPr>
-        <p:cNvPr id="1" name=""/>
-        <p:cNvGrpSpPr/>
-        <p:nvPr/>
-      </p:nvGrpSpPr>
-      <p:grpSpPr>
-        <a:xfrm>
-          <a:off x="0" y="0"/>
-          <a:ext cx="0" cy="0"/>
-          <a:chOff x="0" y="0"/>
-          <a:chExt cx="0" cy="0"/>
-        </a:xfrm>
-      </p:grpSpPr>
-      <p:sp>
-        <p:nvSpPr>
-          <p:cNvPr id="2" name="Title 1"/>
-          <p:cNvSpPr>
-            <a:spLocks noGrp="1"/>
-          </p:cNvSpPr>
-          <p:nvPr>
-            <p:ph type="title"/>
-          </p:nvPr>
-        </p:nvSpPr>
-        <p:spPr/>
-        <p:txBody>
-          <a:bodyPr/>
-          <a:lstStyle/>
-          <a:p>
-            <a:r>
-              <a:rPr lang="en-US" dirty="0" smtClean="0"/>
-              <a:t>Starting the loop: </a:t>
-            </a:r>
-            <a:r>
-              <a:rPr lang="en-US" dirty="0" err="1" smtClean="0"/>
-              <a:t>MyGame.Initialize</a:t>
-            </a:r>
-            <a:r>
-              <a:rPr lang="en-US" dirty="0" smtClean="0"/>
-              <a:t>()</a:t>
-            </a:r>
-            <a:endParaRPr lang="en-US" dirty="0"/>
-          </a:p>
-        </p:txBody>
-      </p:sp>
-      <p:pic>
-        <p:nvPicPr>
-          <p:cNvPr id="4" name="Picture 3"/>
-          <p:cNvPicPr>
-            <a:picLocks noChangeAspect="1"/>
-          </p:cNvPicPr>
-          <p:nvPr/>
-        </p:nvPicPr>
-        <p:blipFill>
-          <a:blip r:embed="rId2"/>
-          <a:stretch>
-            <a:fillRect/>
-          </a:stretch>
-        </p:blipFill>
-        <p:spPr>
-          <a:xfrm>
-            <a:off x="323850" y="1690688"/>
-            <a:ext cx="5634037" cy="3427328"/>
-          </a:xfrm>
-          <a:prstGeom prst="rect">
-            <a:avLst/>
-          </a:prstGeom>
-          <a:solidFill>
-            <a:srgbClr val="FFFFFF">
-              <a:shade val="85000"/>
-            </a:srgbClr>
-          </a:solidFill>
-          <a:ln w="88900" cap="sq">
-            <a:solidFill>
-              <a:srgbClr val="FFFFFF"/>
-            </a:solidFill>
-            <a:miter lim="800000"/>
-          </a:ln>
-          <a:effectLst>
-            <a:outerShdw blurRad="55000" dist="18000" dir="5400000" algn="tl" rotWithShape="0">
-              <a:srgbClr val="000000">
-                <a:alpha val="40000"/>
-              </a:srgbClr>
-            </a:outerShdw>
-          </a:effectLst>
-          <a:scene3d>
-            <a:camera prst="orthographicFront"/>
-            <a:lightRig rig="twoPt" dir="t">
-              <a:rot lat="0" lon="0" rev="7200000"/>
-            </a:lightRig>
-          </a:scene3d>
-          <a:sp3d>
-            <a:bevelT w="25400" h="19050"/>
-            <a:contourClr>
-              <a:srgbClr val="FFFFFF"/>
-            </a:contourClr>
-          </a:sp3d>
-        </p:spPr>
-      </p:pic>
-      <p:pic>
-        <p:nvPicPr>
-          <p:cNvPr id="5" name="Picture 4"/>
-          <p:cNvPicPr>
-            <a:picLocks noChangeAspect="1"/>
-          </p:cNvPicPr>
-          <p:nvPr/>
-        </p:nvPicPr>
-        <p:blipFill>
-          <a:blip r:embed="rId3"/>
-          <a:stretch>
-            <a:fillRect/>
-          </a:stretch>
-        </p:blipFill>
-        <p:spPr>
-          <a:xfrm>
-            <a:off x="6096000" y="3311526"/>
-            <a:ext cx="5725718" cy="2868528"/>
-          </a:xfrm>
-          <a:prstGeom prst="rect">
-            <a:avLst/>
-          </a:prstGeom>
-          <a:solidFill>
-            <a:srgbClr val="FFFFFF">
-              <a:shade val="85000"/>
-            </a:srgbClr>
-          </a:solidFill>
-          <a:ln w="88900" cap="sq">
-            <a:solidFill>
-              <a:srgbClr val="FFFFFF"/>
-            </a:solidFill>
-            <a:miter lim="800000"/>
-          </a:ln>
-          <a:effectLst>
-            <a:outerShdw blurRad="55000" dist="18000" dir="5400000" algn="tl" rotWithShape="0">
-              <a:srgbClr val="000000">
-                <a:alpha val="40000"/>
-              </a:srgbClr>
-            </a:outerShdw>
-          </a:effectLst>
-          <a:scene3d>
-            <a:camera prst="orthographicFront"/>
-            <a:lightRig rig="twoPt" dir="t">
-              <a:rot lat="0" lon="0" rev="7200000"/>
-            </a:lightRig>
-          </a:scene3d>
-          <a:sp3d>
-            <a:bevelT w="25400" h="19050"/>
-            <a:contourClr>
-              <a:srgbClr val="FFFFFF"/>
-            </a:contourClr>
-          </a:sp3d>
-        </p:spPr>
-      </p:pic>
-    </p:spTree>
-    <p:extLst>
-      <p:ext uri="{BB962C8B-B14F-4D97-AF65-F5344CB8AC3E}">
-        <p14:creationId xmlns:p14="http://schemas.microsoft.com/office/powerpoint/2010/main" val="1455725591"/>
-      </p:ext>
-    </p:extLst>
-  </p:cSld>
-  <p:clrMapOvr>
-    <a:masterClrMapping/>
-  </p:clrMapOvr>
-  <p:timing>
-    <p:tnLst>
-      <p:par>
-        <p:cTn id="1" dur="indefinite" restart="never" nodeType="tmRoot"/>
-      </p:par>
-    </p:tnLst>
-  </p:timing>
-</p:sld>
-</file>
-
-<file path=ppt/slides/slide8.xml><?xml version="1.0" encoding="utf-8"?>
-<p:sld xmlns:a="http://schemas.openxmlformats.org/drawingml/2006/main" xmlns:r="http://schemas.openxmlformats.org/officeDocument/2006/relationships" xmlns:p="http://schemas.openxmlformats.org/presentationml/2006/main">
-  <p:cSld>
-    <p:spTree>
-      <p:nvGrpSpPr>
-        <p:cNvPr id="1" name=""/>
-        <p:cNvGrpSpPr/>
-        <p:nvPr/>
-      </p:nvGrpSpPr>
-      <p:grpSpPr>
-        <a:xfrm>
-          <a:off x="0" y="0"/>
-          <a:ext cx="0" cy="0"/>
-          <a:chOff x="0" y="0"/>
-          <a:chExt cx="0" cy="0"/>
-        </a:xfrm>
-      </p:grpSpPr>
-      <p:sp>
-        <p:nvSpPr>
-          <p:cNvPr id="2" name="Title 1"/>
-          <p:cNvSpPr>
-            <a:spLocks noGrp="1"/>
-          </p:cNvSpPr>
-          <p:nvPr>
-            <p:ph type="title"/>
-          </p:nvPr>
-        </p:nvSpPr>
-        <p:spPr/>
-        <p:txBody>
-          <a:bodyPr/>
-          <a:lstStyle/>
-          <a:p>
-            <a:r>
-              <a:rPr lang="en-US" dirty="0" err="1" smtClean="0"/>
-              <a:t>MyGame</a:t>
-            </a:r>
-            <a:r>
-              <a:rPr lang="en-US" dirty="0" smtClean="0"/>
-              <a:t>: update()</a:t>
-            </a:r>
-            <a:endParaRPr lang="en-US" dirty="0"/>
-          </a:p>
-        </p:txBody>
-      </p:sp>
-      <p:sp>
-        <p:nvSpPr>
-          <p:cNvPr id="3" name="Content Placeholder 2"/>
-          <p:cNvSpPr>
-            <a:spLocks noGrp="1"/>
-          </p:cNvSpPr>
-          <p:nvPr>
-            <p:ph idx="1"/>
-          </p:nvPr>
-        </p:nvSpPr>
-        <p:spPr/>
-        <p:txBody>
-          <a:bodyPr/>
-          <a:lstStyle/>
-          <a:p>
-            <a:endParaRPr lang="en-US" dirty="0"/>
-          </a:p>
-        </p:txBody>
-      </p:sp>
-      <p:pic>
-        <p:nvPicPr>
-          <p:cNvPr id="4" name="Picture 3"/>
-          <p:cNvPicPr>
-            <a:picLocks noChangeAspect="1"/>
-          </p:cNvPicPr>
-          <p:nvPr/>
-        </p:nvPicPr>
-        <p:blipFill>
-          <a:blip r:embed="rId2"/>
-          <a:stretch>
-            <a:fillRect/>
-          </a:stretch>
-        </p:blipFill>
-        <p:spPr>
-          <a:xfrm>
-            <a:off x="2124075" y="1535642"/>
-            <a:ext cx="7710487" cy="5093757"/>
-          </a:xfrm>
-          <a:prstGeom prst="rect">
-            <a:avLst/>
-          </a:prstGeom>
-          <a:solidFill>
-            <a:srgbClr val="FFFFFF">
-              <a:shade val="85000"/>
-            </a:srgbClr>
-          </a:solidFill>
-          <a:ln w="88900" cap="sq">
-            <a:solidFill>
-              <a:srgbClr val="FFFFFF"/>
-            </a:solidFill>
-            <a:miter lim="800000"/>
-          </a:ln>
-          <a:effectLst>
-            <a:outerShdw blurRad="55000" dist="18000" dir="5400000" algn="tl" rotWithShape="0">
-              <a:srgbClr val="000000">
-                <a:alpha val="40000"/>
-              </a:srgbClr>
-            </a:outerShdw>
-          </a:effectLst>
-          <a:scene3d>
-            <a:camera prst="orthographicFront"/>
-            <a:lightRig rig="twoPt" dir="t">
-              <a:rot lat="0" lon="0" rev="7200000"/>
-            </a:lightRig>
-          </a:scene3d>
-          <a:sp3d>
-            <a:bevelT w="25400" h="19050"/>
-            <a:contourClr>
-              <a:srgbClr val="FFFFFF"/>
-            </a:contourClr>
-          </a:sp3d>
-        </p:spPr>
-      </p:pic>
-    </p:spTree>
-    <p:extLst>
-      <p:ext uri="{BB962C8B-B14F-4D97-AF65-F5344CB8AC3E}">
-        <p14:creationId xmlns:p14="http://schemas.microsoft.com/office/powerpoint/2010/main" val="1670447389"/>
-      </p:ext>
-    </p:extLst>
-  </p:cSld>
-  <p:clrMapOvr>
-    <a:masterClrMapping/>
-  </p:clrMapOvr>
-  <p:timing>
-    <p:tnLst>
-      <p:par>
-        <p:cTn id="1" dur="indefinite" restart="never" nodeType="tmRoot"/>
-      </p:par>
-    </p:tnLst>
-  </p:timing>
-</p:sld>
-</file>
-
-<file path=ppt/slides/slide9.xml><?xml version="1.0" encoding="utf-8"?>
-<p:sld xmlns:a="http://schemas.openxmlformats.org/drawingml/2006/main" xmlns:r="http://schemas.openxmlformats.org/officeDocument/2006/relationships" xmlns:p="http://schemas.openxmlformats.org/presentationml/2006/main">
-  <p:cSld>
-    <p:spTree>
-      <p:nvGrpSpPr>
-        <p:cNvPr id="1" name=""/>
-        <p:cNvGrpSpPr/>
-        <p:nvPr/>
-      </p:nvGrpSpPr>
-      <p:grpSpPr>
-        <a:xfrm>
-          <a:off x="0" y="0"/>
-          <a:ext cx="0" cy="0"/>
-          <a:chOff x="0" y="0"/>
-          <a:chExt cx="0" cy="0"/>
-        </a:xfrm>
-      </p:grpSpPr>
-      <p:sp>
-        <p:nvSpPr>
-          <p:cNvPr id="2" name="Title 1"/>
-          <p:cNvSpPr>
-            <a:spLocks noGrp="1"/>
-          </p:cNvSpPr>
-          <p:nvPr>
-            <p:ph type="title"/>
-          </p:nvPr>
-        </p:nvSpPr>
-        <p:spPr/>
-        <p:txBody>
-          <a:bodyPr/>
-          <a:lstStyle/>
-          <a:p>
-            <a:r>
-              <a:rPr lang="en-US" dirty="0" err="1" smtClean="0"/>
-              <a:t>MyGame</a:t>
-            </a:r>
-            <a:r>
-              <a:rPr lang="en-US" dirty="0" smtClean="0"/>
-              <a:t>: draw()</a:t>
-            </a:r>
-            <a:endParaRPr lang="en-US" dirty="0"/>
-          </a:p>
-        </p:txBody>
-      </p:sp>
-      <p:sp>
-        <p:nvSpPr>
-          <p:cNvPr id="3" name="Content Placeholder 2"/>
-          <p:cNvSpPr>
-            <a:spLocks noGrp="1"/>
-          </p:cNvSpPr>
-          <p:nvPr>
-            <p:ph idx="1"/>
-          </p:nvPr>
-        </p:nvSpPr>
-        <p:spPr/>
-        <p:txBody>
-          <a:bodyPr/>
-          <a:lstStyle/>
-          <a:p>
-            <a:endParaRPr lang="en-US"/>
-          </a:p>
-        </p:txBody>
-      </p:sp>
-      <p:pic>
-        <p:nvPicPr>
-          <p:cNvPr id="4" name="Picture 3"/>
-          <p:cNvPicPr>
-            <a:picLocks noChangeAspect="1"/>
-          </p:cNvPicPr>
-          <p:nvPr/>
-        </p:nvPicPr>
-        <p:blipFill>
-          <a:blip r:embed="rId2"/>
-          <a:stretch>
-            <a:fillRect/>
-          </a:stretch>
-        </p:blipFill>
-        <p:spPr>
-          <a:xfrm>
-            <a:off x="285750" y="1501410"/>
-            <a:ext cx="12730162" cy="5113702"/>
-          </a:xfrm>
-          <a:prstGeom prst="rect">
-            <a:avLst/>
-          </a:prstGeom>
-          <a:solidFill>
-            <a:srgbClr val="FFFFFF">
-              <a:shade val="85000"/>
-            </a:srgbClr>
-          </a:solidFill>
-          <a:ln w="88900" cap="sq">
-            <a:solidFill>
-              <a:srgbClr val="FFFFFF"/>
-            </a:solidFill>
-            <a:miter lim="800000"/>
-          </a:ln>
-          <a:effectLst>
-            <a:outerShdw blurRad="55000" dist="18000" dir="5400000" algn="tl" rotWithShape="0">
-              <a:srgbClr val="000000">
-                <a:alpha val="40000"/>
-              </a:srgbClr>
-            </a:outerShdw>
-          </a:effectLst>
-          <a:scene3d>
-            <a:camera prst="orthographicFront"/>
-            <a:lightRig rig="twoPt" dir="t">
-              <a:rot lat="0" lon="0" rev="7200000"/>
-            </a:lightRig>
-          </a:scene3d>
-          <a:sp3d>
-            <a:bevelT w="25400" h="19050"/>
-            <a:contourClr>
-              <a:srgbClr val="FFFFFF"/>
-            </a:contourClr>
-          </a:sp3d>
-        </p:spPr>
-      </p:pic>
-    </p:spTree>
-    <p:extLst>
-      <p:ext uri="{BB962C8B-B14F-4D97-AF65-F5344CB8AC3E}">
-        <p14:creationId xmlns:p14="http://schemas.microsoft.com/office/powerpoint/2010/main" val="3350754894"/>
       </p:ext>
     </p:extLst>
   </p:cSld>
@@ -11967,7 +15688,7 @@
   <a:extraClrSchemeLst/>
   <a:extLst>
     <a:ext uri="{05A4C25C-085E-4340-85A3-A5531E510DB2}">
-      <thm15:themeFamily xmlns:thm15="http://schemas.microsoft.com/office/thememl/2012/main" xmlns="" name="Office Theme" id="{62F939B6-93AF-4DB8-9C6B-D6C7DFDC589F}" vid="{4A3C46E8-61CC-4603-A589-7422A47A8E4A}"/>
+      <thm15:themeFamily xmlns:thm15="http://schemas.microsoft.com/office/thememl/2012/main" name="Office Theme" id="{62F939B6-93AF-4DB8-9C6B-D6C7DFDC589F}" vid="{4A3C46E8-61CC-4603-A589-7422A47A8E4A}"/>
     </a:ext>
   </a:extLst>
 </a:theme>
